--- a/CapstonePowerPoint.pptx
+++ b/CapstonePowerPoint.pptx
@@ -1203,7 +1203,7 @@
           <a:blip xmlns:r="http://schemas.openxmlformats.org/officeDocument/2006/relationships" r:embed="rId1">
             <a:extLst>
               <a:ext uri="{96DAC541-7B7A-43D3-8B79-37D633B846F1}">
-                <asvg:svgBlip xmlns:asvg="http://schemas.microsoft.com/office/drawing/2016/SVG/main" r:embed="rId2"/>
+                <asvg:svgBlip xmlns:asvg="http://schemas.microsoft.com/office/drawing/2016/SVG/main" xmlns="" r:embed="rId2"/>
               </a:ext>
             </a:extLst>
           </a:blip>
@@ -1227,6 +1227,13 @@
         </dgm:presLayoutVars>
       </dgm:prSet>
       <dgm:spPr/>
+      <dgm:t>
+        <a:bodyPr/>
+        <a:lstStyle/>
+        <a:p>
+          <a:endParaRPr lang="en-US"/>
+        </a:p>
+      </dgm:t>
     </dgm:pt>
     <dgm:pt modelId="{8B391436-B9B0-45BD-A57F-792D6376D868}" type="pres">
       <dgm:prSet presAssocID="{0C95B389-AC0C-4055-9AA3-38815EFC8B0A}" presName="sibTrans" presStyleCnt="0"/>
@@ -1243,7 +1250,7 @@
           <a:blip xmlns:r="http://schemas.openxmlformats.org/officeDocument/2006/relationships" r:embed="rId3">
             <a:extLst>
               <a:ext uri="{96DAC541-7B7A-43D3-8B79-37D633B846F1}">
-                <asvg:svgBlip xmlns:asvg="http://schemas.microsoft.com/office/drawing/2016/SVG/main" r:embed="rId4"/>
+                <asvg:svgBlip xmlns:asvg="http://schemas.microsoft.com/office/drawing/2016/SVG/main" xmlns="" r:embed="rId4"/>
               </a:ext>
             </a:extLst>
           </a:blip>
@@ -1267,6 +1274,13 @@
         </dgm:presLayoutVars>
       </dgm:prSet>
       <dgm:spPr/>
+      <dgm:t>
+        <a:bodyPr/>
+        <a:lstStyle/>
+        <a:p>
+          <a:endParaRPr lang="en-US"/>
+        </a:p>
+      </dgm:t>
     </dgm:pt>
     <dgm:pt modelId="{F679C986-30E4-4F0A-A3A6-CAE528BFED76}" type="pres">
       <dgm:prSet presAssocID="{BFCE4A28-C381-46FF-935A-B11534EF7D87}" presName="sibTrans" presStyleCnt="0"/>
@@ -1283,7 +1297,7 @@
           <a:blip xmlns:r="http://schemas.openxmlformats.org/officeDocument/2006/relationships" r:embed="rId5">
             <a:extLst>
               <a:ext uri="{96DAC541-7B7A-43D3-8B79-37D633B846F1}">
-                <asvg:svgBlip xmlns:asvg="http://schemas.microsoft.com/office/drawing/2016/SVG/main" r:embed="rId6"/>
+                <asvg:svgBlip xmlns:asvg="http://schemas.microsoft.com/office/drawing/2016/SVG/main" xmlns="" r:embed="rId6"/>
               </a:ext>
             </a:extLst>
           </a:blip>
@@ -1307,16 +1321,23 @@
         </dgm:presLayoutVars>
       </dgm:prSet>
       <dgm:spPr/>
+      <dgm:t>
+        <a:bodyPr/>
+        <a:lstStyle/>
+        <a:p>
+          <a:endParaRPr lang="en-US"/>
+        </a:p>
+      </dgm:t>
     </dgm:pt>
   </dgm:ptLst>
   <dgm:cxnLst>
+    <dgm:cxn modelId="{7F0DAB6F-9257-4F2D-B31A-3418F73F6952}" srcId="{7D9C16A6-8C48-4165-8DAF-8C957C12A8FA}" destId="{91A66877-AC1C-46D9-BF2C-6024B638DEA9}" srcOrd="1" destOrd="0" parTransId="{913FED05-DF41-48A7-B1F8-81937A468EF9}" sibTransId="{BFCE4A28-C381-46FF-935A-B11534EF7D87}"/>
+    <dgm:cxn modelId="{05A920DF-F275-442A-AE4E-321A812BD608}" type="presOf" srcId="{7D9C16A6-8C48-4165-8DAF-8C957C12A8FA}" destId="{8994D886-A75F-411A-A9D7-D31991FF12BD}" srcOrd="0" destOrd="0" presId="urn:microsoft.com/office/officeart/2018/2/layout/IconLabelList"/>
+    <dgm:cxn modelId="{C4BA385D-31ED-40EF-A5D6-98DFBA64E71A}" srcId="{7D9C16A6-8C48-4165-8DAF-8C957C12A8FA}" destId="{701D68F5-42F8-47BC-8FED-84C50F595DF0}" srcOrd="0" destOrd="0" parTransId="{9617668C-C38C-4017-8DDF-37855B15D110}" sibTransId="{0C95B389-AC0C-4055-9AA3-38815EFC8B0A}"/>
     <dgm:cxn modelId="{51C9C716-0C8A-4862-A43F-A9047F6A6ECE}" type="presOf" srcId="{701D68F5-42F8-47BC-8FED-84C50F595DF0}" destId="{A99B5DD6-89E9-4537-B415-4205CEB9323A}" srcOrd="0" destOrd="0" presId="urn:microsoft.com/office/officeart/2018/2/layout/IconLabelList"/>
-    <dgm:cxn modelId="{C4BA385D-31ED-40EF-A5D6-98DFBA64E71A}" srcId="{7D9C16A6-8C48-4165-8DAF-8C957C12A8FA}" destId="{701D68F5-42F8-47BC-8FED-84C50F595DF0}" srcOrd="0" destOrd="0" parTransId="{9617668C-C38C-4017-8DDF-37855B15D110}" sibTransId="{0C95B389-AC0C-4055-9AA3-38815EFC8B0A}"/>
+    <dgm:cxn modelId="{634ABEFF-3AC1-45CD-BF32-24D2F6D73D7C}" type="presOf" srcId="{76CC3289-2662-43F0-A3C6-BA04A135F08C}" destId="{133097FC-B1F8-4953-B0AB-E8E73D968D1C}" srcOrd="0" destOrd="0" presId="urn:microsoft.com/office/officeart/2018/2/layout/IconLabelList"/>
     <dgm:cxn modelId="{0400886E-8A1A-44C2-95A7-DB0EF4911494}" srcId="{7D9C16A6-8C48-4165-8DAF-8C957C12A8FA}" destId="{76CC3289-2662-43F0-A3C6-BA04A135F08C}" srcOrd="2" destOrd="0" parTransId="{D46DB4DA-1442-4ECE-89FE-BBB1E3489E3D}" sibTransId="{FA28C9D6-476E-43CD-BA23-D6D990FD78D0}"/>
-    <dgm:cxn modelId="{7F0DAB6F-9257-4F2D-B31A-3418F73F6952}" srcId="{7D9C16A6-8C48-4165-8DAF-8C957C12A8FA}" destId="{91A66877-AC1C-46D9-BF2C-6024B638DEA9}" srcOrd="1" destOrd="0" parTransId="{913FED05-DF41-48A7-B1F8-81937A468EF9}" sibTransId="{BFCE4A28-C381-46FF-935A-B11534EF7D87}"/>
     <dgm:cxn modelId="{639634AD-5727-49C2-9E58-EB6075215446}" type="presOf" srcId="{91A66877-AC1C-46D9-BF2C-6024B638DEA9}" destId="{55120873-6F5C-4053-8EAD-6287A7F1097E}" srcOrd="0" destOrd="0" presId="urn:microsoft.com/office/officeart/2018/2/layout/IconLabelList"/>
-    <dgm:cxn modelId="{05A920DF-F275-442A-AE4E-321A812BD608}" type="presOf" srcId="{7D9C16A6-8C48-4165-8DAF-8C957C12A8FA}" destId="{8994D886-A75F-411A-A9D7-D31991FF12BD}" srcOrd="0" destOrd="0" presId="urn:microsoft.com/office/officeart/2018/2/layout/IconLabelList"/>
-    <dgm:cxn modelId="{634ABEFF-3AC1-45CD-BF32-24D2F6D73D7C}" type="presOf" srcId="{76CC3289-2662-43F0-A3C6-BA04A135F08C}" destId="{133097FC-B1F8-4953-B0AB-E8E73D968D1C}" srcOrd="0" destOrd="0" presId="urn:microsoft.com/office/officeart/2018/2/layout/IconLabelList"/>
     <dgm:cxn modelId="{CF59BB9E-C8FC-4C34-8006-3277F29FB6DE}" type="presParOf" srcId="{8994D886-A75F-411A-A9D7-D31991FF12BD}" destId="{E1DBA6D5-BD14-4CD2-A0CC-80F867FEFA81}" srcOrd="0" destOrd="0" presId="urn:microsoft.com/office/officeart/2018/2/layout/IconLabelList"/>
     <dgm:cxn modelId="{866C03AD-DD5B-4277-8831-0C127DF86F35}" type="presParOf" srcId="{E1DBA6D5-BD14-4CD2-A0CC-80F867FEFA81}" destId="{19A8DC21-3E65-409D-AD53-DA51BB9198A0}" srcOrd="0" destOrd="0" presId="urn:microsoft.com/office/officeart/2018/2/layout/IconLabelList"/>
     <dgm:cxn modelId="{128FBF1B-109A-47F9-B440-D03F4626A9BA}" type="presParOf" srcId="{E1DBA6D5-BD14-4CD2-A0CC-80F867FEFA81}" destId="{B9F90A48-FF94-4C94-A587-0190406F6FD3}" srcOrd="1" destOrd="0" presId="urn:microsoft.com/office/officeart/2018/2/layout/IconLabelList"/>
@@ -1370,7 +1391,7 @@
           <a:blip xmlns:r="http://schemas.openxmlformats.org/officeDocument/2006/relationships" r:embed="rId1">
             <a:extLst>
               <a:ext uri="{96DAC541-7B7A-43D3-8B79-37D633B846F1}">
-                <asvg:svgBlip xmlns:asvg="http://schemas.microsoft.com/office/drawing/2016/SVG/main" r:embed="rId2"/>
+                <asvg:svgBlip xmlns:asvg="http://schemas.microsoft.com/office/drawing/2016/SVG/main" xmlns="" r:embed="rId2"/>
               </a:ext>
             </a:extLst>
           </a:blip>
@@ -1442,7 +1463,7 @@
         </a:bodyPr>
         <a:lstStyle/>
         <a:p>
-          <a:pPr marL="0" lvl="0" indent="0" algn="ctr" defTabSz="1377950">
+          <a:pPr lvl="0" algn="ctr" defTabSz="1377950">
             <a:lnSpc>
               <a:spcPct val="100000"/>
             </a:lnSpc>
@@ -1452,7 +1473,6 @@
             <a:spcAft>
               <a:spcPct val="35000"/>
             </a:spcAft>
-            <a:buNone/>
           </a:pPr>
           <a:r>
             <a:rPr lang="en-ZA" sz="3100" kern="1200" dirty="0"/>
@@ -1483,7 +1503,7 @@
           <a:blip xmlns:r="http://schemas.openxmlformats.org/officeDocument/2006/relationships" r:embed="rId3">
             <a:extLst>
               <a:ext uri="{96DAC541-7B7A-43D3-8B79-37D633B846F1}">
-                <asvg:svgBlip xmlns:asvg="http://schemas.microsoft.com/office/drawing/2016/SVG/main" r:embed="rId4"/>
+                <asvg:svgBlip xmlns:asvg="http://schemas.microsoft.com/office/drawing/2016/SVG/main" xmlns="" r:embed="rId4"/>
               </a:ext>
             </a:extLst>
           </a:blip>
@@ -1555,7 +1575,7 @@
         </a:bodyPr>
         <a:lstStyle/>
         <a:p>
-          <a:pPr marL="0" lvl="0" indent="0" algn="ctr" defTabSz="1377950">
+          <a:pPr lvl="0" algn="ctr" defTabSz="1377950">
             <a:lnSpc>
               <a:spcPct val="100000"/>
             </a:lnSpc>
@@ -1565,7 +1585,6 @@
             <a:spcAft>
               <a:spcPct val="35000"/>
             </a:spcAft>
-            <a:buNone/>
           </a:pPr>
           <a:r>
             <a:rPr lang="en-US" sz="3100" kern="1200" dirty="0"/>
@@ -1595,7 +1614,7 @@
           <a:blip xmlns:r="http://schemas.openxmlformats.org/officeDocument/2006/relationships" r:embed="rId5">
             <a:extLst>
               <a:ext uri="{96DAC541-7B7A-43D3-8B79-37D633B846F1}">
-                <asvg:svgBlip xmlns:asvg="http://schemas.microsoft.com/office/drawing/2016/SVG/main" r:embed="rId6"/>
+                <asvg:svgBlip xmlns:asvg="http://schemas.microsoft.com/office/drawing/2016/SVG/main" xmlns="" r:embed="rId6"/>
               </a:ext>
             </a:extLst>
           </a:blip>
@@ -1667,7 +1686,7 @@
         </a:bodyPr>
         <a:lstStyle/>
         <a:p>
-          <a:pPr marL="0" lvl="0" indent="0" algn="ctr" defTabSz="1377950">
+          <a:pPr lvl="0" algn="ctr" defTabSz="1377950">
             <a:lnSpc>
               <a:spcPct val="100000"/>
             </a:lnSpc>
@@ -1677,7 +1696,6 @@
             <a:spcAft>
               <a:spcPct val="35000"/>
             </a:spcAft>
-            <a:buNone/>
           </a:pPr>
           <a:r>
             <a:rPr lang="en-US" sz="3100" kern="1200" dirty="0" err="1"/>
@@ -1876,7 +1894,7 @@
   </dgm:layoutNode>
   <dgm:extLst>
     <a:ext uri="{68A01E43-0DF5-4B5B-8FA6-DAF915123BFB}">
-      <dgm1612:lstStyle xmlns:dgm1612="http://schemas.microsoft.com/office/drawing/2016/12/diagram">
+      <dgm1612:lstStyle xmlns:dgm1612="http://schemas.microsoft.com/office/drawing/2016/12/diagram" xmlns="">
         <a:lvl1pPr>
           <a:lnSpc>
             <a:spcPct val="100000"/>
@@ -3004,7 +3022,7 @@
           <a:p>
             <a:fld id="{32B623FB-F82A-4510-A170-0D5E7C854AA3}" type="datetimeFigureOut">
               <a:rPr lang="en-CA" smtClean="0"/>
-              <a:t>2019-03-28</a:t>
+              <a:t>2019-03-29</a:t>
             </a:fld>
             <a:endParaRPr lang="en-CA"/>
           </a:p>
@@ -4038,7 +4056,7 @@
             <a:fld id="{B61BEF0D-F0BB-DE4B-95CE-6DB70DBA9567}" type="datetimeFigureOut">
               <a:rPr lang="en-US" smtClean="0"/>
               <a:pPr/>
-              <a:t>3/28/2019</a:t>
+              <a:t>3/29/2019</a:t>
             </a:fld>
             <a:endParaRPr lang="en-US" dirty="0"/>
           </a:p>
@@ -4302,7 +4320,7 @@
             <a:fld id="{B61BEF0D-F0BB-DE4B-95CE-6DB70DBA9567}" type="datetimeFigureOut">
               <a:rPr lang="en-US" smtClean="0"/>
               <a:pPr/>
-              <a:t>3/28/2019</a:t>
+              <a:t>3/29/2019</a:t>
             </a:fld>
             <a:endParaRPr lang="en-US" dirty="0"/>
           </a:p>
@@ -4539,7 +4557,7 @@
             <a:fld id="{B61BEF0D-F0BB-DE4B-95CE-6DB70DBA9567}" type="datetimeFigureOut">
               <a:rPr lang="en-US" smtClean="0"/>
               <a:pPr/>
-              <a:t>3/28/2019</a:t>
+              <a:t>3/29/2019</a:t>
             </a:fld>
             <a:endParaRPr lang="en-US" dirty="0"/>
           </a:p>
@@ -4781,7 +4799,7 @@
             <a:fld id="{B61BEF0D-F0BB-DE4B-95CE-6DB70DBA9567}" type="datetimeFigureOut">
               <a:rPr lang="en-US" smtClean="0"/>
               <a:pPr/>
-              <a:t>3/28/2019</a:t>
+              <a:t>3/29/2019</a:t>
             </a:fld>
             <a:endParaRPr lang="en-US" dirty="0"/>
           </a:p>
@@ -5090,7 +5108,7 @@
             <a:fld id="{B61BEF0D-F0BB-DE4B-95CE-6DB70DBA9567}" type="datetimeFigureOut">
               <a:rPr lang="en-US" smtClean="0"/>
               <a:pPr/>
-              <a:t>3/28/2019</a:t>
+              <a:t>3/29/2019</a:t>
             </a:fld>
             <a:endParaRPr lang="en-US" dirty="0"/>
           </a:p>
@@ -5394,7 +5412,7 @@
             <a:fld id="{B61BEF0D-F0BB-DE4B-95CE-6DB70DBA9567}" type="datetimeFigureOut">
               <a:rPr lang="en-US" smtClean="0"/>
               <a:pPr/>
-              <a:t>3/28/2019</a:t>
+              <a:t>3/29/2019</a:t>
             </a:fld>
             <a:endParaRPr lang="en-US" dirty="0"/>
           </a:p>
@@ -5818,7 +5836,7 @@
             <a:fld id="{B61BEF0D-F0BB-DE4B-95CE-6DB70DBA9567}" type="datetimeFigureOut">
               <a:rPr lang="en-US" smtClean="0"/>
               <a:pPr/>
-              <a:t>3/28/2019</a:t>
+              <a:t>3/29/2019</a:t>
             </a:fld>
             <a:endParaRPr lang="en-US" dirty="0"/>
           </a:p>
@@ -5915,7 +5933,7 @@
             <a:fld id="{B61BEF0D-F0BB-DE4B-95CE-6DB70DBA9567}" type="datetimeFigureOut">
               <a:rPr lang="en-US" smtClean="0"/>
               <a:pPr/>
-              <a:t>3/28/2019</a:t>
+              <a:t>3/29/2019</a:t>
             </a:fld>
             <a:endParaRPr lang="en-US" dirty="0"/>
           </a:p>
@@ -6079,7 +6097,7 @@
             <a:fld id="{B61BEF0D-F0BB-DE4B-95CE-6DB70DBA9567}" type="datetimeFigureOut">
               <a:rPr lang="en-US" smtClean="0"/>
               <a:pPr/>
-              <a:t>3/28/2019</a:t>
+              <a:t>3/29/2019</a:t>
             </a:fld>
             <a:endParaRPr lang="en-US" dirty="0"/>
           </a:p>
@@ -6459,7 +6477,7 @@
             <a:fld id="{B61BEF0D-F0BB-DE4B-95CE-6DB70DBA9567}" type="datetimeFigureOut">
               <a:rPr lang="en-US" smtClean="0"/>
               <a:pPr/>
-              <a:t>3/28/2019</a:t>
+              <a:t>3/29/2019</a:t>
             </a:fld>
             <a:endParaRPr lang="en-US" dirty="0"/>
           </a:p>
@@ -6750,7 +6768,7 @@
             <a:fld id="{B61BEF0D-F0BB-DE4B-95CE-6DB70DBA9567}" type="datetimeFigureOut">
               <a:rPr lang="en-US" smtClean="0"/>
               <a:pPr/>
-              <a:t>3/28/2019</a:t>
+              <a:t>3/29/2019</a:t>
             </a:fld>
             <a:endParaRPr lang="en-US" dirty="0"/>
           </a:p>
@@ -6963,7 +6981,7 @@
             <a:fld id="{B61BEF0D-F0BB-DE4B-95CE-6DB70DBA9567}" type="datetimeFigureOut">
               <a:rPr lang="en-US" smtClean="0"/>
               <a:pPr/>
-              <a:t>3/28/2019</a:t>
+              <a:t>3/29/2019</a:t>
             </a:fld>
             <a:endParaRPr lang="en-US" dirty="0"/>
           </a:p>
@@ -7691,6 +7709,13 @@
   <p:clrMapOvr>
     <a:masterClrMapping/>
   </p:clrMapOvr>
+  <p:timing>
+    <p:tnLst>
+      <p:par>
+        <p:cTn id="1" dur="indefinite" restart="never" nodeType="tmRoot"/>
+      </p:par>
+    </p:tnLst>
+  </p:timing>
 </p:sld>
 </file>
 
@@ -7719,66 +7744,6 @@
           <a:chExt cx="0" cy="0"/>
         </a:xfrm>
       </p:grpSpPr>
-      <p:sp useBgFill="1">
-        <p:nvSpPr>
-          <p:cNvPr id="15" name="Rectangle 14">
-            <a:extLst>
-              <a:ext uri="{FF2B5EF4-FFF2-40B4-BE49-F238E27FC236}">
-                <a16:creationId xmlns:a16="http://schemas.microsoft.com/office/drawing/2014/main" id="{493D4EDA-58E0-40CC-B3CA-14CDEB349D24}"/>
-              </a:ext>
-              <a:ext uri="{C183D7F6-B498-43B3-948B-1728B52AA6E4}">
-                <adec:decorative xmlns:adec="http://schemas.microsoft.com/office/drawing/2017/decorative" val="1"/>
-              </a:ext>
-            </a:extLst>
-          </p:cNvPr>
-          <p:cNvSpPr>
-            <a:spLocks noGrp="1" noRot="1" noChangeAspect="1" noMove="1" noResize="1" noEditPoints="1" noAdjustHandles="1" noChangeArrowheads="1" noChangeShapeType="1" noTextEdit="1"/>
-          </p:cNvSpPr>
-          <p:nvPr>
-            <p:extLst>
-              <p:ext uri="{386F3935-93C4-4BCD-93E2-E3B085C9AB24}">
-                <p16:designElem xmlns:p16="http://schemas.microsoft.com/office/powerpoint/2015/main" val="1"/>
-              </p:ext>
-            </p:extLst>
-          </p:nvPr>
-        </p:nvSpPr>
-        <p:spPr>
-          <a:xfrm>
-            <a:off x="0" y="0"/>
-            <a:ext cx="12192000" cy="6858000"/>
-          </a:xfrm>
-          <a:prstGeom prst="rect">
-            <a:avLst/>
-          </a:prstGeom>
-          <a:ln>
-            <a:noFill/>
-          </a:ln>
-        </p:spPr>
-        <p:style>
-          <a:lnRef idx="2">
-            <a:schemeClr val="accent1">
-              <a:shade val="50000"/>
-            </a:schemeClr>
-          </a:lnRef>
-          <a:fillRef idx="1">
-            <a:schemeClr val="accent1"/>
-          </a:fillRef>
-          <a:effectRef idx="0">
-            <a:schemeClr val="accent1"/>
-          </a:effectRef>
-          <a:fontRef idx="minor">
-            <a:schemeClr val="lt1"/>
-          </a:fontRef>
-        </p:style>
-        <p:txBody>
-          <a:bodyPr rtlCol="0" anchor="ctr"/>
-          <a:lstStyle/>
-          <a:p>
-            <a:pPr algn="ctr"/>
-            <a:endParaRPr lang="en-US" dirty="0"/>
-          </a:p>
-        </p:txBody>
-      </p:sp>
       <p:pic>
         <p:nvPicPr>
           <p:cNvPr id="7" name="Picture 6" descr="Digital Connections">
@@ -7814,250 +7779,6 @@
           </a:prstGeom>
         </p:spPr>
       </p:pic>
-      <p:grpSp>
-        <p:nvGrpSpPr>
-          <p:cNvPr id="17" name="Group 16">
-            <a:extLst>
-              <a:ext uri="{FF2B5EF4-FFF2-40B4-BE49-F238E27FC236}">
-                <a16:creationId xmlns:a16="http://schemas.microsoft.com/office/drawing/2014/main" id="{AA9EB0BC-A85E-4C26-B355-5DFCEF6CCB49}"/>
-              </a:ext>
-              <a:ext uri="{C183D7F6-B498-43B3-948B-1728B52AA6E4}">
-                <adec:decorative xmlns:adec="http://schemas.microsoft.com/office/drawing/2017/decorative" val="1"/>
-              </a:ext>
-            </a:extLst>
-          </p:cNvPr>
-          <p:cNvGrpSpPr>
-            <a:grpSpLocks noGrp="1" noUngrp="1" noRot="1" noChangeAspect="1" noMove="1" noResize="1"/>
-          </p:cNvGrpSpPr>
-          <p:nvPr>
-            <p:extLst>
-              <p:ext uri="{386F3935-93C4-4BCD-93E2-E3B085C9AB24}">
-                <p16:designElem xmlns:p16="http://schemas.microsoft.com/office/powerpoint/2015/main" val="1"/>
-              </p:ext>
-            </p:extLst>
-          </p:nvPr>
-        </p:nvGrpSpPr>
-        <p:grpSpPr>
-          <a:xfrm>
-            <a:off x="446534" y="453643"/>
-            <a:ext cx="11298933" cy="98554"/>
-            <a:chOff x="446534" y="453643"/>
-            <a:chExt cx="11298933" cy="98554"/>
-          </a:xfrm>
-        </p:grpSpPr>
-        <p:sp>
-          <p:nvSpPr>
-            <p:cNvPr id="18" name="Rectangle 17">
-              <a:extLst>
-                <a:ext uri="{FF2B5EF4-FFF2-40B4-BE49-F238E27FC236}">
-                  <a16:creationId xmlns:a16="http://schemas.microsoft.com/office/drawing/2014/main" id="{3643E56B-BD42-413D-B17D-7958270F5DE4}"/>
-                </a:ext>
-                <a:ext uri="{C183D7F6-B498-43B3-948B-1728B52AA6E4}">
-                  <adec:decorative xmlns:adec="http://schemas.microsoft.com/office/drawing/2017/decorative" val="1"/>
-                </a:ext>
-              </a:extLst>
-            </p:cNvPr>
-            <p:cNvSpPr/>
-            <p:nvPr>
-              <p:extLst>
-                <p:ext uri="{386F3935-93C4-4BCD-93E2-E3B085C9AB24}">
-                  <p16:designElem xmlns:p16="http://schemas.microsoft.com/office/powerpoint/2015/main" val="1"/>
-                </p:ext>
-              </p:extLst>
-            </p:nvPr>
-          </p:nvSpPr>
-          <p:spPr>
-            <a:xfrm>
-              <a:off x="446534" y="457200"/>
-              <a:ext cx="3703320" cy="94997"/>
-            </a:xfrm>
-            <a:prstGeom prst="rect">
-              <a:avLst/>
-            </a:prstGeom>
-            <a:solidFill>
-              <a:schemeClr val="accent1"/>
-            </a:solidFill>
-            <a:ln>
-              <a:noFill/>
-            </a:ln>
-            <a:effectLst/>
-          </p:spPr>
-          <p:style>
-            <a:lnRef idx="1">
-              <a:schemeClr val="accent1"/>
-            </a:lnRef>
-            <a:fillRef idx="3">
-              <a:schemeClr val="accent1"/>
-            </a:fillRef>
-            <a:effectRef idx="2">
-              <a:schemeClr val="accent1"/>
-            </a:effectRef>
-            <a:fontRef idx="minor">
-              <a:schemeClr val="lt1"/>
-            </a:fontRef>
-          </p:style>
-        </p:sp>
-        <p:sp>
-          <p:nvSpPr>
-            <p:cNvPr id="19" name="Rectangle 18">
-              <a:extLst>
-                <a:ext uri="{FF2B5EF4-FFF2-40B4-BE49-F238E27FC236}">
-                  <a16:creationId xmlns:a16="http://schemas.microsoft.com/office/drawing/2014/main" id="{96C04F74-9467-4FA5-95DC-8D481A29740E}"/>
-                </a:ext>
-                <a:ext uri="{C183D7F6-B498-43B3-948B-1728B52AA6E4}">
-                  <adec:decorative xmlns:adec="http://schemas.microsoft.com/office/drawing/2017/decorative" val="1"/>
-                </a:ext>
-              </a:extLst>
-            </p:cNvPr>
-            <p:cNvSpPr/>
-            <p:nvPr>
-              <p:extLst>
-                <p:ext uri="{386F3935-93C4-4BCD-93E2-E3B085C9AB24}">
-                  <p16:designElem xmlns:p16="http://schemas.microsoft.com/office/powerpoint/2015/main" val="1"/>
-                </p:ext>
-              </p:extLst>
-            </p:nvPr>
-          </p:nvSpPr>
-          <p:spPr>
-            <a:xfrm>
-              <a:off x="8042147" y="453643"/>
-              <a:ext cx="3703320" cy="98554"/>
-            </a:xfrm>
-            <a:prstGeom prst="rect">
-              <a:avLst/>
-            </a:prstGeom>
-            <a:solidFill>
-              <a:schemeClr val="accent4"/>
-            </a:solidFill>
-            <a:ln>
-              <a:noFill/>
-            </a:ln>
-            <a:effectLst/>
-          </p:spPr>
-          <p:style>
-            <a:lnRef idx="1">
-              <a:schemeClr val="accent1"/>
-            </a:lnRef>
-            <a:fillRef idx="3">
-              <a:schemeClr val="accent1"/>
-            </a:fillRef>
-            <a:effectRef idx="2">
-              <a:schemeClr val="accent1"/>
-            </a:effectRef>
-            <a:fontRef idx="minor">
-              <a:schemeClr val="lt1"/>
-            </a:fontRef>
-          </p:style>
-        </p:sp>
-        <p:sp>
-          <p:nvSpPr>
-            <p:cNvPr id="20" name="Rectangle 19">
-              <a:extLst>
-                <a:ext uri="{FF2B5EF4-FFF2-40B4-BE49-F238E27FC236}">
-                  <a16:creationId xmlns:a16="http://schemas.microsoft.com/office/drawing/2014/main" id="{D73DE1C3-5C37-42E9-A3F0-256F1938327C}"/>
-                </a:ext>
-                <a:ext uri="{C183D7F6-B498-43B3-948B-1728B52AA6E4}">
-                  <adec:decorative xmlns:adec="http://schemas.microsoft.com/office/drawing/2017/decorative" val="1"/>
-                </a:ext>
-              </a:extLst>
-            </p:cNvPr>
-            <p:cNvSpPr/>
-            <p:nvPr>
-              <p:extLst>
-                <p:ext uri="{386F3935-93C4-4BCD-93E2-E3B085C9AB24}">
-                  <p16:designElem xmlns:p16="http://schemas.microsoft.com/office/powerpoint/2015/main" val="1"/>
-                </p:ext>
-              </p:extLst>
-            </p:nvPr>
-          </p:nvSpPr>
-          <p:spPr>
-            <a:xfrm>
-              <a:off x="4241830" y="457200"/>
-              <a:ext cx="3703320" cy="91440"/>
-            </a:xfrm>
-            <a:prstGeom prst="rect">
-              <a:avLst/>
-            </a:prstGeom>
-            <a:solidFill>
-              <a:schemeClr val="accent2"/>
-            </a:solidFill>
-            <a:ln>
-              <a:noFill/>
-            </a:ln>
-            <a:effectLst/>
-          </p:spPr>
-          <p:style>
-            <a:lnRef idx="1">
-              <a:schemeClr val="accent1"/>
-            </a:lnRef>
-            <a:fillRef idx="3">
-              <a:schemeClr val="accent1"/>
-            </a:fillRef>
-            <a:effectRef idx="2">
-              <a:schemeClr val="accent1"/>
-            </a:effectRef>
-            <a:fontRef idx="minor">
-              <a:schemeClr val="lt1"/>
-            </a:fontRef>
-          </p:style>
-        </p:sp>
-      </p:grpSp>
-      <p:sp>
-        <p:nvSpPr>
-          <p:cNvPr id="22" name="Rectangle 21">
-            <a:extLst>
-              <a:ext uri="{FF2B5EF4-FFF2-40B4-BE49-F238E27FC236}">
-                <a16:creationId xmlns:a16="http://schemas.microsoft.com/office/drawing/2014/main" id="{4A2E7EC3-E07C-46CE-9B25-41865A50681C}"/>
-              </a:ext>
-              <a:ext uri="{C183D7F6-B498-43B3-948B-1728B52AA6E4}">
-                <adec:decorative xmlns:adec="http://schemas.microsoft.com/office/drawing/2017/decorative" val="1"/>
-              </a:ext>
-            </a:extLst>
-          </p:cNvPr>
-          <p:cNvSpPr>
-            <a:spLocks noGrp="1" noRot="1" noChangeAspect="1" noMove="1" noResize="1" noEditPoints="1" noAdjustHandles="1" noChangeArrowheads="1" noChangeShapeType="1" noTextEdit="1"/>
-          </p:cNvSpPr>
-          <p:nvPr>
-            <p:extLst>
-              <p:ext uri="{386F3935-93C4-4BCD-93E2-E3B085C9AB24}">
-                <p16:designElem xmlns:p16="http://schemas.microsoft.com/office/powerpoint/2015/main" val="1"/>
-              </p:ext>
-            </p:extLst>
-          </p:nvPr>
-        </p:nvSpPr>
-        <p:spPr>
-          <a:xfrm>
-            <a:off x="448732" y="4428067"/>
-            <a:ext cx="11260667" cy="1962497"/>
-          </a:xfrm>
-          <a:prstGeom prst="rect">
-            <a:avLst/>
-          </a:prstGeom>
-          <a:solidFill>
-            <a:schemeClr val="accent1">
-              <a:alpha val="97000"/>
-            </a:schemeClr>
-          </a:solidFill>
-          <a:ln w="6350" cmpd="sng">
-            <a:noFill/>
-          </a:ln>
-          <a:effectLst/>
-        </p:spPr>
-        <p:style>
-          <a:lnRef idx="1">
-            <a:schemeClr val="accent1"/>
-          </a:lnRef>
-          <a:fillRef idx="3">
-            <a:schemeClr val="accent1"/>
-          </a:fillRef>
-          <a:effectRef idx="2">
-            <a:schemeClr val="accent1"/>
-          </a:effectRef>
-          <a:fontRef idx="minor">
-            <a:schemeClr val="lt1"/>
-          </a:fontRef>
-        </p:style>
-      </p:sp>
       <p:sp>
         <p:nvSpPr>
           <p:cNvPr id="2" name="Title 1">
@@ -8071,13 +7792,13 @@
             <a:spLocks noGrp="1"/>
           </p:cNvSpPr>
           <p:nvPr>
-            <p:ph type="ctrTitle"/>
+            <p:ph type="title"/>
           </p:nvPr>
         </p:nvSpPr>
         <p:spPr>
           <a:xfrm>
-            <a:off x="581191" y="4572000"/>
-            <a:ext cx="10993549" cy="895244"/>
+            <a:off x="581192" y="364834"/>
+            <a:ext cx="11029616" cy="988332"/>
           </a:xfrm>
         </p:spPr>
         <p:txBody>
@@ -8097,45 +7818,32 @@
           </a:p>
         </p:txBody>
       </p:sp>
-      <p:sp>
-        <p:nvSpPr>
-          <p:cNvPr id="3" name="Subtitle 2">
-            <a:extLst>
-              <a:ext uri="{FF2B5EF4-FFF2-40B4-BE49-F238E27FC236}">
-                <a16:creationId xmlns:a16="http://schemas.microsoft.com/office/drawing/2014/main" id="{48B6CF59-4E5B-494D-A2F7-97ADD01E6497}"/>
-              </a:ext>
-            </a:extLst>
-          </p:cNvPr>
-          <p:cNvSpPr>
-            <a:spLocks noGrp="1"/>
-          </p:cNvSpPr>
+      <p:pic>
+        <p:nvPicPr>
+          <p:cNvPr id="9" name="Content Placeholder 8"/>
+          <p:cNvPicPr>
+            <a:picLocks noGrp="1" noChangeAspect="1"/>
+          </p:cNvPicPr>
           <p:nvPr>
-            <p:ph type="subTitle" idx="1"/>
+            <p:ph sz="half" idx="2"/>
           </p:nvPr>
-        </p:nvSpPr>
+        </p:nvPicPr>
+        <p:blipFill>
+          <a:blip r:embed="rId4"/>
+          <a:stretch>
+            <a:fillRect/>
+          </a:stretch>
+        </p:blipFill>
         <p:spPr>
           <a:xfrm>
-            <a:off x="581194" y="5467246"/>
-            <a:ext cx="10993546" cy="484822"/>
+            <a:off x="782071" y="1353166"/>
+            <a:ext cx="10436581" cy="5232072"/>
           </a:xfrm>
+          <a:prstGeom prst="rect">
+            <a:avLst/>
+          </a:prstGeom>
         </p:spPr>
-        <p:txBody>
-          <a:bodyPr>
-            <a:normAutofit/>
-          </a:bodyPr>
-          <a:lstStyle/>
-          <a:p>
-            <a:r>
-              <a:rPr lang="en-US" dirty="0">
-                <a:solidFill>
-                  <a:srgbClr val="7CEBFF"/>
-                </a:solidFill>
-              </a:rPr>
-              <a:t>Field Service Scheduler</a:t>
-            </a:r>
-          </a:p>
-        </p:txBody>
-      </p:sp>
+      </p:pic>
     </p:spTree>
     <p:extLst>
       <p:ext uri="{BB962C8B-B14F-4D97-AF65-F5344CB8AC3E}">
@@ -8146,6 +7854,13 @@
   <p:clrMapOvr>
     <a:masterClrMapping/>
   </p:clrMapOvr>
+  <p:timing>
+    <p:tnLst>
+      <p:par>
+        <p:cTn id="1" dur="indefinite" restart="never" nodeType="tmRoot"/>
+      </p:par>
+    </p:tnLst>
+  </p:timing>
 </p:sld>
 </file>
 
@@ -8337,6 +8052,13 @@
   <p:clrMapOvr>
     <a:masterClrMapping/>
   </p:clrMapOvr>
+  <p:timing>
+    <p:tnLst>
+      <p:par>
+        <p:cTn id="1" dur="indefinite" restart="never" nodeType="tmRoot"/>
+      </p:par>
+    </p:tnLst>
+  </p:timing>
 </p:sld>
 </file>
 
@@ -8440,6 +8162,13 @@
   <p:clrMapOvr>
     <a:masterClrMapping/>
   </p:clrMapOvr>
+  <p:timing>
+    <p:tnLst>
+      <p:par>
+        <p:cTn id="1" dur="indefinite" restart="never" nodeType="tmRoot"/>
+      </p:par>
+    </p:tnLst>
+  </p:timing>
 </p:sld>
 </file>
 
@@ -8579,6 +8308,13 @@
   <p:clrMapOvr>
     <a:masterClrMapping/>
   </p:clrMapOvr>
+  <p:timing>
+    <p:tnLst>
+      <p:par>
+        <p:cTn id="1" dur="indefinite" restart="never" nodeType="tmRoot"/>
+      </p:par>
+    </p:tnLst>
+  </p:timing>
 </p:sld>
 </file>
 
@@ -9738,7 +9474,7 @@
         </p:spPr>
         <p:txBody>
           <a:bodyPr vert="horz" lIns="91440" tIns="45720" rIns="91440" bIns="45720" rtlCol="0" anchor="t">
-            <a:normAutofit lnSpcReduction="10000"/>
+            <a:normAutofit/>
           </a:bodyPr>
           <a:lstStyle>
             <a:lvl1pPr marL="306000" indent="-306000" algn="l" defTabSz="457200" rtl="0" eaLnBrk="1" latinLnBrk="0" hangingPunct="1">
@@ -9943,14 +9679,77 @@
           <a:p>
             <a:r>
               <a:rPr lang="en-CA" dirty="0"/>
-              <a:t>We used Droppable to be able to grab data from the Work Order List and move it into the Gantt chart for scheduling</a:t>
-            </a:r>
-          </a:p>
-          <a:p>
+              <a:t>We used Droppable to be able to grab data from the Work Order List and move it into the Gantt chart for </a:t>
+            </a:r>
+            <a:r>
+              <a:rPr lang="en-CA" dirty="0" smtClean="0"/>
+              <a:t>scheduling. We </a:t>
+            </a:r>
             <a:r>
               <a:rPr lang="en-CA" dirty="0"/>
-              <a:t>We updated the draggable work orders to highlight Technicians and Resource that match Work Order requirements and matched the look and size of the time slots in the Gantt Chart, giving Dispatchers instant visual feedback </a:t>
-            </a:r>
+              <a:t>updated </a:t>
+            </a:r>
+            <a:r>
+              <a:rPr lang="en-CA" dirty="0" smtClean="0"/>
+              <a:t>the </a:t>
+            </a:r>
+            <a:r>
+              <a:rPr lang="en-CA" dirty="0" err="1"/>
+              <a:t>draggable</a:t>
+            </a:r>
+            <a:r>
+              <a:rPr lang="en-CA" dirty="0"/>
+              <a:t> </a:t>
+            </a:r>
+            <a:r>
+              <a:rPr lang="en-CA" dirty="0" smtClean="0"/>
+              <a:t>Work </a:t>
+            </a:r>
+            <a:r>
+              <a:rPr lang="en-CA" dirty="0"/>
+              <a:t>o</a:t>
+            </a:r>
+            <a:r>
+              <a:rPr lang="en-CA" dirty="0" smtClean="0"/>
+              <a:t>rders </a:t>
+            </a:r>
+            <a:r>
+              <a:rPr lang="en-CA" dirty="0"/>
+              <a:t>to highlight Technicians and </a:t>
+            </a:r>
+            <a:r>
+              <a:rPr lang="en-CA" dirty="0" smtClean="0"/>
+              <a:t>Resources </a:t>
+            </a:r>
+            <a:r>
+              <a:rPr lang="en-CA" dirty="0"/>
+              <a:t>that </a:t>
+            </a:r>
+            <a:r>
+              <a:rPr lang="en-CA" dirty="0" smtClean="0"/>
+              <a:t>match selected </a:t>
+            </a:r>
+            <a:r>
+              <a:rPr lang="en-CA" dirty="0"/>
+              <a:t>Work Order requirements </a:t>
+            </a:r>
+            <a:r>
+              <a:rPr lang="en-CA" dirty="0" smtClean="0"/>
+              <a:t>as well as</a:t>
+            </a:r>
+            <a:r>
+              <a:rPr lang="en-CA" dirty="0" smtClean="0"/>
+              <a:t> </a:t>
+            </a:r>
+            <a:r>
+              <a:rPr lang="en-CA" dirty="0"/>
+              <a:t>matched the look and size of the time slots </a:t>
+            </a:r>
+            <a:r>
+              <a:rPr lang="en-CA" dirty="0" smtClean="0"/>
+              <a:t>providing Dispatchers a relative visual to what it would look like in the Gantt Chart</a:t>
+            </a:r>
+            <a:endParaRPr lang="en-CA" dirty="0"/>
           </a:p>
         </p:txBody>
       </p:sp>
@@ -9964,6 +9763,13 @@
   <p:clrMapOvr>
     <a:masterClrMapping/>
   </p:clrMapOvr>
+  <p:timing>
+    <p:tnLst>
+      <p:par>
+        <p:cTn id="1" dur="indefinite" restart="never" nodeType="tmRoot"/>
+      </p:par>
+    </p:tnLst>
+  </p:timing>
 </p:sld>
 </file>
 
@@ -10000,7 +9806,7 @@
                 <a16:creationId xmlns:a16="http://schemas.microsoft.com/office/drawing/2014/main" id="{379F11E2-8BA5-4C5C-AE7C-361E5EA011FF}"/>
               </a:ext>
               <a:ext uri="{C183D7F6-B498-43B3-948B-1728B52AA6E4}">
-                <adec:decorative xmlns:adec="http://schemas.microsoft.com/office/drawing/2017/decorative" val="1"/>
+                <adec:decorative xmlns:adec="http://schemas.microsoft.com/office/drawing/2017/decorative" xmlns="" val="1"/>
               </a:ext>
             </a:extLst>
           </p:cNvPr>
@@ -10095,7 +9901,7 @@
                 <a16:creationId xmlns:a16="http://schemas.microsoft.com/office/drawing/2014/main" id="{7C00E1DA-EC7C-40FC-95E3-11FDCD2E4291}"/>
               </a:ext>
               <a:ext uri="{C183D7F6-B498-43B3-948B-1728B52AA6E4}">
-                <adec:decorative xmlns:adec="http://schemas.microsoft.com/office/drawing/2017/decorative" val="1"/>
+                <adec:decorative xmlns:adec="http://schemas.microsoft.com/office/drawing/2017/decorative" xmlns="" val="1"/>
               </a:ext>
             </a:extLst>
           </p:cNvPr>
@@ -10238,7 +10044,7 @@
                 <a16:creationId xmlns:a16="http://schemas.microsoft.com/office/drawing/2014/main" id="{9A421166-2996-41A7-B094-AE5316F347DD}"/>
               </a:ext>
               <a:ext uri="{C183D7F6-B498-43B3-948B-1728B52AA6E4}">
-                <adec:decorative xmlns:adec="http://schemas.microsoft.com/office/drawing/2017/decorative" val="1"/>
+                <adec:decorative xmlns:adec="http://schemas.microsoft.com/office/drawing/2017/decorative" xmlns="" val="1"/>
               </a:ext>
             </a:extLst>
           </p:cNvPr>
@@ -10269,7 +10075,7 @@
                   <a16:creationId xmlns:a16="http://schemas.microsoft.com/office/drawing/2014/main" id="{FDBB1B92-A3EB-43E4-8FAB-D20E8ED14CEF}"/>
                 </a:ext>
                 <a:ext uri="{C183D7F6-B498-43B3-948B-1728B52AA6E4}">
-                  <adec:decorative xmlns:adec="http://schemas.microsoft.com/office/drawing/2017/decorative" val="1"/>
+                  <adec:decorative xmlns:adec="http://schemas.microsoft.com/office/drawing/2017/decorative" xmlns="" val="1"/>
                 </a:ext>
               </a:extLst>
             </p:cNvPr>
@@ -10321,7 +10127,7 @@
                   <a16:creationId xmlns:a16="http://schemas.microsoft.com/office/drawing/2014/main" id="{3F3972F4-FE7E-48EA-AAD8-9BE5750A6672}"/>
                 </a:ext>
                 <a:ext uri="{C183D7F6-B498-43B3-948B-1728B52AA6E4}">
-                  <adec:decorative xmlns:adec="http://schemas.microsoft.com/office/drawing/2017/decorative" val="1"/>
+                  <adec:decorative xmlns:adec="http://schemas.microsoft.com/office/drawing/2017/decorative" xmlns="" val="1"/>
                 </a:ext>
               </a:extLst>
             </p:cNvPr>
@@ -10373,7 +10179,7 @@
                   <a16:creationId xmlns:a16="http://schemas.microsoft.com/office/drawing/2014/main" id="{221614E5-870B-4D5E-A43B-8FF7E5323484}"/>
                 </a:ext>
                 <a:ext uri="{C183D7F6-B498-43B3-948B-1728B52AA6E4}">
-                  <adec:decorative xmlns:adec="http://schemas.microsoft.com/office/drawing/2017/decorative" val="1"/>
+                  <adec:decorative xmlns:adec="http://schemas.microsoft.com/office/drawing/2017/decorative" xmlns="" val="1"/>
                 </a:ext>
               </a:extLst>
             </p:cNvPr>
@@ -10428,6 +10234,13 @@
   <p:clrMapOvr>
     <a:masterClrMapping/>
   </p:clrMapOvr>
+  <p:timing>
+    <p:tnLst>
+      <p:par>
+        <p:cTn id="1" dur="indefinite" restart="never" nodeType="tmRoot"/>
+      </p:par>
+    </p:tnLst>
+  </p:timing>
 </p:sld>
 </file>
 
@@ -10996,11 +10809,12 @@
 </file>
 
 <file path=customXml/item1.xml><?xml version="1.0" encoding="utf-8"?>
-<p:properties xmlns:p="http://schemas.microsoft.com/office/2006/metadata/properties" xmlns:xsi="http://www.w3.org/2001/XMLSchema-instance" xmlns:pc="http://schemas.microsoft.com/office/infopath/2007/PartnerControls">
-  <documentManagement>
-    <MediaServiceKeyPoints xmlns="71af3243-3dd4-4a8d-8c0d-dd76da1f02a5" xsi:nil="true"/>
-  </documentManagement>
-</p:properties>
+<?mso-contentType ?>
+<FormTemplates xmlns="http://schemas.microsoft.com/sharepoint/v3/contenttype/forms">
+  <Display>DocumentLibraryForm</Display>
+  <Edit>DocumentLibraryForm</Edit>
+  <New>DocumentLibraryForm</New>
+</FormTemplates>
 </file>
 
 <file path=customXml/item2.xml><?xml version="1.0" encoding="utf-8"?>
@@ -11215,20 +11029,17 @@
 </file>
 
 <file path=customXml/item3.xml><?xml version="1.0" encoding="utf-8"?>
-<?mso-contentType ?>
-<FormTemplates xmlns="http://schemas.microsoft.com/sharepoint/v3/contenttype/forms">
-  <Display>DocumentLibraryForm</Display>
-  <Edit>DocumentLibraryForm</Edit>
-  <New>DocumentLibraryForm</New>
-</FormTemplates>
+<p:properties xmlns:p="http://schemas.microsoft.com/office/2006/metadata/properties" xmlns:xsi="http://www.w3.org/2001/XMLSchema-instance" xmlns:pc="http://schemas.microsoft.com/office/infopath/2007/PartnerControls">
+  <documentManagement>
+    <MediaServiceKeyPoints xmlns="71af3243-3dd4-4a8d-8c0d-dd76da1f02a5" xsi:nil="true"/>
+  </documentManagement>
+</p:properties>
 </file>
 
 <file path=customXml/itemProps1.xml><?xml version="1.0" encoding="utf-8"?>
-<ds:datastoreItem xmlns:ds="http://schemas.openxmlformats.org/officeDocument/2006/customXml" ds:itemID="{1EBC12AA-1C15-4500-BC9C-8EE83A441DE9}">
+<ds:datastoreItem xmlns:ds="http://schemas.openxmlformats.org/officeDocument/2006/customXml" ds:itemID="{BA0CF3B2-1F0F-4FC5-8002-3E4869ABAD55}">
   <ds:schemaRefs>
-    <ds:schemaRef ds:uri="http://schemas.microsoft.com/office/2006/metadata/properties"/>
-    <ds:schemaRef ds:uri="http://schemas.microsoft.com/office/infopath/2007/PartnerControls"/>
-    <ds:schemaRef ds:uri="71af3243-3dd4-4a8d-8c0d-dd76da1f02a5"/>
+    <ds:schemaRef ds:uri="http://schemas.microsoft.com/sharepoint/v3/contenttype/forms"/>
   </ds:schemaRefs>
 </ds:datastoreItem>
 </file>
@@ -11253,9 +11064,11 @@
 </file>
 
 <file path=customXml/itemProps3.xml><?xml version="1.0" encoding="utf-8"?>
-<ds:datastoreItem xmlns:ds="http://schemas.openxmlformats.org/officeDocument/2006/customXml" ds:itemID="{BA0CF3B2-1F0F-4FC5-8002-3E4869ABAD55}">
+<ds:datastoreItem xmlns:ds="http://schemas.openxmlformats.org/officeDocument/2006/customXml" ds:itemID="{1EBC12AA-1C15-4500-BC9C-8EE83A441DE9}">
   <ds:schemaRefs>
-    <ds:schemaRef ds:uri="http://schemas.microsoft.com/sharepoint/v3/contenttype/forms"/>
+    <ds:schemaRef ds:uri="http://schemas.microsoft.com/office/2006/metadata/properties"/>
+    <ds:schemaRef ds:uri="http://schemas.microsoft.com/office/infopath/2007/PartnerControls"/>
+    <ds:schemaRef ds:uri="71af3243-3dd4-4a8d-8c0d-dd76da1f02a5"/>
   </ds:schemaRefs>
 </ds:datastoreItem>
 </file>
--- a/CapstonePowerPoint.pptx
+++ b/CapstonePowerPoint.pptx
@@ -5,16 +5,15 @@
     <p:sldMasterId id="2147483672" r:id="rId4"/>
   </p:sldMasterIdLst>
   <p:notesMasterIdLst>
-    <p:notesMasterId r:id="rId12"/>
+    <p:notesMasterId r:id="rId11"/>
   </p:notesMasterIdLst>
   <p:sldIdLst>
     <p:sldId id="262" r:id="rId5"/>
-    <p:sldId id="256" r:id="rId6"/>
-    <p:sldId id="263" r:id="rId7"/>
-    <p:sldId id="261" r:id="rId8"/>
-    <p:sldId id="258" r:id="rId9"/>
-    <p:sldId id="264" r:id="rId10"/>
-    <p:sldId id="260" r:id="rId11"/>
+    <p:sldId id="263" r:id="rId6"/>
+    <p:sldId id="261" r:id="rId7"/>
+    <p:sldId id="258" r:id="rId8"/>
+    <p:sldId id="264" r:id="rId9"/>
+    <p:sldId id="256" r:id="rId10"/>
   </p:sldIdLst>
   <p:sldSz cx="12192000" cy="6858000"/>
   <p:notesSz cx="6858000" cy="9144000"/>
@@ -1203,7 +1202,7 @@
           <a:blip xmlns:r="http://schemas.openxmlformats.org/officeDocument/2006/relationships" r:embed="rId1">
             <a:extLst>
               <a:ext uri="{96DAC541-7B7A-43D3-8B79-37D633B846F1}">
-                <asvg:svgBlip xmlns:asvg="http://schemas.microsoft.com/office/drawing/2016/SVG/main" xmlns="" r:embed="rId2"/>
+                <asvg:svgBlip xmlns="" xmlns:asvg="http://schemas.microsoft.com/office/drawing/2016/SVG/main" r:embed="rId2"/>
               </a:ext>
             </a:extLst>
           </a:blip>
@@ -1250,7 +1249,7 @@
           <a:blip xmlns:r="http://schemas.openxmlformats.org/officeDocument/2006/relationships" r:embed="rId3">
             <a:extLst>
               <a:ext uri="{96DAC541-7B7A-43D3-8B79-37D633B846F1}">
-                <asvg:svgBlip xmlns:asvg="http://schemas.microsoft.com/office/drawing/2016/SVG/main" xmlns="" r:embed="rId4"/>
+                <asvg:svgBlip xmlns="" xmlns:asvg="http://schemas.microsoft.com/office/drawing/2016/SVG/main" r:embed="rId4"/>
               </a:ext>
             </a:extLst>
           </a:blip>
@@ -1297,7 +1296,7 @@
           <a:blip xmlns:r="http://schemas.openxmlformats.org/officeDocument/2006/relationships" r:embed="rId5">
             <a:extLst>
               <a:ext uri="{96DAC541-7B7A-43D3-8B79-37D633B846F1}">
-                <asvg:svgBlip xmlns:asvg="http://schemas.microsoft.com/office/drawing/2016/SVG/main" xmlns="" r:embed="rId6"/>
+                <asvg:svgBlip xmlns="" xmlns:asvg="http://schemas.microsoft.com/office/drawing/2016/SVG/main" r:embed="rId6"/>
               </a:ext>
             </a:extLst>
           </a:blip>
@@ -1391,7 +1390,7 @@
           <a:blip xmlns:r="http://schemas.openxmlformats.org/officeDocument/2006/relationships" r:embed="rId1">
             <a:extLst>
               <a:ext uri="{96DAC541-7B7A-43D3-8B79-37D633B846F1}">
-                <asvg:svgBlip xmlns:asvg="http://schemas.microsoft.com/office/drawing/2016/SVG/main" xmlns="" r:embed="rId2"/>
+                <asvg:svgBlip xmlns="" xmlns:asvg="http://schemas.microsoft.com/office/drawing/2016/SVG/main" r:embed="rId2"/>
               </a:ext>
             </a:extLst>
           </a:blip>
@@ -1503,7 +1502,7 @@
           <a:blip xmlns:r="http://schemas.openxmlformats.org/officeDocument/2006/relationships" r:embed="rId3">
             <a:extLst>
               <a:ext uri="{96DAC541-7B7A-43D3-8B79-37D633B846F1}">
-                <asvg:svgBlip xmlns:asvg="http://schemas.microsoft.com/office/drawing/2016/SVG/main" xmlns="" r:embed="rId4"/>
+                <asvg:svgBlip xmlns="" xmlns:asvg="http://schemas.microsoft.com/office/drawing/2016/SVG/main" r:embed="rId4"/>
               </a:ext>
             </a:extLst>
           </a:blip>
@@ -1614,7 +1613,7 @@
           <a:blip xmlns:r="http://schemas.openxmlformats.org/officeDocument/2006/relationships" r:embed="rId5">
             <a:extLst>
               <a:ext uri="{96DAC541-7B7A-43D3-8B79-37D633B846F1}">
-                <asvg:svgBlip xmlns:asvg="http://schemas.microsoft.com/office/drawing/2016/SVG/main" xmlns="" r:embed="rId6"/>
+                <asvg:svgBlip xmlns="" xmlns:asvg="http://schemas.microsoft.com/office/drawing/2016/SVG/main" r:embed="rId6"/>
               </a:ext>
             </a:extLst>
           </a:blip>
@@ -1894,7 +1893,7 @@
   </dgm:layoutNode>
   <dgm:extLst>
     <a:ext uri="{68A01E43-0DF5-4B5B-8FA6-DAF915123BFB}">
-      <dgm1612:lstStyle xmlns:dgm1612="http://schemas.microsoft.com/office/drawing/2016/12/diagram" xmlns="">
+      <dgm1612:lstStyle xmlns="" xmlns:dgm1612="http://schemas.microsoft.com/office/drawing/2016/12/diagram">
         <a:lvl1pPr>
           <a:lnSpc>
             <a:spcPct val="100000"/>
@@ -3022,7 +3021,7 @@
           <a:p>
             <a:fld id="{32B623FB-F82A-4510-A170-0D5E7C854AA3}" type="datetimeFigureOut">
               <a:rPr lang="en-CA" smtClean="0"/>
-              <a:t>2019-03-29</a:t>
+              <a:t>2019-04-01</a:t>
             </a:fld>
             <a:endParaRPr lang="en-CA"/>
           </a:p>
@@ -3334,10 +3333,7 @@
           <a:bodyPr/>
           <a:lstStyle/>
           <a:p>
-            <a:r>
-              <a:rPr lang="en-CA" dirty="0"/>
-              <a:t>Screenshots here</a:t>
-            </a:r>
+            <a:endParaRPr lang="en-CA" dirty="0"/>
           </a:p>
         </p:txBody>
       </p:sp>
@@ -3367,7 +3363,7 @@
     </p:spTree>
     <p:extLst>
       <p:ext uri="{BB962C8B-B14F-4D97-AF65-F5344CB8AC3E}">
-        <p14:creationId xmlns:p14="http://schemas.microsoft.com/office/powerpoint/2010/main" val="3685495110"/>
+        <p14:creationId xmlns:p14="http://schemas.microsoft.com/office/powerpoint/2010/main" val="2022516614"/>
       </p:ext>
     </p:extLst>
   </p:cSld>
@@ -3421,6 +3417,92 @@
           <a:bodyPr/>
           <a:lstStyle/>
           <a:p>
+            <a:r>
+              <a:rPr lang="en-CA" dirty="0"/>
+              <a:t>ASP.net using C# and MVC</a:t>
+            </a:r>
+          </a:p>
+          <a:p>
+            <a:endParaRPr lang="en-CA" dirty="0"/>
+          </a:p>
+          <a:p>
+            <a:r>
+              <a:rPr lang="en-CA" dirty="0"/>
+              <a:t>SQL Server DB hosted on Azure</a:t>
+            </a:r>
+          </a:p>
+          <a:p>
+            <a:endParaRPr lang="en-CA" dirty="0"/>
+          </a:p>
+          <a:p>
+            <a:r>
+              <a:rPr lang="en-CA" dirty="0" err="1"/>
+              <a:t>jsGantt</a:t>
+            </a:r>
+            <a:r>
+              <a:rPr lang="en-CA" dirty="0"/>
+              <a:t> Improved, an open source </a:t>
+            </a:r>
+            <a:r>
+              <a:rPr lang="en-CA" dirty="0" err="1"/>
+              <a:t>javascript</a:t>
+            </a:r>
+            <a:r>
+              <a:rPr lang="en-CA" dirty="0"/>
+              <a:t> library that creates Gantt charts</a:t>
+            </a:r>
+          </a:p>
+          <a:p>
+            <a:r>
+              <a:rPr lang="en-CA" dirty="0">
+                <a:hlinkClick r:id="rId3"/>
+              </a:rPr>
+              <a:t>https://jsganttimproved.github.io/jsgantt-improved</a:t>
+            </a:r>
+            <a:endParaRPr lang="en-CA" dirty="0"/>
+          </a:p>
+          <a:p>
+            <a:endParaRPr lang="en-CA" dirty="0"/>
+          </a:p>
+          <a:p>
+            <a:r>
+              <a:rPr lang="en-CA" dirty="0"/>
+              <a:t>Credit for Icons:</a:t>
+            </a:r>
+          </a:p>
+          <a:p>
+            <a:r>
+              <a:rPr lang="en-CA" dirty="0" err="1"/>
+              <a:t>Smashicons</a:t>
+            </a:r>
+            <a:r>
+              <a:rPr lang="en-CA" dirty="0"/>
+              <a:t> - https://www.flaticon.com/authors/smashicons</a:t>
+            </a:r>
+          </a:p>
+          <a:p>
+            <a:endParaRPr lang="en-CA" dirty="0"/>
+          </a:p>
+          <a:p>
+            <a:r>
+              <a:rPr lang="en-CA" dirty="0" err="1"/>
+              <a:t>Flaticon</a:t>
+            </a:r>
+            <a:r>
+              <a:rPr lang="en-CA" dirty="0"/>
+              <a:t> is licensed by Creative Commons BY 3.0</a:t>
+            </a:r>
+          </a:p>
+          <a:p>
+            <a:r>
+              <a:rPr lang="en-CA" dirty="0"/>
+              <a:t>http://creativecommons.org/licenses/by/3.0/</a:t>
+            </a:r>
+          </a:p>
+          <a:p>
+            <a:endParaRPr lang="en-CA" dirty="0"/>
+          </a:p>
+          <a:p>
             <a:endParaRPr lang="en-CA" dirty="0"/>
           </a:p>
         </p:txBody>
@@ -3451,7 +3533,7 @@
     </p:spTree>
     <p:extLst>
       <p:ext uri="{BB962C8B-B14F-4D97-AF65-F5344CB8AC3E}">
-        <p14:creationId xmlns:p14="http://schemas.microsoft.com/office/powerpoint/2010/main" val="2022516614"/>
+        <p14:creationId xmlns:p14="http://schemas.microsoft.com/office/powerpoint/2010/main" val="3386299714"/>
       </p:ext>
     </p:extLst>
   </p:cSld>
@@ -3505,92 +3587,6 @@
           <a:bodyPr/>
           <a:lstStyle/>
           <a:p>
-            <a:r>
-              <a:rPr lang="en-CA" dirty="0"/>
-              <a:t>ASP.net using C# and MVC</a:t>
-            </a:r>
-          </a:p>
-          <a:p>
-            <a:endParaRPr lang="en-CA" dirty="0"/>
-          </a:p>
-          <a:p>
-            <a:r>
-              <a:rPr lang="en-CA" dirty="0"/>
-              <a:t>SQL Server DB hosted on Azure</a:t>
-            </a:r>
-          </a:p>
-          <a:p>
-            <a:endParaRPr lang="en-CA" dirty="0"/>
-          </a:p>
-          <a:p>
-            <a:r>
-              <a:rPr lang="en-CA" dirty="0" err="1"/>
-              <a:t>jsGantt</a:t>
-            </a:r>
-            <a:r>
-              <a:rPr lang="en-CA" dirty="0"/>
-              <a:t> Improved, an open source </a:t>
-            </a:r>
-            <a:r>
-              <a:rPr lang="en-CA" dirty="0" err="1"/>
-              <a:t>javascript</a:t>
-            </a:r>
-            <a:r>
-              <a:rPr lang="en-CA" dirty="0"/>
-              <a:t> library that creates Gantt charts</a:t>
-            </a:r>
-          </a:p>
-          <a:p>
-            <a:r>
-              <a:rPr lang="en-CA" dirty="0">
-                <a:hlinkClick r:id="rId3"/>
-              </a:rPr>
-              <a:t>https://jsganttimproved.github.io/jsgantt-improved</a:t>
-            </a:r>
-            <a:endParaRPr lang="en-CA" dirty="0"/>
-          </a:p>
-          <a:p>
-            <a:endParaRPr lang="en-CA" dirty="0"/>
-          </a:p>
-          <a:p>
-            <a:r>
-              <a:rPr lang="en-CA" dirty="0"/>
-              <a:t>Credit for Icons:</a:t>
-            </a:r>
-          </a:p>
-          <a:p>
-            <a:r>
-              <a:rPr lang="en-CA" dirty="0" err="1"/>
-              <a:t>Smashicons</a:t>
-            </a:r>
-            <a:r>
-              <a:rPr lang="en-CA" dirty="0"/>
-              <a:t> - https://www.flaticon.com/authors/smashicons</a:t>
-            </a:r>
-          </a:p>
-          <a:p>
-            <a:endParaRPr lang="en-CA" dirty="0"/>
-          </a:p>
-          <a:p>
-            <a:r>
-              <a:rPr lang="en-CA" dirty="0" err="1"/>
-              <a:t>Flaticon</a:t>
-            </a:r>
-            <a:r>
-              <a:rPr lang="en-CA" dirty="0"/>
-              <a:t> is licensed by Creative Commons BY 3.0</a:t>
-            </a:r>
-          </a:p>
-          <a:p>
-            <a:r>
-              <a:rPr lang="en-CA" dirty="0"/>
-              <a:t>http://creativecommons.org/licenses/by/3.0/</a:t>
-            </a:r>
-          </a:p>
-          <a:p>
-            <a:endParaRPr lang="en-CA" dirty="0"/>
-          </a:p>
-          <a:p>
             <a:endParaRPr lang="en-CA" dirty="0"/>
           </a:p>
         </p:txBody>
@@ -3621,7 +3617,7 @@
     </p:spTree>
     <p:extLst>
       <p:ext uri="{BB962C8B-B14F-4D97-AF65-F5344CB8AC3E}">
-        <p14:creationId xmlns:p14="http://schemas.microsoft.com/office/powerpoint/2010/main" val="3386299714"/>
+        <p14:creationId xmlns:p14="http://schemas.microsoft.com/office/powerpoint/2010/main" val="3087503858"/>
       </p:ext>
     </p:extLst>
   </p:cSld>
@@ -3675,7 +3671,18 @@
           <a:bodyPr/>
           <a:lstStyle/>
           <a:p>
-            <a:endParaRPr lang="en-CA" dirty="0"/>
+            <a:r>
+              <a:rPr lang="en-CA" dirty="0"/>
+              <a:t>We were unable to complete the automated scheduling process however recommendations promotes Technicians and Resources to the Dispatcher based on weighted client parameters (cost 50%, distance 30%, </a:t>
+            </a:r>
+            <a:r>
+              <a:rPr lang="en-CA" dirty="0" err="1"/>
+              <a:t>kpi</a:t>
+            </a:r>
+            <a:r>
+              <a:rPr lang="en-CA" dirty="0"/>
+              <a:t> 20%) provides a base to selection of Technicians and Resources for the automated process in the future</a:t>
+            </a:r>
           </a:p>
         </p:txBody>
       </p:sp>
@@ -3705,7 +3712,7 @@
     </p:spTree>
     <p:extLst>
       <p:ext uri="{BB962C8B-B14F-4D97-AF65-F5344CB8AC3E}">
-        <p14:creationId xmlns:p14="http://schemas.microsoft.com/office/powerpoint/2010/main" val="3087503858"/>
+        <p14:creationId xmlns:p14="http://schemas.microsoft.com/office/powerpoint/2010/main" val="217912162"/>
       </p:ext>
     </p:extLst>
   </p:cSld>
@@ -3761,15 +3768,7 @@
           <a:p>
             <a:r>
               <a:rPr lang="en-CA" dirty="0"/>
-              <a:t>We were unable to complete the automated scheduling process however recommendations promotes Technicians and Resources to the Dispatcher based on weighted client parameters (cost 50%, distance 30%, </a:t>
-            </a:r>
-            <a:r>
-              <a:rPr lang="en-CA" dirty="0" err="1"/>
-              <a:t>kpi</a:t>
-            </a:r>
-            <a:r>
-              <a:rPr lang="en-CA" dirty="0"/>
-              <a:t> 20%) provides a base to selection of Technicians and Resources for the automated process in the future</a:t>
+              <a:t>Screenshots here</a:t>
             </a:r>
           </a:p>
         </p:txBody>
@@ -3800,7 +3799,7 @@
     </p:spTree>
     <p:extLst>
       <p:ext uri="{BB962C8B-B14F-4D97-AF65-F5344CB8AC3E}">
-        <p14:creationId xmlns:p14="http://schemas.microsoft.com/office/powerpoint/2010/main" val="217912162"/>
+        <p14:creationId xmlns:p14="http://schemas.microsoft.com/office/powerpoint/2010/main" val="3685495110"/>
       </p:ext>
     </p:extLst>
   </p:cSld>
@@ -4056,7 +4055,7 @@
             <a:fld id="{B61BEF0D-F0BB-DE4B-95CE-6DB70DBA9567}" type="datetimeFigureOut">
               <a:rPr lang="en-US" smtClean="0"/>
               <a:pPr/>
-              <a:t>3/29/2019</a:t>
+              <a:t>4/1/2019</a:t>
             </a:fld>
             <a:endParaRPr lang="en-US" dirty="0"/>
           </a:p>
@@ -4320,7 +4319,7 @@
             <a:fld id="{B61BEF0D-F0BB-DE4B-95CE-6DB70DBA9567}" type="datetimeFigureOut">
               <a:rPr lang="en-US" smtClean="0"/>
               <a:pPr/>
-              <a:t>3/29/2019</a:t>
+              <a:t>4/1/2019</a:t>
             </a:fld>
             <a:endParaRPr lang="en-US" dirty="0"/>
           </a:p>
@@ -4557,7 +4556,7 @@
             <a:fld id="{B61BEF0D-F0BB-DE4B-95CE-6DB70DBA9567}" type="datetimeFigureOut">
               <a:rPr lang="en-US" smtClean="0"/>
               <a:pPr/>
-              <a:t>3/29/2019</a:t>
+              <a:t>4/1/2019</a:t>
             </a:fld>
             <a:endParaRPr lang="en-US" dirty="0"/>
           </a:p>
@@ -4799,7 +4798,7 @@
             <a:fld id="{B61BEF0D-F0BB-DE4B-95CE-6DB70DBA9567}" type="datetimeFigureOut">
               <a:rPr lang="en-US" smtClean="0"/>
               <a:pPr/>
-              <a:t>3/29/2019</a:t>
+              <a:t>4/1/2019</a:t>
             </a:fld>
             <a:endParaRPr lang="en-US" dirty="0"/>
           </a:p>
@@ -5108,7 +5107,7 @@
             <a:fld id="{B61BEF0D-F0BB-DE4B-95CE-6DB70DBA9567}" type="datetimeFigureOut">
               <a:rPr lang="en-US" smtClean="0"/>
               <a:pPr/>
-              <a:t>3/29/2019</a:t>
+              <a:t>4/1/2019</a:t>
             </a:fld>
             <a:endParaRPr lang="en-US" dirty="0"/>
           </a:p>
@@ -5412,7 +5411,7 @@
             <a:fld id="{B61BEF0D-F0BB-DE4B-95CE-6DB70DBA9567}" type="datetimeFigureOut">
               <a:rPr lang="en-US" smtClean="0"/>
               <a:pPr/>
-              <a:t>3/29/2019</a:t>
+              <a:t>4/1/2019</a:t>
             </a:fld>
             <a:endParaRPr lang="en-US" dirty="0"/>
           </a:p>
@@ -5836,7 +5835,7 @@
             <a:fld id="{B61BEF0D-F0BB-DE4B-95CE-6DB70DBA9567}" type="datetimeFigureOut">
               <a:rPr lang="en-US" smtClean="0"/>
               <a:pPr/>
-              <a:t>3/29/2019</a:t>
+              <a:t>4/1/2019</a:t>
             </a:fld>
             <a:endParaRPr lang="en-US" dirty="0"/>
           </a:p>
@@ -5933,7 +5932,7 @@
             <a:fld id="{B61BEF0D-F0BB-DE4B-95CE-6DB70DBA9567}" type="datetimeFigureOut">
               <a:rPr lang="en-US" smtClean="0"/>
               <a:pPr/>
-              <a:t>3/29/2019</a:t>
+              <a:t>4/1/2019</a:t>
             </a:fld>
             <a:endParaRPr lang="en-US" dirty="0"/>
           </a:p>
@@ -6097,7 +6096,7 @@
             <a:fld id="{B61BEF0D-F0BB-DE4B-95CE-6DB70DBA9567}" type="datetimeFigureOut">
               <a:rPr lang="en-US" smtClean="0"/>
               <a:pPr/>
-              <a:t>3/29/2019</a:t>
+              <a:t>4/1/2019</a:t>
             </a:fld>
             <a:endParaRPr lang="en-US" dirty="0"/>
           </a:p>
@@ -6477,7 +6476,7 @@
             <a:fld id="{B61BEF0D-F0BB-DE4B-95CE-6DB70DBA9567}" type="datetimeFigureOut">
               <a:rPr lang="en-US" smtClean="0"/>
               <a:pPr/>
-              <a:t>3/29/2019</a:t>
+              <a:t>4/1/2019</a:t>
             </a:fld>
             <a:endParaRPr lang="en-US" dirty="0"/>
           </a:p>
@@ -6768,7 +6767,7 @@
             <a:fld id="{B61BEF0D-F0BB-DE4B-95CE-6DB70DBA9567}" type="datetimeFigureOut">
               <a:rPr lang="en-US" smtClean="0"/>
               <a:pPr/>
-              <a:t>3/29/2019</a:t>
+              <a:t>4/1/2019</a:t>
             </a:fld>
             <a:endParaRPr lang="en-US" dirty="0"/>
           </a:p>
@@ -6981,7 +6980,7 @@
             <a:fld id="{B61BEF0D-F0BB-DE4B-95CE-6DB70DBA9567}" type="datetimeFigureOut">
               <a:rPr lang="en-US" smtClean="0"/>
               <a:pPr/>
-              <a:t>3/29/2019</a:t>
+              <a:t>4/1/2019</a:t>
             </a:fld>
             <a:endParaRPr lang="en-US" dirty="0"/>
           </a:p>
@@ -7722,14 +7721,6 @@
 <file path=ppt/slides/slide2.xml><?xml version="1.0" encoding="utf-8"?>
 <p:sld xmlns:a="http://schemas.openxmlformats.org/drawingml/2006/main" xmlns:r="http://schemas.openxmlformats.org/officeDocument/2006/relationships" xmlns:p="http://schemas.openxmlformats.org/presentationml/2006/main">
   <p:cSld>
-    <p:bg>
-      <p:bgPr>
-        <a:solidFill>
-          <a:schemeClr val="bg1"/>
-        </a:solidFill>
-        <a:effectLst/>
-      </p:bgPr>
-    </p:bg>
     <p:spTree>
       <p:nvGrpSpPr>
         <p:cNvPr id="1" name=""/>
@@ -7744,143 +7735,6 @@
           <a:chExt cx="0" cy="0"/>
         </a:xfrm>
       </p:grpSpPr>
-      <p:pic>
-        <p:nvPicPr>
-          <p:cNvPr id="7" name="Picture 6" descr="Digital Connections">
-            <a:extLst>
-              <a:ext uri="{FF2B5EF4-FFF2-40B4-BE49-F238E27FC236}">
-                <a16:creationId xmlns:a16="http://schemas.microsoft.com/office/drawing/2014/main" id="{3840F91C-EDD0-4D4E-A4AB-E6C77856C88C}"/>
-              </a:ext>
-            </a:extLst>
-          </p:cNvPr>
-          <p:cNvPicPr>
-            <a:picLocks noChangeAspect="1"/>
-          </p:cNvPicPr>
-          <p:nvPr/>
-        </p:nvPicPr>
-        <p:blipFill rotWithShape="1">
-          <a:blip r:embed="rId3" cstate="screen">
-            <a:extLst>
-              <a:ext uri="{28A0092B-C50C-407E-A947-70E740481C1C}">
-                <a14:useLocalDpi xmlns:a14="http://schemas.microsoft.com/office/drawing/2010/main"/>
-              </a:ext>
-            </a:extLst>
-          </a:blip>
-          <a:srcRect l="13265" t="9091" r="3502" b="-1"/>
-          <a:stretch/>
-        </p:blipFill>
-        <p:spPr>
-          <a:xfrm>
-            <a:off x="20" y="10"/>
-            <a:ext cx="12191980" cy="6857990"/>
-          </a:xfrm>
-          <a:prstGeom prst="rect">
-            <a:avLst/>
-          </a:prstGeom>
-        </p:spPr>
-      </p:pic>
-      <p:sp>
-        <p:nvSpPr>
-          <p:cNvPr id="2" name="Title 1">
-            <a:extLst>
-              <a:ext uri="{FF2B5EF4-FFF2-40B4-BE49-F238E27FC236}">
-                <a16:creationId xmlns:a16="http://schemas.microsoft.com/office/drawing/2014/main" id="{C02C5318-1A1E-49D0-B2E2-A4B0FA9E8A40}"/>
-              </a:ext>
-            </a:extLst>
-          </p:cNvPr>
-          <p:cNvSpPr>
-            <a:spLocks noGrp="1"/>
-          </p:cNvSpPr>
-          <p:nvPr>
-            <p:ph type="title"/>
-          </p:nvPr>
-        </p:nvSpPr>
-        <p:spPr>
-          <a:xfrm>
-            <a:off x="581192" y="364834"/>
-            <a:ext cx="11029616" cy="988332"/>
-          </a:xfrm>
-        </p:spPr>
-        <p:txBody>
-          <a:bodyPr>
-            <a:noAutofit/>
-          </a:bodyPr>
-          <a:lstStyle/>
-          <a:p>
-            <a:r>
-              <a:rPr lang="en-US" sz="6000" dirty="0">
-                <a:solidFill>
-                  <a:schemeClr val="bg1"/>
-                </a:solidFill>
-              </a:rPr>
-              <a:t>Our solution</a:t>
-            </a:r>
-          </a:p>
-        </p:txBody>
-      </p:sp>
-      <p:pic>
-        <p:nvPicPr>
-          <p:cNvPr id="9" name="Content Placeholder 8"/>
-          <p:cNvPicPr>
-            <a:picLocks noGrp="1" noChangeAspect="1"/>
-          </p:cNvPicPr>
-          <p:nvPr>
-            <p:ph sz="half" idx="2"/>
-          </p:nvPr>
-        </p:nvPicPr>
-        <p:blipFill>
-          <a:blip r:embed="rId4"/>
-          <a:stretch>
-            <a:fillRect/>
-          </a:stretch>
-        </p:blipFill>
-        <p:spPr>
-          <a:xfrm>
-            <a:off x="782071" y="1353166"/>
-            <a:ext cx="10436581" cy="5232072"/>
-          </a:xfrm>
-          <a:prstGeom prst="rect">
-            <a:avLst/>
-          </a:prstGeom>
-        </p:spPr>
-      </p:pic>
-    </p:spTree>
-    <p:extLst>
-      <p:ext uri="{BB962C8B-B14F-4D97-AF65-F5344CB8AC3E}">
-        <p14:creationId xmlns:p14="http://schemas.microsoft.com/office/powerpoint/2010/main" val="1487700712"/>
-      </p:ext>
-    </p:extLst>
-  </p:cSld>
-  <p:clrMapOvr>
-    <a:masterClrMapping/>
-  </p:clrMapOvr>
-  <p:timing>
-    <p:tnLst>
-      <p:par>
-        <p:cTn id="1" dur="indefinite" restart="never" nodeType="tmRoot"/>
-      </p:par>
-    </p:tnLst>
-  </p:timing>
-</p:sld>
-</file>
-
-<file path=ppt/slides/slide3.xml><?xml version="1.0" encoding="utf-8"?>
-<p:sld xmlns:a="http://schemas.openxmlformats.org/drawingml/2006/main" xmlns:r="http://schemas.openxmlformats.org/officeDocument/2006/relationships" xmlns:p="http://schemas.openxmlformats.org/presentationml/2006/main">
-  <p:cSld>
-    <p:spTree>
-      <p:nvGrpSpPr>
-        <p:cNvPr id="1" name=""/>
-        <p:cNvGrpSpPr/>
-        <p:nvPr/>
-      </p:nvGrpSpPr>
-      <p:grpSpPr>
-        <a:xfrm>
-          <a:off x="0" y="0"/>
-          <a:ext cx="0" cy="0"/>
-          <a:chOff x="0" y="0"/>
-          <a:chExt cx="0" cy="0"/>
-        </a:xfrm>
-      </p:grpSpPr>
       <p:sp>
         <p:nvSpPr>
           <p:cNvPr id="4" name="Title 3">
@@ -7931,8 +7785,12 @@
           <a:lstStyle/>
           <a:p>
             <a:r>
+              <a:rPr lang="en-CA" dirty="0" smtClean="0"/>
+              <a:t>Project </a:t>
+            </a:r>
+            <a:r>
               <a:rPr lang="en-CA" dirty="0"/>
-              <a:t>Our Goal</a:t>
+              <a:t>Goal</a:t>
             </a:r>
           </a:p>
         </p:txBody>
@@ -8062,7 +7920,7 @@
 </p:sld>
 </file>
 
-<file path=ppt/slides/slide4.xml><?xml version="1.0" encoding="utf-8"?>
+<file path=ppt/slides/slide3.xml><?xml version="1.0" encoding="utf-8"?>
 <p:sld xmlns:a="http://schemas.openxmlformats.org/drawingml/2006/main" xmlns:r="http://schemas.openxmlformats.org/officeDocument/2006/relationships" xmlns:p="http://schemas.openxmlformats.org/presentationml/2006/main">
   <p:cSld>
     <p:bg>
@@ -8172,7 +8030,7 @@
 </p:sld>
 </file>
 
-<file path=ppt/slides/slide5.xml><?xml version="1.0" encoding="utf-8"?>
+<file path=ppt/slides/slide4.xml><?xml version="1.0" encoding="utf-8"?>
 <p:sld xmlns:a="http://schemas.openxmlformats.org/drawingml/2006/main" xmlns:r="http://schemas.openxmlformats.org/officeDocument/2006/relationships" xmlns:p="http://schemas.openxmlformats.org/presentationml/2006/main">
   <p:cSld>
     <p:bg>
@@ -8280,8 +8138,12 @@
           <a:lstStyle/>
           <a:p>
             <a:r>
+              <a:rPr lang="en-CA" dirty="0" smtClean="0"/>
+              <a:t>Recommendations </a:t>
+            </a:r>
+            <a:r>
               <a:rPr lang="en-CA" dirty="0"/>
-              <a:t>Automated recommends of Technicians and Resources based on client outlined parameters for scheduling of Work Orders</a:t>
+              <a:t>of Technicians and Resources based on client outlined parameters for scheduling of Work Orders</a:t>
             </a:r>
           </a:p>
           <a:p>
@@ -8318,7 +8180,7 @@
 </p:sld>
 </file>
 
-<file path=ppt/slides/slide6.xml><?xml version="1.0" encoding="utf-8"?>
+<file path=ppt/slides/slide5.xml><?xml version="1.0" encoding="utf-8"?>
 <p:sld xmlns:a="http://schemas.openxmlformats.org/drawingml/2006/main" xmlns:r="http://schemas.openxmlformats.org/officeDocument/2006/relationships" xmlns:p="http://schemas.openxmlformats.org/presentationml/2006/main">
   <p:cSld>
     <p:spTree>
@@ -8357,9 +8219,10 @@
           <a:lstStyle/>
           <a:p>
             <a:r>
-              <a:rPr lang="en-CA" dirty="0"/>
-              <a:t>Enhancements</a:t>
-            </a:r>
+              <a:rPr lang="en-CA" dirty="0" smtClean="0"/>
+              <a:t>Obstacles and lessons learned</a:t>
+            </a:r>
+            <a:endParaRPr lang="en-CA" dirty="0"/>
           </a:p>
         </p:txBody>
       </p:sp>
@@ -9735,11 +9598,7 @@
             </a:r>
             <a:r>
               <a:rPr lang="en-CA" dirty="0" smtClean="0"/>
-              <a:t>as well as</a:t>
-            </a:r>
-            <a:r>
-              <a:rPr lang="en-CA" dirty="0" smtClean="0"/>
-              <a:t> </a:t>
+              <a:t>as well as </a:t>
             </a:r>
             <a:r>
               <a:rPr lang="en-CA" dirty="0"/>
@@ -9773,7 +9632,7 @@
 </p:sld>
 </file>
 
-<file path=ppt/slides/slide7.xml><?xml version="1.0" encoding="utf-8"?>
+<file path=ppt/slides/slide6.xml><?xml version="1.0" encoding="utf-8"?>
 <p:sld xmlns:a="http://schemas.openxmlformats.org/drawingml/2006/main" xmlns:r="http://schemas.openxmlformats.org/officeDocument/2006/relationships" xmlns:p="http://schemas.openxmlformats.org/presentationml/2006/main">
   <p:cSld>
     <p:bg>
@@ -9798,72 +9657,12 @@
           <a:chExt cx="0" cy="0"/>
         </a:xfrm>
       </p:grpSpPr>
-      <p:sp useBgFill="1">
-        <p:nvSpPr>
-          <p:cNvPr id="10" name="Rectangle 9">
+      <p:pic>
+        <p:nvPicPr>
+          <p:cNvPr id="7" name="Picture 6" descr="Digital Connections">
             <a:extLst>
               <a:ext uri="{FF2B5EF4-FFF2-40B4-BE49-F238E27FC236}">
-                <a16:creationId xmlns:a16="http://schemas.microsoft.com/office/drawing/2014/main" id="{379F11E2-8BA5-4C5C-AE7C-361E5EA011FF}"/>
-              </a:ext>
-              <a:ext uri="{C183D7F6-B498-43B3-948B-1728B52AA6E4}">
-                <adec:decorative xmlns:adec="http://schemas.microsoft.com/office/drawing/2017/decorative" xmlns="" val="1"/>
-              </a:ext>
-            </a:extLst>
-          </p:cNvPr>
-          <p:cNvSpPr>
-            <a:spLocks noGrp="1" noRot="1" noChangeAspect="1" noMove="1" noResize="1" noEditPoints="1" noAdjustHandles="1" noChangeArrowheads="1" noChangeShapeType="1" noTextEdit="1"/>
-          </p:cNvSpPr>
-          <p:nvPr>
-            <p:extLst>
-              <p:ext uri="{386F3935-93C4-4BCD-93E2-E3B085C9AB24}">
-                <p16:designElem xmlns:p16="http://schemas.microsoft.com/office/powerpoint/2015/main" val="1"/>
-              </p:ext>
-            </p:extLst>
-          </p:nvPr>
-        </p:nvSpPr>
-        <p:spPr>
-          <a:xfrm>
-            <a:off x="0" y="1"/>
-            <a:ext cx="12191999" cy="6858000"/>
-          </a:xfrm>
-          <a:prstGeom prst="rect">
-            <a:avLst/>
-          </a:prstGeom>
-          <a:ln>
-            <a:noFill/>
-          </a:ln>
-        </p:spPr>
-        <p:style>
-          <a:lnRef idx="2">
-            <a:schemeClr val="accent1">
-              <a:shade val="50000"/>
-            </a:schemeClr>
-          </a:lnRef>
-          <a:fillRef idx="1">
-            <a:schemeClr val="accent1"/>
-          </a:fillRef>
-          <a:effectRef idx="0">
-            <a:schemeClr val="accent1"/>
-          </a:effectRef>
-          <a:fontRef idx="minor">
-            <a:schemeClr val="lt1"/>
-          </a:fontRef>
-        </p:style>
-        <p:txBody>
-          <a:bodyPr rtlCol="0" anchor="ctr"/>
-          <a:lstStyle/>
-          <a:p>
-            <a:pPr algn="ctr"/>
-            <a:endParaRPr lang="en-US"/>
-          </a:p>
-        </p:txBody>
-      </p:sp>
-      <p:pic>
-        <p:nvPicPr>
-          <p:cNvPr id="5" name="Picture 4" descr="Digital Numbers">
-            <a:extLst>
-              <a:ext uri="{FF2B5EF4-FFF2-40B4-BE49-F238E27FC236}">
-                <a16:creationId xmlns:a16="http://schemas.microsoft.com/office/drawing/2014/main" id="{A21EA617-6D48-425F-97A8-7FEC82C8F401}"/>
+                <a16:creationId xmlns:a16="http://schemas.microsoft.com/office/drawing/2014/main" id="{3840F91C-EDD0-4D4E-A4AB-E6C77856C88C}"/>
               </a:ext>
             </a:extLst>
           </p:cNvPr>
@@ -9873,20 +9672,20 @@
           <p:nvPr/>
         </p:nvPicPr>
         <p:blipFill rotWithShape="1">
-          <a:blip r:embed="rId2" cstate="screen">
+          <a:blip r:embed="rId3" cstate="screen">
             <a:extLst>
               <a:ext uri="{28A0092B-C50C-407E-A947-70E740481C1C}">
                 <a14:useLocalDpi xmlns:a14="http://schemas.microsoft.com/office/drawing/2010/main"/>
               </a:ext>
             </a:extLst>
           </a:blip>
-          <a:srcRect l="2189" r="9642" b="1"/>
+          <a:srcRect l="13265" t="9091" r="3502" b="-1"/>
           <a:stretch/>
         </p:blipFill>
         <p:spPr>
           <a:xfrm>
-            <a:off x="446534" y="723899"/>
-            <a:ext cx="7498616" cy="5676901"/>
+            <a:off x="20" y="10"/>
+            <a:ext cx="12191980" cy="6857990"/>
           </a:xfrm>
           <a:prstGeom prst="rect">
             <a:avLst/>
@@ -9895,339 +9694,73 @@
       </p:pic>
       <p:sp>
         <p:nvSpPr>
-          <p:cNvPr id="12" name="Rectangle 11">
+          <p:cNvPr id="2" name="Title 1">
             <a:extLst>
               <a:ext uri="{FF2B5EF4-FFF2-40B4-BE49-F238E27FC236}">
-                <a16:creationId xmlns:a16="http://schemas.microsoft.com/office/drawing/2014/main" id="{7C00E1DA-EC7C-40FC-95E3-11FDCD2E4291}"/>
-              </a:ext>
-              <a:ext uri="{C183D7F6-B498-43B3-948B-1728B52AA6E4}">
-                <adec:decorative xmlns:adec="http://schemas.microsoft.com/office/drawing/2017/decorative" xmlns="" val="1"/>
+                <a16:creationId xmlns:a16="http://schemas.microsoft.com/office/drawing/2014/main" id="{C02C5318-1A1E-49D0-B2E2-A4B0FA9E8A40}"/>
               </a:ext>
             </a:extLst>
           </p:cNvPr>
           <p:cNvSpPr>
-            <a:spLocks noGrp="1" noRot="1" noChangeAspect="1" noMove="1" noResize="1" noEditPoints="1" noAdjustHandles="1" noChangeArrowheads="1" noChangeShapeType="1" noTextEdit="1"/>
+            <a:spLocks noGrp="1"/>
           </p:cNvSpPr>
           <p:nvPr>
-            <p:extLst>
-              <p:ext uri="{386F3935-93C4-4BCD-93E2-E3B085C9AB24}">
-                <p16:designElem xmlns:p16="http://schemas.microsoft.com/office/powerpoint/2015/main" val="1"/>
-              </p:ext>
-            </p:extLst>
+            <p:ph type="title"/>
           </p:nvPr>
         </p:nvSpPr>
         <p:spPr>
           <a:xfrm>
-            <a:off x="8042147" y="723899"/>
-            <a:ext cx="3703320" cy="5666666"/>
+            <a:off x="581192" y="364834"/>
+            <a:ext cx="11029616" cy="988332"/>
+          </a:xfrm>
+        </p:spPr>
+        <p:txBody>
+          <a:bodyPr>
+            <a:noAutofit/>
+          </a:bodyPr>
+          <a:lstStyle/>
+          <a:p>
+            <a:r>
+              <a:rPr lang="en-US" sz="6000" dirty="0">
+                <a:solidFill>
+                  <a:schemeClr val="bg1"/>
+                </a:solidFill>
+              </a:rPr>
+              <a:t>Our solution</a:t>
+            </a:r>
+          </a:p>
+        </p:txBody>
+      </p:sp>
+      <p:pic>
+        <p:nvPicPr>
+          <p:cNvPr id="9" name="Content Placeholder 8"/>
+          <p:cNvPicPr>
+            <a:picLocks noGrp="1" noChangeAspect="1"/>
+          </p:cNvPicPr>
+          <p:nvPr>
+            <p:ph sz="half" idx="2"/>
+          </p:nvPr>
+        </p:nvPicPr>
+        <p:blipFill>
+          <a:blip r:embed="rId4"/>
+          <a:stretch>
+            <a:fillRect/>
+          </a:stretch>
+        </p:blipFill>
+        <p:spPr>
+          <a:xfrm>
+            <a:off x="782071" y="1353166"/>
+            <a:ext cx="10436581" cy="5232072"/>
           </a:xfrm>
           <a:prstGeom prst="rect">
             <a:avLst/>
           </a:prstGeom>
-          <a:solidFill>
-            <a:schemeClr val="accent1"/>
-          </a:solidFill>
-          <a:ln>
-            <a:noFill/>
-          </a:ln>
-          <a:effectLst/>
         </p:spPr>
-        <p:style>
-          <a:lnRef idx="1">
-            <a:schemeClr val="accent1"/>
-          </a:lnRef>
-          <a:fillRef idx="3">
-            <a:schemeClr val="accent1"/>
-          </a:fillRef>
-          <a:effectRef idx="2">
-            <a:schemeClr val="accent1"/>
-          </a:effectRef>
-          <a:fontRef idx="minor">
-            <a:schemeClr val="lt1"/>
-          </a:fontRef>
-        </p:style>
-      </p:sp>
-      <p:sp>
-        <p:nvSpPr>
-          <p:cNvPr id="2" name="Title 1">
-            <a:extLst>
-              <a:ext uri="{FF2B5EF4-FFF2-40B4-BE49-F238E27FC236}">
-                <a16:creationId xmlns:a16="http://schemas.microsoft.com/office/drawing/2014/main" id="{0F87E73C-2B1A-4602-BFBE-CFE1E55D9B38}"/>
-              </a:ext>
-            </a:extLst>
-          </p:cNvPr>
-          <p:cNvSpPr>
-            <a:spLocks noGrp="1"/>
-          </p:cNvSpPr>
-          <p:nvPr>
-            <p:ph type="ctrTitle"/>
-          </p:nvPr>
-        </p:nvSpPr>
-        <p:spPr>
-          <a:xfrm>
-            <a:off x="8296275" y="1419226"/>
-            <a:ext cx="3081576" cy="1746762"/>
-          </a:xfrm>
-        </p:spPr>
-        <p:txBody>
-          <a:bodyPr>
-            <a:normAutofit/>
-          </a:bodyPr>
-          <a:lstStyle/>
-          <a:p>
-            <a:r>
-              <a:rPr lang="en-US" dirty="0">
-                <a:solidFill>
-                  <a:srgbClr val="FFFFFF"/>
-                </a:solidFill>
-              </a:rPr>
-              <a:t>Thank You</a:t>
-            </a:r>
-          </a:p>
-        </p:txBody>
-      </p:sp>
-      <p:sp>
-        <p:nvSpPr>
-          <p:cNvPr id="3" name="Subtitle 2">
-            <a:extLst>
-              <a:ext uri="{FF2B5EF4-FFF2-40B4-BE49-F238E27FC236}">
-                <a16:creationId xmlns:a16="http://schemas.microsoft.com/office/drawing/2014/main" id="{A9CB511D-EA45-4336-847C-1252667143B5}"/>
-              </a:ext>
-            </a:extLst>
-          </p:cNvPr>
-          <p:cNvSpPr>
-            <a:spLocks noGrp="1"/>
-          </p:cNvSpPr>
-          <p:nvPr>
-            <p:ph type="subTitle" idx="1"/>
-          </p:nvPr>
-        </p:nvSpPr>
-        <p:spPr>
-          <a:xfrm>
-            <a:off x="8296275" y="3505095"/>
-            <a:ext cx="3081576" cy="2629006"/>
-          </a:xfrm>
-        </p:spPr>
-        <p:txBody>
-          <a:bodyPr>
-            <a:normAutofit/>
-          </a:bodyPr>
-          <a:lstStyle/>
-          <a:p>
-            <a:endParaRPr lang="en-US" dirty="0">
-              <a:solidFill>
-                <a:schemeClr val="bg2"/>
-              </a:solidFill>
-            </a:endParaRPr>
-          </a:p>
-          <a:p>
-            <a:endParaRPr lang="en-US" dirty="0">
-              <a:solidFill>
-                <a:schemeClr val="bg2"/>
-              </a:solidFill>
-            </a:endParaRPr>
-          </a:p>
-          <a:p>
-            <a:endParaRPr lang="en-US" dirty="0">
-              <a:solidFill>
-                <a:schemeClr val="bg2"/>
-              </a:solidFill>
-            </a:endParaRPr>
-          </a:p>
-        </p:txBody>
-      </p:sp>
-      <p:grpSp>
-        <p:nvGrpSpPr>
-          <p:cNvPr id="14" name="Group 13">
-            <a:extLst>
-              <a:ext uri="{FF2B5EF4-FFF2-40B4-BE49-F238E27FC236}">
-                <a16:creationId xmlns:a16="http://schemas.microsoft.com/office/drawing/2014/main" id="{9A421166-2996-41A7-B094-AE5316F347DD}"/>
-              </a:ext>
-              <a:ext uri="{C183D7F6-B498-43B3-948B-1728B52AA6E4}">
-                <adec:decorative xmlns:adec="http://schemas.microsoft.com/office/drawing/2017/decorative" xmlns="" val="1"/>
-              </a:ext>
-            </a:extLst>
-          </p:cNvPr>
-          <p:cNvGrpSpPr>
-            <a:grpSpLocks noGrp="1" noUngrp="1" noRot="1" noChangeAspect="1" noMove="1" noResize="1"/>
-          </p:cNvGrpSpPr>
-          <p:nvPr>
-            <p:extLst>
-              <p:ext uri="{386F3935-93C4-4BCD-93E2-E3B085C9AB24}">
-                <p16:designElem xmlns:p16="http://schemas.microsoft.com/office/powerpoint/2015/main" val="1"/>
-              </p:ext>
-            </p:extLst>
-          </p:nvPr>
-        </p:nvGrpSpPr>
-        <p:grpSpPr>
-          <a:xfrm>
-            <a:off x="446534" y="453643"/>
-            <a:ext cx="11298933" cy="98554"/>
-            <a:chOff x="446534" y="453643"/>
-            <a:chExt cx="11298933" cy="98554"/>
-          </a:xfrm>
-        </p:grpSpPr>
-        <p:sp>
-          <p:nvSpPr>
-            <p:cNvPr id="15" name="Rectangle 14">
-              <a:extLst>
-                <a:ext uri="{FF2B5EF4-FFF2-40B4-BE49-F238E27FC236}">
-                  <a16:creationId xmlns:a16="http://schemas.microsoft.com/office/drawing/2014/main" id="{FDBB1B92-A3EB-43E4-8FAB-D20E8ED14CEF}"/>
-                </a:ext>
-                <a:ext uri="{C183D7F6-B498-43B3-948B-1728B52AA6E4}">
-                  <adec:decorative xmlns:adec="http://schemas.microsoft.com/office/drawing/2017/decorative" xmlns="" val="1"/>
-                </a:ext>
-              </a:extLst>
-            </p:cNvPr>
-            <p:cNvSpPr/>
-            <p:nvPr>
-              <p:extLst>
-                <p:ext uri="{386F3935-93C4-4BCD-93E2-E3B085C9AB24}">
-                  <p16:designElem xmlns:p16="http://schemas.microsoft.com/office/powerpoint/2015/main" val="1"/>
-                </p:ext>
-              </p:extLst>
-            </p:nvPr>
-          </p:nvSpPr>
-          <p:spPr>
-            <a:xfrm>
-              <a:off x="446534" y="457200"/>
-              <a:ext cx="3703320" cy="94997"/>
-            </a:xfrm>
-            <a:prstGeom prst="rect">
-              <a:avLst/>
-            </a:prstGeom>
-            <a:solidFill>
-              <a:schemeClr val="accent1"/>
-            </a:solidFill>
-            <a:ln>
-              <a:noFill/>
-            </a:ln>
-            <a:effectLst/>
-          </p:spPr>
-          <p:style>
-            <a:lnRef idx="1">
-              <a:schemeClr val="accent1"/>
-            </a:lnRef>
-            <a:fillRef idx="3">
-              <a:schemeClr val="accent1"/>
-            </a:fillRef>
-            <a:effectRef idx="2">
-              <a:schemeClr val="accent1"/>
-            </a:effectRef>
-            <a:fontRef idx="minor">
-              <a:schemeClr val="lt1"/>
-            </a:fontRef>
-          </p:style>
-        </p:sp>
-        <p:sp>
-          <p:nvSpPr>
-            <p:cNvPr id="16" name="Rectangle 15">
-              <a:extLst>
-                <a:ext uri="{FF2B5EF4-FFF2-40B4-BE49-F238E27FC236}">
-                  <a16:creationId xmlns:a16="http://schemas.microsoft.com/office/drawing/2014/main" id="{3F3972F4-FE7E-48EA-AAD8-9BE5750A6672}"/>
-                </a:ext>
-                <a:ext uri="{C183D7F6-B498-43B3-948B-1728B52AA6E4}">
-                  <adec:decorative xmlns:adec="http://schemas.microsoft.com/office/drawing/2017/decorative" xmlns="" val="1"/>
-                </a:ext>
-              </a:extLst>
-            </p:cNvPr>
-            <p:cNvSpPr/>
-            <p:nvPr>
-              <p:extLst>
-                <p:ext uri="{386F3935-93C4-4BCD-93E2-E3B085C9AB24}">
-                  <p16:designElem xmlns:p16="http://schemas.microsoft.com/office/powerpoint/2015/main" val="1"/>
-                </p:ext>
-              </p:extLst>
-            </p:nvPr>
-          </p:nvSpPr>
-          <p:spPr>
-            <a:xfrm>
-              <a:off x="8042147" y="453643"/>
-              <a:ext cx="3703320" cy="98554"/>
-            </a:xfrm>
-            <a:prstGeom prst="rect">
-              <a:avLst/>
-            </a:prstGeom>
-            <a:solidFill>
-              <a:schemeClr val="accent4"/>
-            </a:solidFill>
-            <a:ln>
-              <a:noFill/>
-            </a:ln>
-            <a:effectLst/>
-          </p:spPr>
-          <p:style>
-            <a:lnRef idx="1">
-              <a:schemeClr val="accent1"/>
-            </a:lnRef>
-            <a:fillRef idx="3">
-              <a:schemeClr val="accent1"/>
-            </a:fillRef>
-            <a:effectRef idx="2">
-              <a:schemeClr val="accent1"/>
-            </a:effectRef>
-            <a:fontRef idx="minor">
-              <a:schemeClr val="lt1"/>
-            </a:fontRef>
-          </p:style>
-        </p:sp>
-        <p:sp>
-          <p:nvSpPr>
-            <p:cNvPr id="17" name="Rectangle 16">
-              <a:extLst>
-                <a:ext uri="{FF2B5EF4-FFF2-40B4-BE49-F238E27FC236}">
-                  <a16:creationId xmlns:a16="http://schemas.microsoft.com/office/drawing/2014/main" id="{221614E5-870B-4D5E-A43B-8FF7E5323484}"/>
-                </a:ext>
-                <a:ext uri="{C183D7F6-B498-43B3-948B-1728B52AA6E4}">
-                  <adec:decorative xmlns:adec="http://schemas.microsoft.com/office/drawing/2017/decorative" xmlns="" val="1"/>
-                </a:ext>
-              </a:extLst>
-            </p:cNvPr>
-            <p:cNvSpPr/>
-            <p:nvPr>
-              <p:extLst>
-                <p:ext uri="{386F3935-93C4-4BCD-93E2-E3B085C9AB24}">
-                  <p16:designElem xmlns:p16="http://schemas.microsoft.com/office/powerpoint/2015/main" val="1"/>
-                </p:ext>
-              </p:extLst>
-            </p:nvPr>
-          </p:nvSpPr>
-          <p:spPr>
-            <a:xfrm>
-              <a:off x="4241830" y="457200"/>
-              <a:ext cx="3703320" cy="91440"/>
-            </a:xfrm>
-            <a:prstGeom prst="rect">
-              <a:avLst/>
-            </a:prstGeom>
-            <a:solidFill>
-              <a:schemeClr val="accent2"/>
-            </a:solidFill>
-            <a:ln>
-              <a:noFill/>
-            </a:ln>
-            <a:effectLst/>
-          </p:spPr>
-          <p:style>
-            <a:lnRef idx="1">
-              <a:schemeClr val="accent1"/>
-            </a:lnRef>
-            <a:fillRef idx="3">
-              <a:schemeClr val="accent1"/>
-            </a:fillRef>
-            <a:effectRef idx="2">
-              <a:schemeClr val="accent1"/>
-            </a:effectRef>
-            <a:fontRef idx="minor">
-              <a:schemeClr val="lt1"/>
-            </a:fontRef>
-          </p:style>
-        </p:sp>
-      </p:grpSp>
+      </p:pic>
     </p:spTree>
     <p:extLst>
       <p:ext uri="{BB962C8B-B14F-4D97-AF65-F5344CB8AC3E}">
-        <p14:creationId xmlns:p14="http://schemas.microsoft.com/office/powerpoint/2010/main" val="3501347425"/>
+        <p14:creationId xmlns:p14="http://schemas.microsoft.com/office/powerpoint/2010/main" val="1487700712"/>
       </p:ext>
     </p:extLst>
   </p:cSld>
@@ -10809,12 +10342,11 @@
 </file>
 
 <file path=customXml/item1.xml><?xml version="1.0" encoding="utf-8"?>
-<?mso-contentType ?>
-<FormTemplates xmlns="http://schemas.microsoft.com/sharepoint/v3/contenttype/forms">
-  <Display>DocumentLibraryForm</Display>
-  <Edit>DocumentLibraryForm</Edit>
-  <New>DocumentLibraryForm</New>
-</FormTemplates>
+<p:properties xmlns:p="http://schemas.microsoft.com/office/2006/metadata/properties" xmlns:xsi="http://www.w3.org/2001/XMLSchema-instance" xmlns:pc="http://schemas.microsoft.com/office/infopath/2007/PartnerControls">
+  <documentManagement>
+    <MediaServiceKeyPoints xmlns="71af3243-3dd4-4a8d-8c0d-dd76da1f02a5" xsi:nil="true"/>
+  </documentManagement>
+</p:properties>
 </file>
 
 <file path=customXml/item2.xml><?xml version="1.0" encoding="utf-8"?>
@@ -11029,17 +10561,20 @@
 </file>
 
 <file path=customXml/item3.xml><?xml version="1.0" encoding="utf-8"?>
-<p:properties xmlns:p="http://schemas.microsoft.com/office/2006/metadata/properties" xmlns:xsi="http://www.w3.org/2001/XMLSchema-instance" xmlns:pc="http://schemas.microsoft.com/office/infopath/2007/PartnerControls">
-  <documentManagement>
-    <MediaServiceKeyPoints xmlns="71af3243-3dd4-4a8d-8c0d-dd76da1f02a5" xsi:nil="true"/>
-  </documentManagement>
-</p:properties>
+<?mso-contentType ?>
+<FormTemplates xmlns="http://schemas.microsoft.com/sharepoint/v3/contenttype/forms">
+  <Display>DocumentLibraryForm</Display>
+  <Edit>DocumentLibraryForm</Edit>
+  <New>DocumentLibraryForm</New>
+</FormTemplates>
 </file>
 
 <file path=customXml/itemProps1.xml><?xml version="1.0" encoding="utf-8"?>
-<ds:datastoreItem xmlns:ds="http://schemas.openxmlformats.org/officeDocument/2006/customXml" ds:itemID="{BA0CF3B2-1F0F-4FC5-8002-3E4869ABAD55}">
+<ds:datastoreItem xmlns:ds="http://schemas.openxmlformats.org/officeDocument/2006/customXml" ds:itemID="{1EBC12AA-1C15-4500-BC9C-8EE83A441DE9}">
   <ds:schemaRefs>
-    <ds:schemaRef ds:uri="http://schemas.microsoft.com/sharepoint/v3/contenttype/forms"/>
+    <ds:schemaRef ds:uri="http://schemas.microsoft.com/office/2006/metadata/properties"/>
+    <ds:schemaRef ds:uri="http://schemas.microsoft.com/office/infopath/2007/PartnerControls"/>
+    <ds:schemaRef ds:uri="71af3243-3dd4-4a8d-8c0d-dd76da1f02a5"/>
   </ds:schemaRefs>
 </ds:datastoreItem>
 </file>
@@ -11064,11 +10599,9 @@
 </file>
 
 <file path=customXml/itemProps3.xml><?xml version="1.0" encoding="utf-8"?>
-<ds:datastoreItem xmlns:ds="http://schemas.openxmlformats.org/officeDocument/2006/customXml" ds:itemID="{1EBC12AA-1C15-4500-BC9C-8EE83A441DE9}">
+<ds:datastoreItem xmlns:ds="http://schemas.openxmlformats.org/officeDocument/2006/customXml" ds:itemID="{BA0CF3B2-1F0F-4FC5-8002-3E4869ABAD55}">
   <ds:schemaRefs>
-    <ds:schemaRef ds:uri="http://schemas.microsoft.com/office/2006/metadata/properties"/>
-    <ds:schemaRef ds:uri="http://schemas.microsoft.com/office/infopath/2007/PartnerControls"/>
-    <ds:schemaRef ds:uri="71af3243-3dd4-4a8d-8c0d-dd76da1f02a5"/>
+    <ds:schemaRef ds:uri="http://schemas.microsoft.com/sharepoint/v3/contenttype/forms"/>
   </ds:schemaRefs>
 </ds:datastoreItem>
 </file>
--- a/CapstonePowerPoint.pptx
+++ b/CapstonePowerPoint.pptx
@@ -5,7 +5,7 @@
     <p:sldMasterId id="2147483672" r:id="rId4"/>
   </p:sldMasterIdLst>
   <p:notesMasterIdLst>
-    <p:notesMasterId r:id="rId11"/>
+    <p:notesMasterId r:id="rId12"/>
   </p:notesMasterIdLst>
   <p:sldIdLst>
     <p:sldId id="262" r:id="rId5"/>
@@ -14,6 +14,7 @@
     <p:sldId id="258" r:id="rId8"/>
     <p:sldId id="264" r:id="rId9"/>
     <p:sldId id="256" r:id="rId10"/>
+    <p:sldId id="260" r:id="rId11"/>
   </p:sldIdLst>
   <p:sldSz cx="12192000" cy="6858000"/>
   <p:notesSz cx="6858000" cy="9144000"/>
@@ -1202,7 +1203,7 @@
           <a:blip xmlns:r="http://schemas.openxmlformats.org/officeDocument/2006/relationships" r:embed="rId1">
             <a:extLst>
               <a:ext uri="{96DAC541-7B7A-43D3-8B79-37D633B846F1}">
-                <asvg:svgBlip xmlns="" xmlns:asvg="http://schemas.microsoft.com/office/drawing/2016/SVG/main" r:embed="rId2"/>
+                <asvg:svgBlip xmlns:asvg="http://schemas.microsoft.com/office/drawing/2016/SVG/main" r:embed="rId2"/>
               </a:ext>
             </a:extLst>
           </a:blip>
@@ -1226,13 +1227,6 @@
         </dgm:presLayoutVars>
       </dgm:prSet>
       <dgm:spPr/>
-      <dgm:t>
-        <a:bodyPr/>
-        <a:lstStyle/>
-        <a:p>
-          <a:endParaRPr lang="en-US"/>
-        </a:p>
-      </dgm:t>
     </dgm:pt>
     <dgm:pt modelId="{8B391436-B9B0-45BD-A57F-792D6376D868}" type="pres">
       <dgm:prSet presAssocID="{0C95B389-AC0C-4055-9AA3-38815EFC8B0A}" presName="sibTrans" presStyleCnt="0"/>
@@ -1249,7 +1243,7 @@
           <a:blip xmlns:r="http://schemas.openxmlformats.org/officeDocument/2006/relationships" r:embed="rId3">
             <a:extLst>
               <a:ext uri="{96DAC541-7B7A-43D3-8B79-37D633B846F1}">
-                <asvg:svgBlip xmlns="" xmlns:asvg="http://schemas.microsoft.com/office/drawing/2016/SVG/main" r:embed="rId4"/>
+                <asvg:svgBlip xmlns:asvg="http://schemas.microsoft.com/office/drawing/2016/SVG/main" r:embed="rId4"/>
               </a:ext>
             </a:extLst>
           </a:blip>
@@ -1273,13 +1267,6 @@
         </dgm:presLayoutVars>
       </dgm:prSet>
       <dgm:spPr/>
-      <dgm:t>
-        <a:bodyPr/>
-        <a:lstStyle/>
-        <a:p>
-          <a:endParaRPr lang="en-US"/>
-        </a:p>
-      </dgm:t>
     </dgm:pt>
     <dgm:pt modelId="{F679C986-30E4-4F0A-A3A6-CAE528BFED76}" type="pres">
       <dgm:prSet presAssocID="{BFCE4A28-C381-46FF-935A-B11534EF7D87}" presName="sibTrans" presStyleCnt="0"/>
@@ -1296,7 +1283,7 @@
           <a:blip xmlns:r="http://schemas.openxmlformats.org/officeDocument/2006/relationships" r:embed="rId5">
             <a:extLst>
               <a:ext uri="{96DAC541-7B7A-43D3-8B79-37D633B846F1}">
-                <asvg:svgBlip xmlns="" xmlns:asvg="http://schemas.microsoft.com/office/drawing/2016/SVG/main" r:embed="rId6"/>
+                <asvg:svgBlip xmlns:asvg="http://schemas.microsoft.com/office/drawing/2016/SVG/main" r:embed="rId6"/>
               </a:ext>
             </a:extLst>
           </a:blip>
@@ -1320,23 +1307,16 @@
         </dgm:presLayoutVars>
       </dgm:prSet>
       <dgm:spPr/>
-      <dgm:t>
-        <a:bodyPr/>
-        <a:lstStyle/>
-        <a:p>
-          <a:endParaRPr lang="en-US"/>
-        </a:p>
-      </dgm:t>
     </dgm:pt>
   </dgm:ptLst>
   <dgm:cxnLst>
+    <dgm:cxn modelId="{51C9C716-0C8A-4862-A43F-A9047F6A6ECE}" type="presOf" srcId="{701D68F5-42F8-47BC-8FED-84C50F595DF0}" destId="{A99B5DD6-89E9-4537-B415-4205CEB9323A}" srcOrd="0" destOrd="0" presId="urn:microsoft.com/office/officeart/2018/2/layout/IconLabelList"/>
+    <dgm:cxn modelId="{C4BA385D-31ED-40EF-A5D6-98DFBA64E71A}" srcId="{7D9C16A6-8C48-4165-8DAF-8C957C12A8FA}" destId="{701D68F5-42F8-47BC-8FED-84C50F595DF0}" srcOrd="0" destOrd="0" parTransId="{9617668C-C38C-4017-8DDF-37855B15D110}" sibTransId="{0C95B389-AC0C-4055-9AA3-38815EFC8B0A}"/>
+    <dgm:cxn modelId="{0400886E-8A1A-44C2-95A7-DB0EF4911494}" srcId="{7D9C16A6-8C48-4165-8DAF-8C957C12A8FA}" destId="{76CC3289-2662-43F0-A3C6-BA04A135F08C}" srcOrd="2" destOrd="0" parTransId="{D46DB4DA-1442-4ECE-89FE-BBB1E3489E3D}" sibTransId="{FA28C9D6-476E-43CD-BA23-D6D990FD78D0}"/>
     <dgm:cxn modelId="{7F0DAB6F-9257-4F2D-B31A-3418F73F6952}" srcId="{7D9C16A6-8C48-4165-8DAF-8C957C12A8FA}" destId="{91A66877-AC1C-46D9-BF2C-6024B638DEA9}" srcOrd="1" destOrd="0" parTransId="{913FED05-DF41-48A7-B1F8-81937A468EF9}" sibTransId="{BFCE4A28-C381-46FF-935A-B11534EF7D87}"/>
+    <dgm:cxn modelId="{639634AD-5727-49C2-9E58-EB6075215446}" type="presOf" srcId="{91A66877-AC1C-46D9-BF2C-6024B638DEA9}" destId="{55120873-6F5C-4053-8EAD-6287A7F1097E}" srcOrd="0" destOrd="0" presId="urn:microsoft.com/office/officeart/2018/2/layout/IconLabelList"/>
     <dgm:cxn modelId="{05A920DF-F275-442A-AE4E-321A812BD608}" type="presOf" srcId="{7D9C16A6-8C48-4165-8DAF-8C957C12A8FA}" destId="{8994D886-A75F-411A-A9D7-D31991FF12BD}" srcOrd="0" destOrd="0" presId="urn:microsoft.com/office/officeart/2018/2/layout/IconLabelList"/>
-    <dgm:cxn modelId="{C4BA385D-31ED-40EF-A5D6-98DFBA64E71A}" srcId="{7D9C16A6-8C48-4165-8DAF-8C957C12A8FA}" destId="{701D68F5-42F8-47BC-8FED-84C50F595DF0}" srcOrd="0" destOrd="0" parTransId="{9617668C-C38C-4017-8DDF-37855B15D110}" sibTransId="{0C95B389-AC0C-4055-9AA3-38815EFC8B0A}"/>
-    <dgm:cxn modelId="{51C9C716-0C8A-4862-A43F-A9047F6A6ECE}" type="presOf" srcId="{701D68F5-42F8-47BC-8FED-84C50F595DF0}" destId="{A99B5DD6-89E9-4537-B415-4205CEB9323A}" srcOrd="0" destOrd="0" presId="urn:microsoft.com/office/officeart/2018/2/layout/IconLabelList"/>
     <dgm:cxn modelId="{634ABEFF-3AC1-45CD-BF32-24D2F6D73D7C}" type="presOf" srcId="{76CC3289-2662-43F0-A3C6-BA04A135F08C}" destId="{133097FC-B1F8-4953-B0AB-E8E73D968D1C}" srcOrd="0" destOrd="0" presId="urn:microsoft.com/office/officeart/2018/2/layout/IconLabelList"/>
-    <dgm:cxn modelId="{0400886E-8A1A-44C2-95A7-DB0EF4911494}" srcId="{7D9C16A6-8C48-4165-8DAF-8C957C12A8FA}" destId="{76CC3289-2662-43F0-A3C6-BA04A135F08C}" srcOrd="2" destOrd="0" parTransId="{D46DB4DA-1442-4ECE-89FE-BBB1E3489E3D}" sibTransId="{FA28C9D6-476E-43CD-BA23-D6D990FD78D0}"/>
-    <dgm:cxn modelId="{639634AD-5727-49C2-9E58-EB6075215446}" type="presOf" srcId="{91A66877-AC1C-46D9-BF2C-6024B638DEA9}" destId="{55120873-6F5C-4053-8EAD-6287A7F1097E}" srcOrd="0" destOrd="0" presId="urn:microsoft.com/office/officeart/2018/2/layout/IconLabelList"/>
     <dgm:cxn modelId="{CF59BB9E-C8FC-4C34-8006-3277F29FB6DE}" type="presParOf" srcId="{8994D886-A75F-411A-A9D7-D31991FF12BD}" destId="{E1DBA6D5-BD14-4CD2-A0CC-80F867FEFA81}" srcOrd="0" destOrd="0" presId="urn:microsoft.com/office/officeart/2018/2/layout/IconLabelList"/>
     <dgm:cxn modelId="{866C03AD-DD5B-4277-8831-0C127DF86F35}" type="presParOf" srcId="{E1DBA6D5-BD14-4CD2-A0CC-80F867FEFA81}" destId="{19A8DC21-3E65-409D-AD53-DA51BB9198A0}" srcOrd="0" destOrd="0" presId="urn:microsoft.com/office/officeart/2018/2/layout/IconLabelList"/>
     <dgm:cxn modelId="{128FBF1B-109A-47F9-B440-D03F4626A9BA}" type="presParOf" srcId="{E1DBA6D5-BD14-4CD2-A0CC-80F867FEFA81}" destId="{B9F90A48-FF94-4C94-A587-0190406F6FD3}" srcOrd="1" destOrd="0" presId="urn:microsoft.com/office/officeart/2018/2/layout/IconLabelList"/>
@@ -1390,7 +1370,7 @@
           <a:blip xmlns:r="http://schemas.openxmlformats.org/officeDocument/2006/relationships" r:embed="rId1">
             <a:extLst>
               <a:ext uri="{96DAC541-7B7A-43D3-8B79-37D633B846F1}">
-                <asvg:svgBlip xmlns="" xmlns:asvg="http://schemas.microsoft.com/office/drawing/2016/SVG/main" r:embed="rId2"/>
+                <asvg:svgBlip xmlns:asvg="http://schemas.microsoft.com/office/drawing/2016/SVG/main" r:embed="rId2"/>
               </a:ext>
             </a:extLst>
           </a:blip>
@@ -1462,7 +1442,7 @@
         </a:bodyPr>
         <a:lstStyle/>
         <a:p>
-          <a:pPr lvl="0" algn="ctr" defTabSz="1377950">
+          <a:pPr marL="0" lvl="0" indent="0" algn="ctr" defTabSz="1377950">
             <a:lnSpc>
               <a:spcPct val="100000"/>
             </a:lnSpc>
@@ -1472,6 +1452,7 @@
             <a:spcAft>
               <a:spcPct val="35000"/>
             </a:spcAft>
+            <a:buNone/>
           </a:pPr>
           <a:r>
             <a:rPr lang="en-ZA" sz="3100" kern="1200" dirty="0"/>
@@ -1502,7 +1483,7 @@
           <a:blip xmlns:r="http://schemas.openxmlformats.org/officeDocument/2006/relationships" r:embed="rId3">
             <a:extLst>
               <a:ext uri="{96DAC541-7B7A-43D3-8B79-37D633B846F1}">
-                <asvg:svgBlip xmlns="" xmlns:asvg="http://schemas.microsoft.com/office/drawing/2016/SVG/main" r:embed="rId4"/>
+                <asvg:svgBlip xmlns:asvg="http://schemas.microsoft.com/office/drawing/2016/SVG/main" r:embed="rId4"/>
               </a:ext>
             </a:extLst>
           </a:blip>
@@ -1574,7 +1555,7 @@
         </a:bodyPr>
         <a:lstStyle/>
         <a:p>
-          <a:pPr lvl="0" algn="ctr" defTabSz="1377950">
+          <a:pPr marL="0" lvl="0" indent="0" algn="ctr" defTabSz="1377950">
             <a:lnSpc>
               <a:spcPct val="100000"/>
             </a:lnSpc>
@@ -1584,6 +1565,7 @@
             <a:spcAft>
               <a:spcPct val="35000"/>
             </a:spcAft>
+            <a:buNone/>
           </a:pPr>
           <a:r>
             <a:rPr lang="en-US" sz="3100" kern="1200" dirty="0"/>
@@ -1613,7 +1595,7 @@
           <a:blip xmlns:r="http://schemas.openxmlformats.org/officeDocument/2006/relationships" r:embed="rId5">
             <a:extLst>
               <a:ext uri="{96DAC541-7B7A-43D3-8B79-37D633B846F1}">
-                <asvg:svgBlip xmlns="" xmlns:asvg="http://schemas.microsoft.com/office/drawing/2016/SVG/main" r:embed="rId6"/>
+                <asvg:svgBlip xmlns:asvg="http://schemas.microsoft.com/office/drawing/2016/SVG/main" r:embed="rId6"/>
               </a:ext>
             </a:extLst>
           </a:blip>
@@ -1685,7 +1667,7 @@
         </a:bodyPr>
         <a:lstStyle/>
         <a:p>
-          <a:pPr lvl="0" algn="ctr" defTabSz="1377950">
+          <a:pPr marL="0" lvl="0" indent="0" algn="ctr" defTabSz="1377950">
             <a:lnSpc>
               <a:spcPct val="100000"/>
             </a:lnSpc>
@@ -1695,6 +1677,7 @@
             <a:spcAft>
               <a:spcPct val="35000"/>
             </a:spcAft>
+            <a:buNone/>
           </a:pPr>
           <a:r>
             <a:rPr lang="en-US" sz="3100" kern="1200" dirty="0" err="1"/>
@@ -1893,7 +1876,7 @@
   </dgm:layoutNode>
   <dgm:extLst>
     <a:ext uri="{68A01E43-0DF5-4B5B-8FA6-DAF915123BFB}">
-      <dgm1612:lstStyle xmlns="" xmlns:dgm1612="http://schemas.microsoft.com/office/drawing/2016/12/diagram">
+      <dgm1612:lstStyle xmlns:dgm1612="http://schemas.microsoft.com/office/drawing/2016/12/diagram">
         <a:lvl1pPr>
           <a:lnSpc>
             <a:spcPct val="100000"/>
@@ -3021,7 +3004,7 @@
           <a:p>
             <a:fld id="{32B623FB-F82A-4510-A170-0D5E7C854AA3}" type="datetimeFigureOut">
               <a:rPr lang="en-CA" smtClean="0"/>
-              <a:t>2019-04-01</a:t>
+              <a:t>2019-04-10</a:t>
             </a:fld>
             <a:endParaRPr lang="en-CA"/>
           </a:p>
@@ -4055,7 +4038,7 @@
             <a:fld id="{B61BEF0D-F0BB-DE4B-95CE-6DB70DBA9567}" type="datetimeFigureOut">
               <a:rPr lang="en-US" smtClean="0"/>
               <a:pPr/>
-              <a:t>4/1/2019</a:t>
+              <a:t>4/10/2019</a:t>
             </a:fld>
             <a:endParaRPr lang="en-US" dirty="0"/>
           </a:p>
@@ -4319,7 +4302,7 @@
             <a:fld id="{B61BEF0D-F0BB-DE4B-95CE-6DB70DBA9567}" type="datetimeFigureOut">
               <a:rPr lang="en-US" smtClean="0"/>
               <a:pPr/>
-              <a:t>4/1/2019</a:t>
+              <a:t>4/10/2019</a:t>
             </a:fld>
             <a:endParaRPr lang="en-US" dirty="0"/>
           </a:p>
@@ -4556,7 +4539,7 @@
             <a:fld id="{B61BEF0D-F0BB-DE4B-95CE-6DB70DBA9567}" type="datetimeFigureOut">
               <a:rPr lang="en-US" smtClean="0"/>
               <a:pPr/>
-              <a:t>4/1/2019</a:t>
+              <a:t>4/10/2019</a:t>
             </a:fld>
             <a:endParaRPr lang="en-US" dirty="0"/>
           </a:p>
@@ -4798,7 +4781,7 @@
             <a:fld id="{B61BEF0D-F0BB-DE4B-95CE-6DB70DBA9567}" type="datetimeFigureOut">
               <a:rPr lang="en-US" smtClean="0"/>
               <a:pPr/>
-              <a:t>4/1/2019</a:t>
+              <a:t>4/10/2019</a:t>
             </a:fld>
             <a:endParaRPr lang="en-US" dirty="0"/>
           </a:p>
@@ -5107,7 +5090,7 @@
             <a:fld id="{B61BEF0D-F0BB-DE4B-95CE-6DB70DBA9567}" type="datetimeFigureOut">
               <a:rPr lang="en-US" smtClean="0"/>
               <a:pPr/>
-              <a:t>4/1/2019</a:t>
+              <a:t>4/10/2019</a:t>
             </a:fld>
             <a:endParaRPr lang="en-US" dirty="0"/>
           </a:p>
@@ -5411,7 +5394,7 @@
             <a:fld id="{B61BEF0D-F0BB-DE4B-95CE-6DB70DBA9567}" type="datetimeFigureOut">
               <a:rPr lang="en-US" smtClean="0"/>
               <a:pPr/>
-              <a:t>4/1/2019</a:t>
+              <a:t>4/10/2019</a:t>
             </a:fld>
             <a:endParaRPr lang="en-US" dirty="0"/>
           </a:p>
@@ -5835,7 +5818,7 @@
             <a:fld id="{B61BEF0D-F0BB-DE4B-95CE-6DB70DBA9567}" type="datetimeFigureOut">
               <a:rPr lang="en-US" smtClean="0"/>
               <a:pPr/>
-              <a:t>4/1/2019</a:t>
+              <a:t>4/10/2019</a:t>
             </a:fld>
             <a:endParaRPr lang="en-US" dirty="0"/>
           </a:p>
@@ -5932,7 +5915,7 @@
             <a:fld id="{B61BEF0D-F0BB-DE4B-95CE-6DB70DBA9567}" type="datetimeFigureOut">
               <a:rPr lang="en-US" smtClean="0"/>
               <a:pPr/>
-              <a:t>4/1/2019</a:t>
+              <a:t>4/10/2019</a:t>
             </a:fld>
             <a:endParaRPr lang="en-US" dirty="0"/>
           </a:p>
@@ -6096,7 +6079,7 @@
             <a:fld id="{B61BEF0D-F0BB-DE4B-95CE-6DB70DBA9567}" type="datetimeFigureOut">
               <a:rPr lang="en-US" smtClean="0"/>
               <a:pPr/>
-              <a:t>4/1/2019</a:t>
+              <a:t>4/10/2019</a:t>
             </a:fld>
             <a:endParaRPr lang="en-US" dirty="0"/>
           </a:p>
@@ -6476,7 +6459,7 @@
             <a:fld id="{B61BEF0D-F0BB-DE4B-95CE-6DB70DBA9567}" type="datetimeFigureOut">
               <a:rPr lang="en-US" smtClean="0"/>
               <a:pPr/>
-              <a:t>4/1/2019</a:t>
+              <a:t>4/10/2019</a:t>
             </a:fld>
             <a:endParaRPr lang="en-US" dirty="0"/>
           </a:p>
@@ -6767,7 +6750,7 @@
             <a:fld id="{B61BEF0D-F0BB-DE4B-95CE-6DB70DBA9567}" type="datetimeFigureOut">
               <a:rPr lang="en-US" smtClean="0"/>
               <a:pPr/>
-              <a:t>4/1/2019</a:t>
+              <a:t>4/10/2019</a:t>
             </a:fld>
             <a:endParaRPr lang="en-US" dirty="0"/>
           </a:p>
@@ -6980,7 +6963,7 @@
             <a:fld id="{B61BEF0D-F0BB-DE4B-95CE-6DB70DBA9567}" type="datetimeFigureOut">
               <a:rPr lang="en-US" smtClean="0"/>
               <a:pPr/>
-              <a:t>4/1/2019</a:t>
+              <a:t>4/10/2019</a:t>
             </a:fld>
             <a:endParaRPr lang="en-US" dirty="0"/>
           </a:p>
@@ -7672,16 +7655,13 @@
           <a:p>
             <a:r>
               <a:rPr lang="en-CA" dirty="0"/>
-              <a:t>Name of Project:	</a:t>
-            </a:r>
-            <a:r>
-              <a:rPr lang="en-CA" dirty="0" err="1"/>
-              <a:t>Gamifield</a:t>
-            </a:r>
-            <a:r>
-              <a:rPr lang="en-CA" dirty="0"/>
-              <a:t> – Sched</a:t>
-            </a:r>
+              <a:t>Name of Project:</a:t>
+            </a:r>
+            <a:r>
+              <a:rPr lang="en-CA"/>
+              <a:t>	Sched</a:t>
+            </a:r>
+            <a:endParaRPr lang="en-CA" dirty="0"/>
           </a:p>
           <a:p>
             <a:r>
@@ -7708,13 +7688,6 @@
   <p:clrMapOvr>
     <a:masterClrMapping/>
   </p:clrMapOvr>
-  <p:timing>
-    <p:tnLst>
-      <p:par>
-        <p:cTn id="1" dur="indefinite" restart="never" nodeType="tmRoot"/>
-      </p:par>
-    </p:tnLst>
-  </p:timing>
 </p:sld>
 </file>
 
@@ -7785,12 +7758,8 @@
           <a:lstStyle/>
           <a:p>
             <a:r>
-              <a:rPr lang="en-CA" dirty="0" smtClean="0"/>
-              <a:t>Project </a:t>
-            </a:r>
-            <a:r>
               <a:rPr lang="en-CA" dirty="0"/>
-              <a:t>Goal</a:t>
+              <a:t>Project Goal</a:t>
             </a:r>
           </a:p>
         </p:txBody>
@@ -7824,7 +7793,7 @@
           <a:p>
             <a:r>
               <a:rPr lang="en-US" dirty="0"/>
-              <a:t>Our primary user would be the Dispatcher scheduling work for field Technicians and Resources</a:t>
+              <a:t>Primary user would be the Dispatcher scheduling work for field Technicians and Resources</a:t>
             </a:r>
           </a:p>
           <a:p>
@@ -7910,13 +7879,6 @@
   <p:clrMapOvr>
     <a:masterClrMapping/>
   </p:clrMapOvr>
-  <p:timing>
-    <p:tnLst>
-      <p:par>
-        <p:cTn id="1" dur="indefinite" restart="never" nodeType="tmRoot"/>
-      </p:par>
-    </p:tnLst>
-  </p:timing>
 </p:sld>
 </file>
 
@@ -8020,13 +7982,6 @@
   <p:clrMapOvr>
     <a:masterClrMapping/>
   </p:clrMapOvr>
-  <p:timing>
-    <p:tnLst>
-      <p:par>
-        <p:cTn id="1" dur="indefinite" restart="never" nodeType="tmRoot"/>
-      </p:par>
-    </p:tnLst>
-  </p:timing>
 </p:sld>
 </file>
 
@@ -8138,12 +8093,8 @@
           <a:lstStyle/>
           <a:p>
             <a:r>
-              <a:rPr lang="en-CA" dirty="0" smtClean="0"/>
-              <a:t>Recommendations </a:t>
-            </a:r>
-            <a:r>
               <a:rPr lang="en-CA" dirty="0"/>
-              <a:t>of Technicians and Resources based on client outlined parameters for scheduling of Work Orders</a:t>
+              <a:t>Recommendations of Technicians and Resources based on client outlined parameters for scheduling of Work Orders</a:t>
             </a:r>
           </a:p>
           <a:p>
@@ -8170,13 +8121,6 @@
   <p:clrMapOvr>
     <a:masterClrMapping/>
   </p:clrMapOvr>
-  <p:timing>
-    <p:tnLst>
-      <p:par>
-        <p:cTn id="1" dur="indefinite" restart="never" nodeType="tmRoot"/>
-      </p:par>
-    </p:tnLst>
-  </p:timing>
 </p:sld>
 </file>
 
@@ -8219,10 +8163,9 @@
           <a:lstStyle/>
           <a:p>
             <a:r>
-              <a:rPr lang="en-CA" dirty="0" smtClean="0"/>
+              <a:rPr lang="en-CA" dirty="0"/>
               <a:t>Obstacles and lessons learned</a:t>
             </a:r>
-            <a:endParaRPr lang="en-CA" dirty="0"/>
           </a:p>
         </p:txBody>
       </p:sp>
@@ -9337,7 +9280,7 @@
         </p:spPr>
         <p:txBody>
           <a:bodyPr vert="horz" lIns="91440" tIns="45720" rIns="91440" bIns="45720" rtlCol="0" anchor="t">
-            <a:normAutofit/>
+            <a:normAutofit lnSpcReduction="10000"/>
           </a:bodyPr>
           <a:lstStyle>
             <a:lvl1pPr marL="306000" indent="-306000" algn="l" defTabSz="457200" rtl="0" eaLnBrk="1" latinLnBrk="0" hangingPunct="1">
@@ -9542,73 +9485,14 @@
           <a:p>
             <a:r>
               <a:rPr lang="en-CA" dirty="0"/>
-              <a:t>We used Droppable to be able to grab data from the Work Order List and move it into the Gantt chart for </a:t>
-            </a:r>
-            <a:r>
-              <a:rPr lang="en-CA" dirty="0" smtClean="0"/>
-              <a:t>scheduling. We </a:t>
-            </a:r>
+              <a:t>We used Droppable to be able to grab data from the Work Order List and move it into the Gantt chart for scheduling</a:t>
+            </a:r>
+          </a:p>
+          <a:p>
             <a:r>
               <a:rPr lang="en-CA" dirty="0"/>
-              <a:t>updated </a:t>
-            </a:r>
-            <a:r>
-              <a:rPr lang="en-CA" dirty="0" smtClean="0"/>
-              <a:t>the </a:t>
-            </a:r>
-            <a:r>
-              <a:rPr lang="en-CA" dirty="0" err="1"/>
-              <a:t>draggable</a:t>
-            </a:r>
-            <a:r>
-              <a:rPr lang="en-CA" dirty="0"/>
-              <a:t> </a:t>
-            </a:r>
-            <a:r>
-              <a:rPr lang="en-CA" dirty="0" smtClean="0"/>
-              <a:t>Work </a:t>
-            </a:r>
-            <a:r>
-              <a:rPr lang="en-CA" dirty="0"/>
-              <a:t>o</a:t>
-            </a:r>
-            <a:r>
-              <a:rPr lang="en-CA" dirty="0" smtClean="0"/>
-              <a:t>rders </a:t>
-            </a:r>
-            <a:r>
-              <a:rPr lang="en-CA" dirty="0"/>
-              <a:t>to highlight Technicians and </a:t>
-            </a:r>
-            <a:r>
-              <a:rPr lang="en-CA" dirty="0" smtClean="0"/>
-              <a:t>Resources </a:t>
-            </a:r>
-            <a:r>
-              <a:rPr lang="en-CA" dirty="0"/>
-              <a:t>that </a:t>
-            </a:r>
-            <a:r>
-              <a:rPr lang="en-CA" dirty="0" smtClean="0"/>
-              <a:t>match selected </a:t>
-            </a:r>
-            <a:r>
-              <a:rPr lang="en-CA" dirty="0"/>
-              <a:t>Work Order requirements </a:t>
-            </a:r>
-            <a:r>
-              <a:rPr lang="en-CA" dirty="0" smtClean="0"/>
-              <a:t>as well as </a:t>
-            </a:r>
-            <a:r>
-              <a:rPr lang="en-CA" dirty="0"/>
-              <a:t>matched the look and size of the time slots </a:t>
-            </a:r>
-            <a:r>
-              <a:rPr lang="en-CA" dirty="0" smtClean="0"/>
-              <a:t>providing Dispatchers a relative visual to what it would look like in the Gantt Chart</a:t>
-            </a:r>
-            <a:endParaRPr lang="en-CA" dirty="0"/>
+              <a:t>We updated the draggable work orders to highlight Technicians and Resource that match Work Order requirements and matched the look and size of the time slots in the Gantt Chart, giving Dispatchers instant visual feedback </a:t>
+            </a:r>
           </a:p>
         </p:txBody>
       </p:sp>
@@ -9622,13 +9506,6 @@
   <p:clrMapOvr>
     <a:masterClrMapping/>
   </p:clrMapOvr>
-  <p:timing>
-    <p:tnLst>
-      <p:par>
-        <p:cTn id="1" dur="indefinite" restart="never" nodeType="tmRoot"/>
-      </p:par>
-    </p:tnLst>
-  </p:timing>
 </p:sld>
 </file>
 
@@ -9657,6 +9534,66 @@
           <a:chExt cx="0" cy="0"/>
         </a:xfrm>
       </p:grpSpPr>
+      <p:sp useBgFill="1">
+        <p:nvSpPr>
+          <p:cNvPr id="15" name="Rectangle 14">
+            <a:extLst>
+              <a:ext uri="{FF2B5EF4-FFF2-40B4-BE49-F238E27FC236}">
+                <a16:creationId xmlns:a16="http://schemas.microsoft.com/office/drawing/2014/main" id="{493D4EDA-58E0-40CC-B3CA-14CDEB349D24}"/>
+              </a:ext>
+              <a:ext uri="{C183D7F6-B498-43B3-948B-1728B52AA6E4}">
+                <adec:decorative xmlns:adec="http://schemas.microsoft.com/office/drawing/2017/decorative" val="1"/>
+              </a:ext>
+            </a:extLst>
+          </p:cNvPr>
+          <p:cNvSpPr>
+            <a:spLocks noGrp="1" noRot="1" noChangeAspect="1" noMove="1" noResize="1" noEditPoints="1" noAdjustHandles="1" noChangeArrowheads="1" noChangeShapeType="1" noTextEdit="1"/>
+          </p:cNvSpPr>
+          <p:nvPr>
+            <p:extLst>
+              <p:ext uri="{386F3935-93C4-4BCD-93E2-E3B085C9AB24}">
+                <p16:designElem xmlns:p16="http://schemas.microsoft.com/office/powerpoint/2015/main" val="1"/>
+              </p:ext>
+            </p:extLst>
+          </p:nvPr>
+        </p:nvSpPr>
+        <p:spPr>
+          <a:xfrm>
+            <a:off x="0" y="0"/>
+            <a:ext cx="12192000" cy="6858000"/>
+          </a:xfrm>
+          <a:prstGeom prst="rect">
+            <a:avLst/>
+          </a:prstGeom>
+          <a:ln>
+            <a:noFill/>
+          </a:ln>
+        </p:spPr>
+        <p:style>
+          <a:lnRef idx="2">
+            <a:schemeClr val="accent1">
+              <a:shade val="50000"/>
+            </a:schemeClr>
+          </a:lnRef>
+          <a:fillRef idx="1">
+            <a:schemeClr val="accent1"/>
+          </a:fillRef>
+          <a:effectRef idx="0">
+            <a:schemeClr val="accent1"/>
+          </a:effectRef>
+          <a:fontRef idx="minor">
+            <a:schemeClr val="lt1"/>
+          </a:fontRef>
+        </p:style>
+        <p:txBody>
+          <a:bodyPr rtlCol="0" anchor="ctr"/>
+          <a:lstStyle/>
+          <a:p>
+            <a:pPr algn="ctr"/>
+            <a:endParaRPr lang="en-US" dirty="0"/>
+          </a:p>
+        </p:txBody>
+      </p:sp>
       <p:pic>
         <p:nvPicPr>
           <p:cNvPr id="7" name="Picture 6" descr="Digital Connections">
@@ -9692,6 +9629,250 @@
           </a:prstGeom>
         </p:spPr>
       </p:pic>
+      <p:grpSp>
+        <p:nvGrpSpPr>
+          <p:cNvPr id="17" name="Group 16">
+            <a:extLst>
+              <a:ext uri="{FF2B5EF4-FFF2-40B4-BE49-F238E27FC236}">
+                <a16:creationId xmlns:a16="http://schemas.microsoft.com/office/drawing/2014/main" id="{AA9EB0BC-A85E-4C26-B355-5DFCEF6CCB49}"/>
+              </a:ext>
+              <a:ext uri="{C183D7F6-B498-43B3-948B-1728B52AA6E4}">
+                <adec:decorative xmlns:adec="http://schemas.microsoft.com/office/drawing/2017/decorative" val="1"/>
+              </a:ext>
+            </a:extLst>
+          </p:cNvPr>
+          <p:cNvGrpSpPr>
+            <a:grpSpLocks noGrp="1" noUngrp="1" noRot="1" noChangeAspect="1" noMove="1" noResize="1"/>
+          </p:cNvGrpSpPr>
+          <p:nvPr>
+            <p:extLst>
+              <p:ext uri="{386F3935-93C4-4BCD-93E2-E3B085C9AB24}">
+                <p16:designElem xmlns:p16="http://schemas.microsoft.com/office/powerpoint/2015/main" val="1"/>
+              </p:ext>
+            </p:extLst>
+          </p:nvPr>
+        </p:nvGrpSpPr>
+        <p:grpSpPr>
+          <a:xfrm>
+            <a:off x="446534" y="453643"/>
+            <a:ext cx="11298933" cy="98554"/>
+            <a:chOff x="446534" y="453643"/>
+            <a:chExt cx="11298933" cy="98554"/>
+          </a:xfrm>
+        </p:grpSpPr>
+        <p:sp>
+          <p:nvSpPr>
+            <p:cNvPr id="18" name="Rectangle 17">
+              <a:extLst>
+                <a:ext uri="{FF2B5EF4-FFF2-40B4-BE49-F238E27FC236}">
+                  <a16:creationId xmlns:a16="http://schemas.microsoft.com/office/drawing/2014/main" id="{3643E56B-BD42-413D-B17D-7958270F5DE4}"/>
+                </a:ext>
+                <a:ext uri="{C183D7F6-B498-43B3-948B-1728B52AA6E4}">
+                  <adec:decorative xmlns:adec="http://schemas.microsoft.com/office/drawing/2017/decorative" val="1"/>
+                </a:ext>
+              </a:extLst>
+            </p:cNvPr>
+            <p:cNvSpPr/>
+            <p:nvPr>
+              <p:extLst>
+                <p:ext uri="{386F3935-93C4-4BCD-93E2-E3B085C9AB24}">
+                  <p16:designElem xmlns:p16="http://schemas.microsoft.com/office/powerpoint/2015/main" val="1"/>
+                </p:ext>
+              </p:extLst>
+            </p:nvPr>
+          </p:nvSpPr>
+          <p:spPr>
+            <a:xfrm>
+              <a:off x="446534" y="457200"/>
+              <a:ext cx="3703320" cy="94997"/>
+            </a:xfrm>
+            <a:prstGeom prst="rect">
+              <a:avLst/>
+            </a:prstGeom>
+            <a:solidFill>
+              <a:schemeClr val="accent1"/>
+            </a:solidFill>
+            <a:ln>
+              <a:noFill/>
+            </a:ln>
+            <a:effectLst/>
+          </p:spPr>
+          <p:style>
+            <a:lnRef idx="1">
+              <a:schemeClr val="accent1"/>
+            </a:lnRef>
+            <a:fillRef idx="3">
+              <a:schemeClr val="accent1"/>
+            </a:fillRef>
+            <a:effectRef idx="2">
+              <a:schemeClr val="accent1"/>
+            </a:effectRef>
+            <a:fontRef idx="minor">
+              <a:schemeClr val="lt1"/>
+            </a:fontRef>
+          </p:style>
+        </p:sp>
+        <p:sp>
+          <p:nvSpPr>
+            <p:cNvPr id="19" name="Rectangle 18">
+              <a:extLst>
+                <a:ext uri="{FF2B5EF4-FFF2-40B4-BE49-F238E27FC236}">
+                  <a16:creationId xmlns:a16="http://schemas.microsoft.com/office/drawing/2014/main" id="{96C04F74-9467-4FA5-95DC-8D481A29740E}"/>
+                </a:ext>
+                <a:ext uri="{C183D7F6-B498-43B3-948B-1728B52AA6E4}">
+                  <adec:decorative xmlns:adec="http://schemas.microsoft.com/office/drawing/2017/decorative" val="1"/>
+                </a:ext>
+              </a:extLst>
+            </p:cNvPr>
+            <p:cNvSpPr/>
+            <p:nvPr>
+              <p:extLst>
+                <p:ext uri="{386F3935-93C4-4BCD-93E2-E3B085C9AB24}">
+                  <p16:designElem xmlns:p16="http://schemas.microsoft.com/office/powerpoint/2015/main" val="1"/>
+                </p:ext>
+              </p:extLst>
+            </p:nvPr>
+          </p:nvSpPr>
+          <p:spPr>
+            <a:xfrm>
+              <a:off x="8042147" y="453643"/>
+              <a:ext cx="3703320" cy="98554"/>
+            </a:xfrm>
+            <a:prstGeom prst="rect">
+              <a:avLst/>
+            </a:prstGeom>
+            <a:solidFill>
+              <a:schemeClr val="accent4"/>
+            </a:solidFill>
+            <a:ln>
+              <a:noFill/>
+            </a:ln>
+            <a:effectLst/>
+          </p:spPr>
+          <p:style>
+            <a:lnRef idx="1">
+              <a:schemeClr val="accent1"/>
+            </a:lnRef>
+            <a:fillRef idx="3">
+              <a:schemeClr val="accent1"/>
+            </a:fillRef>
+            <a:effectRef idx="2">
+              <a:schemeClr val="accent1"/>
+            </a:effectRef>
+            <a:fontRef idx="minor">
+              <a:schemeClr val="lt1"/>
+            </a:fontRef>
+          </p:style>
+        </p:sp>
+        <p:sp>
+          <p:nvSpPr>
+            <p:cNvPr id="20" name="Rectangle 19">
+              <a:extLst>
+                <a:ext uri="{FF2B5EF4-FFF2-40B4-BE49-F238E27FC236}">
+                  <a16:creationId xmlns:a16="http://schemas.microsoft.com/office/drawing/2014/main" id="{D73DE1C3-5C37-42E9-A3F0-256F1938327C}"/>
+                </a:ext>
+                <a:ext uri="{C183D7F6-B498-43B3-948B-1728B52AA6E4}">
+                  <adec:decorative xmlns:adec="http://schemas.microsoft.com/office/drawing/2017/decorative" val="1"/>
+                </a:ext>
+              </a:extLst>
+            </p:cNvPr>
+            <p:cNvSpPr/>
+            <p:nvPr>
+              <p:extLst>
+                <p:ext uri="{386F3935-93C4-4BCD-93E2-E3B085C9AB24}">
+                  <p16:designElem xmlns:p16="http://schemas.microsoft.com/office/powerpoint/2015/main" val="1"/>
+                </p:ext>
+              </p:extLst>
+            </p:nvPr>
+          </p:nvSpPr>
+          <p:spPr>
+            <a:xfrm>
+              <a:off x="4241830" y="457200"/>
+              <a:ext cx="3703320" cy="91440"/>
+            </a:xfrm>
+            <a:prstGeom prst="rect">
+              <a:avLst/>
+            </a:prstGeom>
+            <a:solidFill>
+              <a:schemeClr val="accent2"/>
+            </a:solidFill>
+            <a:ln>
+              <a:noFill/>
+            </a:ln>
+            <a:effectLst/>
+          </p:spPr>
+          <p:style>
+            <a:lnRef idx="1">
+              <a:schemeClr val="accent1"/>
+            </a:lnRef>
+            <a:fillRef idx="3">
+              <a:schemeClr val="accent1"/>
+            </a:fillRef>
+            <a:effectRef idx="2">
+              <a:schemeClr val="accent1"/>
+            </a:effectRef>
+            <a:fontRef idx="minor">
+              <a:schemeClr val="lt1"/>
+            </a:fontRef>
+          </p:style>
+        </p:sp>
+      </p:grpSp>
+      <p:sp>
+        <p:nvSpPr>
+          <p:cNvPr id="22" name="Rectangle 21">
+            <a:extLst>
+              <a:ext uri="{FF2B5EF4-FFF2-40B4-BE49-F238E27FC236}">
+                <a16:creationId xmlns:a16="http://schemas.microsoft.com/office/drawing/2014/main" id="{4A2E7EC3-E07C-46CE-9B25-41865A50681C}"/>
+              </a:ext>
+              <a:ext uri="{C183D7F6-B498-43B3-948B-1728B52AA6E4}">
+                <adec:decorative xmlns:adec="http://schemas.microsoft.com/office/drawing/2017/decorative" val="1"/>
+              </a:ext>
+            </a:extLst>
+          </p:cNvPr>
+          <p:cNvSpPr>
+            <a:spLocks noGrp="1" noRot="1" noChangeAspect="1" noMove="1" noResize="1" noEditPoints="1" noAdjustHandles="1" noChangeArrowheads="1" noChangeShapeType="1" noTextEdit="1"/>
+          </p:cNvSpPr>
+          <p:nvPr>
+            <p:extLst>
+              <p:ext uri="{386F3935-93C4-4BCD-93E2-E3B085C9AB24}">
+                <p16:designElem xmlns:p16="http://schemas.microsoft.com/office/powerpoint/2015/main" val="1"/>
+              </p:ext>
+            </p:extLst>
+          </p:nvPr>
+        </p:nvSpPr>
+        <p:spPr>
+          <a:xfrm>
+            <a:off x="448732" y="4428067"/>
+            <a:ext cx="11260667" cy="1962497"/>
+          </a:xfrm>
+          <a:prstGeom prst="rect">
+            <a:avLst/>
+          </a:prstGeom>
+          <a:solidFill>
+            <a:schemeClr val="accent1">
+              <a:alpha val="97000"/>
+            </a:schemeClr>
+          </a:solidFill>
+          <a:ln w="6350" cmpd="sng">
+            <a:noFill/>
+          </a:ln>
+          <a:effectLst/>
+        </p:spPr>
+        <p:style>
+          <a:lnRef idx="1">
+            <a:schemeClr val="accent1"/>
+          </a:lnRef>
+          <a:fillRef idx="3">
+            <a:schemeClr val="accent1"/>
+          </a:fillRef>
+          <a:effectRef idx="2">
+            <a:schemeClr val="accent1"/>
+          </a:effectRef>
+          <a:fontRef idx="minor">
+            <a:schemeClr val="lt1"/>
+          </a:fontRef>
+        </p:style>
+      </p:sp>
       <p:sp>
         <p:nvSpPr>
           <p:cNvPr id="2" name="Title 1">
@@ -9705,13 +9886,13 @@
             <a:spLocks noGrp="1"/>
           </p:cNvSpPr>
           <p:nvPr>
-            <p:ph type="title"/>
+            <p:ph type="ctrTitle"/>
           </p:nvPr>
         </p:nvSpPr>
         <p:spPr>
           <a:xfrm>
-            <a:off x="581192" y="364834"/>
-            <a:ext cx="11029616" cy="988332"/>
+            <a:off x="581191" y="4572000"/>
+            <a:ext cx="10993549" cy="895244"/>
           </a:xfrm>
         </p:spPr>
         <p:txBody>
@@ -9731,32 +9912,45 @@
           </a:p>
         </p:txBody>
       </p:sp>
-      <p:pic>
-        <p:nvPicPr>
-          <p:cNvPr id="9" name="Content Placeholder 8"/>
-          <p:cNvPicPr>
-            <a:picLocks noGrp="1" noChangeAspect="1"/>
-          </p:cNvPicPr>
+      <p:sp>
+        <p:nvSpPr>
+          <p:cNvPr id="3" name="Subtitle 2">
+            <a:extLst>
+              <a:ext uri="{FF2B5EF4-FFF2-40B4-BE49-F238E27FC236}">
+                <a16:creationId xmlns:a16="http://schemas.microsoft.com/office/drawing/2014/main" id="{48B6CF59-4E5B-494D-A2F7-97ADD01E6497}"/>
+              </a:ext>
+            </a:extLst>
+          </p:cNvPr>
+          <p:cNvSpPr>
+            <a:spLocks noGrp="1"/>
+          </p:cNvSpPr>
           <p:nvPr>
-            <p:ph sz="half" idx="2"/>
+            <p:ph type="subTitle" idx="1"/>
           </p:nvPr>
-        </p:nvPicPr>
-        <p:blipFill>
-          <a:blip r:embed="rId4"/>
-          <a:stretch>
-            <a:fillRect/>
-          </a:stretch>
-        </p:blipFill>
+        </p:nvSpPr>
         <p:spPr>
           <a:xfrm>
-            <a:off x="782071" y="1353166"/>
-            <a:ext cx="10436581" cy="5232072"/>
+            <a:off x="581194" y="5467246"/>
+            <a:ext cx="10993546" cy="484822"/>
           </a:xfrm>
-          <a:prstGeom prst="rect">
-            <a:avLst/>
-          </a:prstGeom>
         </p:spPr>
-      </p:pic>
+        <p:txBody>
+          <a:bodyPr>
+            <a:normAutofit/>
+          </a:bodyPr>
+          <a:lstStyle/>
+          <a:p>
+            <a:r>
+              <a:rPr lang="en-US" dirty="0">
+                <a:solidFill>
+                  <a:srgbClr val="7CEBFF"/>
+                </a:solidFill>
+              </a:rPr>
+              <a:t>Field Service Scheduler</a:t>
+            </a:r>
+          </a:p>
+        </p:txBody>
+      </p:sp>
     </p:spTree>
     <p:extLst>
       <p:ext uri="{BB962C8B-B14F-4D97-AF65-F5344CB8AC3E}">
@@ -9767,13 +9961,470 @@
   <p:clrMapOvr>
     <a:masterClrMapping/>
   </p:clrMapOvr>
-  <p:timing>
-    <p:tnLst>
-      <p:par>
-        <p:cTn id="1" dur="indefinite" restart="never" nodeType="tmRoot"/>
-      </p:par>
-    </p:tnLst>
-  </p:timing>
+</p:sld>
+</file>
+
+<file path=ppt/slides/slide7.xml><?xml version="1.0" encoding="utf-8"?>
+<p:sld xmlns:a="http://schemas.openxmlformats.org/drawingml/2006/main" xmlns:r="http://schemas.openxmlformats.org/officeDocument/2006/relationships" xmlns:p="http://schemas.openxmlformats.org/presentationml/2006/main">
+  <p:cSld>
+    <p:bg>
+      <p:bgPr>
+        <a:solidFill>
+          <a:schemeClr val="bg1"/>
+        </a:solidFill>
+        <a:effectLst/>
+      </p:bgPr>
+    </p:bg>
+    <p:spTree>
+      <p:nvGrpSpPr>
+        <p:cNvPr id="1" name=""/>
+        <p:cNvGrpSpPr/>
+        <p:nvPr/>
+      </p:nvGrpSpPr>
+      <p:grpSpPr>
+        <a:xfrm>
+          <a:off x="0" y="0"/>
+          <a:ext cx="0" cy="0"/>
+          <a:chOff x="0" y="0"/>
+          <a:chExt cx="0" cy="0"/>
+        </a:xfrm>
+      </p:grpSpPr>
+      <p:sp useBgFill="1">
+        <p:nvSpPr>
+          <p:cNvPr id="10" name="Rectangle 9">
+            <a:extLst>
+              <a:ext uri="{FF2B5EF4-FFF2-40B4-BE49-F238E27FC236}">
+                <a16:creationId xmlns:a16="http://schemas.microsoft.com/office/drawing/2014/main" id="{379F11E2-8BA5-4C5C-AE7C-361E5EA011FF}"/>
+              </a:ext>
+              <a:ext uri="{C183D7F6-B498-43B3-948B-1728B52AA6E4}">
+                <adec:decorative xmlns:adec="http://schemas.microsoft.com/office/drawing/2017/decorative" val="1"/>
+              </a:ext>
+            </a:extLst>
+          </p:cNvPr>
+          <p:cNvSpPr>
+            <a:spLocks noGrp="1" noRot="1" noChangeAspect="1" noMove="1" noResize="1" noEditPoints="1" noAdjustHandles="1" noChangeArrowheads="1" noChangeShapeType="1" noTextEdit="1"/>
+          </p:cNvSpPr>
+          <p:nvPr>
+            <p:extLst>
+              <p:ext uri="{386F3935-93C4-4BCD-93E2-E3B085C9AB24}">
+                <p16:designElem xmlns:p16="http://schemas.microsoft.com/office/powerpoint/2015/main" val="1"/>
+              </p:ext>
+            </p:extLst>
+          </p:nvPr>
+        </p:nvSpPr>
+        <p:spPr>
+          <a:xfrm>
+            <a:off x="0" y="1"/>
+            <a:ext cx="12191999" cy="6858000"/>
+          </a:xfrm>
+          <a:prstGeom prst="rect">
+            <a:avLst/>
+          </a:prstGeom>
+          <a:ln>
+            <a:noFill/>
+          </a:ln>
+        </p:spPr>
+        <p:style>
+          <a:lnRef idx="2">
+            <a:schemeClr val="accent1">
+              <a:shade val="50000"/>
+            </a:schemeClr>
+          </a:lnRef>
+          <a:fillRef idx="1">
+            <a:schemeClr val="accent1"/>
+          </a:fillRef>
+          <a:effectRef idx="0">
+            <a:schemeClr val="accent1"/>
+          </a:effectRef>
+          <a:fontRef idx="minor">
+            <a:schemeClr val="lt1"/>
+          </a:fontRef>
+        </p:style>
+        <p:txBody>
+          <a:bodyPr rtlCol="0" anchor="ctr"/>
+          <a:lstStyle/>
+          <a:p>
+            <a:pPr algn="ctr"/>
+            <a:endParaRPr lang="en-US"/>
+          </a:p>
+        </p:txBody>
+      </p:sp>
+      <p:pic>
+        <p:nvPicPr>
+          <p:cNvPr id="5" name="Picture 4" descr="Digital Numbers">
+            <a:extLst>
+              <a:ext uri="{FF2B5EF4-FFF2-40B4-BE49-F238E27FC236}">
+                <a16:creationId xmlns:a16="http://schemas.microsoft.com/office/drawing/2014/main" id="{A21EA617-6D48-425F-97A8-7FEC82C8F401}"/>
+              </a:ext>
+            </a:extLst>
+          </p:cNvPr>
+          <p:cNvPicPr>
+            <a:picLocks noChangeAspect="1"/>
+          </p:cNvPicPr>
+          <p:nvPr/>
+        </p:nvPicPr>
+        <p:blipFill rotWithShape="1">
+          <a:blip r:embed="rId2" cstate="screen">
+            <a:extLst>
+              <a:ext uri="{28A0092B-C50C-407E-A947-70E740481C1C}">
+                <a14:useLocalDpi xmlns:a14="http://schemas.microsoft.com/office/drawing/2010/main"/>
+              </a:ext>
+            </a:extLst>
+          </a:blip>
+          <a:srcRect l="2189" r="9642" b="1"/>
+          <a:stretch/>
+        </p:blipFill>
+        <p:spPr>
+          <a:xfrm>
+            <a:off x="446534" y="723899"/>
+            <a:ext cx="7498616" cy="5676901"/>
+          </a:xfrm>
+          <a:prstGeom prst="rect">
+            <a:avLst/>
+          </a:prstGeom>
+        </p:spPr>
+      </p:pic>
+      <p:sp>
+        <p:nvSpPr>
+          <p:cNvPr id="12" name="Rectangle 11">
+            <a:extLst>
+              <a:ext uri="{FF2B5EF4-FFF2-40B4-BE49-F238E27FC236}">
+                <a16:creationId xmlns:a16="http://schemas.microsoft.com/office/drawing/2014/main" id="{7C00E1DA-EC7C-40FC-95E3-11FDCD2E4291}"/>
+              </a:ext>
+              <a:ext uri="{C183D7F6-B498-43B3-948B-1728B52AA6E4}">
+                <adec:decorative xmlns:adec="http://schemas.microsoft.com/office/drawing/2017/decorative" val="1"/>
+              </a:ext>
+            </a:extLst>
+          </p:cNvPr>
+          <p:cNvSpPr>
+            <a:spLocks noGrp="1" noRot="1" noChangeAspect="1" noMove="1" noResize="1" noEditPoints="1" noAdjustHandles="1" noChangeArrowheads="1" noChangeShapeType="1" noTextEdit="1"/>
+          </p:cNvSpPr>
+          <p:nvPr>
+            <p:extLst>
+              <p:ext uri="{386F3935-93C4-4BCD-93E2-E3B085C9AB24}">
+                <p16:designElem xmlns:p16="http://schemas.microsoft.com/office/powerpoint/2015/main" val="1"/>
+              </p:ext>
+            </p:extLst>
+          </p:nvPr>
+        </p:nvSpPr>
+        <p:spPr>
+          <a:xfrm>
+            <a:off x="8042147" y="723899"/>
+            <a:ext cx="3703320" cy="5666666"/>
+          </a:xfrm>
+          <a:prstGeom prst="rect">
+            <a:avLst/>
+          </a:prstGeom>
+          <a:solidFill>
+            <a:schemeClr val="accent1"/>
+          </a:solidFill>
+          <a:ln>
+            <a:noFill/>
+          </a:ln>
+          <a:effectLst/>
+        </p:spPr>
+        <p:style>
+          <a:lnRef idx="1">
+            <a:schemeClr val="accent1"/>
+          </a:lnRef>
+          <a:fillRef idx="3">
+            <a:schemeClr val="accent1"/>
+          </a:fillRef>
+          <a:effectRef idx="2">
+            <a:schemeClr val="accent1"/>
+          </a:effectRef>
+          <a:fontRef idx="minor">
+            <a:schemeClr val="lt1"/>
+          </a:fontRef>
+        </p:style>
+      </p:sp>
+      <p:sp>
+        <p:nvSpPr>
+          <p:cNvPr id="2" name="Title 1">
+            <a:extLst>
+              <a:ext uri="{FF2B5EF4-FFF2-40B4-BE49-F238E27FC236}">
+                <a16:creationId xmlns:a16="http://schemas.microsoft.com/office/drawing/2014/main" id="{0F87E73C-2B1A-4602-BFBE-CFE1E55D9B38}"/>
+              </a:ext>
+            </a:extLst>
+          </p:cNvPr>
+          <p:cNvSpPr>
+            <a:spLocks noGrp="1"/>
+          </p:cNvSpPr>
+          <p:nvPr>
+            <p:ph type="ctrTitle"/>
+          </p:nvPr>
+        </p:nvSpPr>
+        <p:spPr>
+          <a:xfrm>
+            <a:off x="8296275" y="1419226"/>
+            <a:ext cx="3081576" cy="1746762"/>
+          </a:xfrm>
+        </p:spPr>
+        <p:txBody>
+          <a:bodyPr>
+            <a:normAutofit/>
+          </a:bodyPr>
+          <a:lstStyle/>
+          <a:p>
+            <a:r>
+              <a:rPr lang="en-US" dirty="0">
+                <a:solidFill>
+                  <a:srgbClr val="FFFFFF"/>
+                </a:solidFill>
+              </a:rPr>
+              <a:t>Thank You</a:t>
+            </a:r>
+          </a:p>
+        </p:txBody>
+      </p:sp>
+      <p:sp>
+        <p:nvSpPr>
+          <p:cNvPr id="3" name="Subtitle 2">
+            <a:extLst>
+              <a:ext uri="{FF2B5EF4-FFF2-40B4-BE49-F238E27FC236}">
+                <a16:creationId xmlns:a16="http://schemas.microsoft.com/office/drawing/2014/main" id="{A9CB511D-EA45-4336-847C-1252667143B5}"/>
+              </a:ext>
+            </a:extLst>
+          </p:cNvPr>
+          <p:cNvSpPr>
+            <a:spLocks noGrp="1"/>
+          </p:cNvSpPr>
+          <p:nvPr>
+            <p:ph type="subTitle" idx="1"/>
+          </p:nvPr>
+        </p:nvSpPr>
+        <p:spPr>
+          <a:xfrm>
+            <a:off x="8296275" y="3505095"/>
+            <a:ext cx="3081576" cy="2629006"/>
+          </a:xfrm>
+        </p:spPr>
+        <p:txBody>
+          <a:bodyPr>
+            <a:normAutofit/>
+          </a:bodyPr>
+          <a:lstStyle/>
+          <a:p>
+            <a:endParaRPr lang="en-US" dirty="0">
+              <a:solidFill>
+                <a:schemeClr val="bg2"/>
+              </a:solidFill>
+            </a:endParaRPr>
+          </a:p>
+          <a:p>
+            <a:endParaRPr lang="en-US" dirty="0">
+              <a:solidFill>
+                <a:schemeClr val="bg2"/>
+              </a:solidFill>
+            </a:endParaRPr>
+          </a:p>
+          <a:p>
+            <a:endParaRPr lang="en-US" dirty="0">
+              <a:solidFill>
+                <a:schemeClr val="bg2"/>
+              </a:solidFill>
+            </a:endParaRPr>
+          </a:p>
+        </p:txBody>
+      </p:sp>
+      <p:grpSp>
+        <p:nvGrpSpPr>
+          <p:cNvPr id="14" name="Group 13">
+            <a:extLst>
+              <a:ext uri="{FF2B5EF4-FFF2-40B4-BE49-F238E27FC236}">
+                <a16:creationId xmlns:a16="http://schemas.microsoft.com/office/drawing/2014/main" id="{9A421166-2996-41A7-B094-AE5316F347DD}"/>
+              </a:ext>
+              <a:ext uri="{C183D7F6-B498-43B3-948B-1728B52AA6E4}">
+                <adec:decorative xmlns:adec="http://schemas.microsoft.com/office/drawing/2017/decorative" val="1"/>
+              </a:ext>
+            </a:extLst>
+          </p:cNvPr>
+          <p:cNvGrpSpPr>
+            <a:grpSpLocks noGrp="1" noUngrp="1" noRot="1" noChangeAspect="1" noMove="1" noResize="1"/>
+          </p:cNvGrpSpPr>
+          <p:nvPr>
+            <p:extLst>
+              <p:ext uri="{386F3935-93C4-4BCD-93E2-E3B085C9AB24}">
+                <p16:designElem xmlns:p16="http://schemas.microsoft.com/office/powerpoint/2015/main" val="1"/>
+              </p:ext>
+            </p:extLst>
+          </p:nvPr>
+        </p:nvGrpSpPr>
+        <p:grpSpPr>
+          <a:xfrm>
+            <a:off x="446534" y="453643"/>
+            <a:ext cx="11298933" cy="98554"/>
+            <a:chOff x="446534" y="453643"/>
+            <a:chExt cx="11298933" cy="98554"/>
+          </a:xfrm>
+        </p:grpSpPr>
+        <p:sp>
+          <p:nvSpPr>
+            <p:cNvPr id="15" name="Rectangle 14">
+              <a:extLst>
+                <a:ext uri="{FF2B5EF4-FFF2-40B4-BE49-F238E27FC236}">
+                  <a16:creationId xmlns:a16="http://schemas.microsoft.com/office/drawing/2014/main" id="{FDBB1B92-A3EB-43E4-8FAB-D20E8ED14CEF}"/>
+                </a:ext>
+                <a:ext uri="{C183D7F6-B498-43B3-948B-1728B52AA6E4}">
+                  <adec:decorative xmlns:adec="http://schemas.microsoft.com/office/drawing/2017/decorative" val="1"/>
+                </a:ext>
+              </a:extLst>
+            </p:cNvPr>
+            <p:cNvSpPr/>
+            <p:nvPr>
+              <p:extLst>
+                <p:ext uri="{386F3935-93C4-4BCD-93E2-E3B085C9AB24}">
+                  <p16:designElem xmlns:p16="http://schemas.microsoft.com/office/powerpoint/2015/main" val="1"/>
+                </p:ext>
+              </p:extLst>
+            </p:nvPr>
+          </p:nvSpPr>
+          <p:spPr>
+            <a:xfrm>
+              <a:off x="446534" y="457200"/>
+              <a:ext cx="3703320" cy="94997"/>
+            </a:xfrm>
+            <a:prstGeom prst="rect">
+              <a:avLst/>
+            </a:prstGeom>
+            <a:solidFill>
+              <a:schemeClr val="accent1"/>
+            </a:solidFill>
+            <a:ln>
+              <a:noFill/>
+            </a:ln>
+            <a:effectLst/>
+          </p:spPr>
+          <p:style>
+            <a:lnRef idx="1">
+              <a:schemeClr val="accent1"/>
+            </a:lnRef>
+            <a:fillRef idx="3">
+              <a:schemeClr val="accent1"/>
+            </a:fillRef>
+            <a:effectRef idx="2">
+              <a:schemeClr val="accent1"/>
+            </a:effectRef>
+            <a:fontRef idx="minor">
+              <a:schemeClr val="lt1"/>
+            </a:fontRef>
+          </p:style>
+        </p:sp>
+        <p:sp>
+          <p:nvSpPr>
+            <p:cNvPr id="16" name="Rectangle 15">
+              <a:extLst>
+                <a:ext uri="{FF2B5EF4-FFF2-40B4-BE49-F238E27FC236}">
+                  <a16:creationId xmlns:a16="http://schemas.microsoft.com/office/drawing/2014/main" id="{3F3972F4-FE7E-48EA-AAD8-9BE5750A6672}"/>
+                </a:ext>
+                <a:ext uri="{C183D7F6-B498-43B3-948B-1728B52AA6E4}">
+                  <adec:decorative xmlns:adec="http://schemas.microsoft.com/office/drawing/2017/decorative" val="1"/>
+                </a:ext>
+              </a:extLst>
+            </p:cNvPr>
+            <p:cNvSpPr/>
+            <p:nvPr>
+              <p:extLst>
+                <p:ext uri="{386F3935-93C4-4BCD-93E2-E3B085C9AB24}">
+                  <p16:designElem xmlns:p16="http://schemas.microsoft.com/office/powerpoint/2015/main" val="1"/>
+                </p:ext>
+              </p:extLst>
+            </p:nvPr>
+          </p:nvSpPr>
+          <p:spPr>
+            <a:xfrm>
+              <a:off x="8042147" y="453643"/>
+              <a:ext cx="3703320" cy="98554"/>
+            </a:xfrm>
+            <a:prstGeom prst="rect">
+              <a:avLst/>
+            </a:prstGeom>
+            <a:solidFill>
+              <a:schemeClr val="accent4"/>
+            </a:solidFill>
+            <a:ln>
+              <a:noFill/>
+            </a:ln>
+            <a:effectLst/>
+          </p:spPr>
+          <p:style>
+            <a:lnRef idx="1">
+              <a:schemeClr val="accent1"/>
+            </a:lnRef>
+            <a:fillRef idx="3">
+              <a:schemeClr val="accent1"/>
+            </a:fillRef>
+            <a:effectRef idx="2">
+              <a:schemeClr val="accent1"/>
+            </a:effectRef>
+            <a:fontRef idx="minor">
+              <a:schemeClr val="lt1"/>
+            </a:fontRef>
+          </p:style>
+        </p:sp>
+        <p:sp>
+          <p:nvSpPr>
+            <p:cNvPr id="17" name="Rectangle 16">
+              <a:extLst>
+                <a:ext uri="{FF2B5EF4-FFF2-40B4-BE49-F238E27FC236}">
+                  <a16:creationId xmlns:a16="http://schemas.microsoft.com/office/drawing/2014/main" id="{221614E5-870B-4D5E-A43B-8FF7E5323484}"/>
+                </a:ext>
+                <a:ext uri="{C183D7F6-B498-43B3-948B-1728B52AA6E4}">
+                  <adec:decorative xmlns:adec="http://schemas.microsoft.com/office/drawing/2017/decorative" val="1"/>
+                </a:ext>
+              </a:extLst>
+            </p:cNvPr>
+            <p:cNvSpPr/>
+            <p:nvPr>
+              <p:extLst>
+                <p:ext uri="{386F3935-93C4-4BCD-93E2-E3B085C9AB24}">
+                  <p16:designElem xmlns:p16="http://schemas.microsoft.com/office/powerpoint/2015/main" val="1"/>
+                </p:ext>
+              </p:extLst>
+            </p:nvPr>
+          </p:nvSpPr>
+          <p:spPr>
+            <a:xfrm>
+              <a:off x="4241830" y="457200"/>
+              <a:ext cx="3703320" cy="91440"/>
+            </a:xfrm>
+            <a:prstGeom prst="rect">
+              <a:avLst/>
+            </a:prstGeom>
+            <a:solidFill>
+              <a:schemeClr val="accent2"/>
+            </a:solidFill>
+            <a:ln>
+              <a:noFill/>
+            </a:ln>
+            <a:effectLst/>
+          </p:spPr>
+          <p:style>
+            <a:lnRef idx="1">
+              <a:schemeClr val="accent1"/>
+            </a:lnRef>
+            <a:fillRef idx="3">
+              <a:schemeClr val="accent1"/>
+            </a:fillRef>
+            <a:effectRef idx="2">
+              <a:schemeClr val="accent1"/>
+            </a:effectRef>
+            <a:fontRef idx="minor">
+              <a:schemeClr val="lt1"/>
+            </a:fontRef>
+          </p:style>
+        </p:sp>
+      </p:grpSp>
+    </p:spTree>
+    <p:extLst>
+      <p:ext uri="{BB962C8B-B14F-4D97-AF65-F5344CB8AC3E}">
+        <p14:creationId xmlns:p14="http://schemas.microsoft.com/office/powerpoint/2010/main" val="3501347425"/>
+      </p:ext>
+    </p:extLst>
+  </p:cSld>
+  <p:clrMapOvr>
+    <a:masterClrMapping/>
+  </p:clrMapOvr>
 </p:sld>
 </file>
 

--- a/CapstonePowerPoint.pptx
+++ b/CapstonePowerPoint.pptx
@@ -1201,9 +1201,27 @@
       <dgm:spPr>
         <a:blipFill>
           <a:blip xmlns:r="http://schemas.openxmlformats.org/officeDocument/2006/relationships" r:embed="rId1">
+            <a:duotone>
+              <a:schemeClr val="accent2">
+                <a:hueOff val="0"/>
+                <a:satOff val="0"/>
+                <a:lumOff val="0"/>
+                <a:alphaOff val="0"/>
+                <a:shade val="20000"/>
+                <a:satMod val="200000"/>
+              </a:schemeClr>
+              <a:schemeClr val="accent2">
+                <a:hueOff val="0"/>
+                <a:satOff val="0"/>
+                <a:lumOff val="0"/>
+                <a:alphaOff val="0"/>
+                <a:tint val="12000"/>
+                <a:satMod val="190000"/>
+              </a:schemeClr>
+            </a:duotone>
             <a:extLst>
               <a:ext uri="{96DAC541-7B7A-43D3-8B79-37D633B846F1}">
-                <asvg:svgBlip xmlns:asvg="http://schemas.microsoft.com/office/drawing/2016/SVG/main" r:embed="rId2"/>
+                <asvg:svgBlip xmlns:asvg="http://schemas.microsoft.com/office/drawing/2016/SVG/main" xmlns="" r:embed="rId2"/>
               </a:ext>
             </a:extLst>
           </a:blip>
@@ -1227,6 +1245,13 @@
         </dgm:presLayoutVars>
       </dgm:prSet>
       <dgm:spPr/>
+      <dgm:t>
+        <a:bodyPr/>
+        <a:lstStyle/>
+        <a:p>
+          <a:endParaRPr lang="en-US"/>
+        </a:p>
+      </dgm:t>
     </dgm:pt>
     <dgm:pt modelId="{8B391436-B9B0-45BD-A57F-792D6376D868}" type="pres">
       <dgm:prSet presAssocID="{0C95B389-AC0C-4055-9AA3-38815EFC8B0A}" presName="sibTrans" presStyleCnt="0"/>
@@ -1241,9 +1266,27 @@
       <dgm:spPr>
         <a:blipFill>
           <a:blip xmlns:r="http://schemas.openxmlformats.org/officeDocument/2006/relationships" r:embed="rId3">
+            <a:duotone>
+              <a:schemeClr val="accent3">
+                <a:hueOff val="0"/>
+                <a:satOff val="0"/>
+                <a:lumOff val="0"/>
+                <a:alphaOff val="0"/>
+                <a:shade val="20000"/>
+                <a:satMod val="200000"/>
+              </a:schemeClr>
+              <a:schemeClr val="accent3">
+                <a:hueOff val="0"/>
+                <a:satOff val="0"/>
+                <a:lumOff val="0"/>
+                <a:alphaOff val="0"/>
+                <a:tint val="12000"/>
+                <a:satMod val="190000"/>
+              </a:schemeClr>
+            </a:duotone>
             <a:extLst>
               <a:ext uri="{96DAC541-7B7A-43D3-8B79-37D633B846F1}">
-                <asvg:svgBlip xmlns:asvg="http://schemas.microsoft.com/office/drawing/2016/SVG/main" r:embed="rId4"/>
+                <asvg:svgBlip xmlns:asvg="http://schemas.microsoft.com/office/drawing/2016/SVG/main" xmlns="" r:embed="rId4"/>
               </a:ext>
             </a:extLst>
           </a:blip>
@@ -1267,6 +1310,13 @@
         </dgm:presLayoutVars>
       </dgm:prSet>
       <dgm:spPr/>
+      <dgm:t>
+        <a:bodyPr/>
+        <a:lstStyle/>
+        <a:p>
+          <a:endParaRPr lang="en-US"/>
+        </a:p>
+      </dgm:t>
     </dgm:pt>
     <dgm:pt modelId="{F679C986-30E4-4F0A-A3A6-CAE528BFED76}" type="pres">
       <dgm:prSet presAssocID="{BFCE4A28-C381-46FF-935A-B11534EF7D87}" presName="sibTrans" presStyleCnt="0"/>
@@ -1281,9 +1331,27 @@
       <dgm:spPr>
         <a:blipFill>
           <a:blip xmlns:r="http://schemas.openxmlformats.org/officeDocument/2006/relationships" r:embed="rId5">
+            <a:duotone>
+              <a:schemeClr val="accent4">
+                <a:hueOff val="0"/>
+                <a:satOff val="0"/>
+                <a:lumOff val="0"/>
+                <a:alphaOff val="0"/>
+                <a:shade val="20000"/>
+                <a:satMod val="200000"/>
+              </a:schemeClr>
+              <a:schemeClr val="accent4">
+                <a:hueOff val="0"/>
+                <a:satOff val="0"/>
+                <a:lumOff val="0"/>
+                <a:alphaOff val="0"/>
+                <a:tint val="12000"/>
+                <a:satMod val="190000"/>
+              </a:schemeClr>
+            </a:duotone>
             <a:extLst>
               <a:ext uri="{96DAC541-7B7A-43D3-8B79-37D633B846F1}">
-                <asvg:svgBlip xmlns:asvg="http://schemas.microsoft.com/office/drawing/2016/SVG/main" r:embed="rId6"/>
+                <asvg:svgBlip xmlns:asvg="http://schemas.microsoft.com/office/drawing/2016/SVG/main" xmlns="" r:embed="rId6"/>
               </a:ext>
             </a:extLst>
           </a:blip>
@@ -1307,16 +1375,23 @@
         </dgm:presLayoutVars>
       </dgm:prSet>
       <dgm:spPr/>
+      <dgm:t>
+        <a:bodyPr/>
+        <a:lstStyle/>
+        <a:p>
+          <a:endParaRPr lang="en-US"/>
+        </a:p>
+      </dgm:t>
     </dgm:pt>
   </dgm:ptLst>
   <dgm:cxnLst>
+    <dgm:cxn modelId="{7F0DAB6F-9257-4F2D-B31A-3418F73F6952}" srcId="{7D9C16A6-8C48-4165-8DAF-8C957C12A8FA}" destId="{91A66877-AC1C-46D9-BF2C-6024B638DEA9}" srcOrd="1" destOrd="0" parTransId="{913FED05-DF41-48A7-B1F8-81937A468EF9}" sibTransId="{BFCE4A28-C381-46FF-935A-B11534EF7D87}"/>
+    <dgm:cxn modelId="{05A920DF-F275-442A-AE4E-321A812BD608}" type="presOf" srcId="{7D9C16A6-8C48-4165-8DAF-8C957C12A8FA}" destId="{8994D886-A75F-411A-A9D7-D31991FF12BD}" srcOrd="0" destOrd="0" presId="urn:microsoft.com/office/officeart/2018/2/layout/IconLabelList"/>
+    <dgm:cxn modelId="{C4BA385D-31ED-40EF-A5D6-98DFBA64E71A}" srcId="{7D9C16A6-8C48-4165-8DAF-8C957C12A8FA}" destId="{701D68F5-42F8-47BC-8FED-84C50F595DF0}" srcOrd="0" destOrd="0" parTransId="{9617668C-C38C-4017-8DDF-37855B15D110}" sibTransId="{0C95B389-AC0C-4055-9AA3-38815EFC8B0A}"/>
     <dgm:cxn modelId="{51C9C716-0C8A-4862-A43F-A9047F6A6ECE}" type="presOf" srcId="{701D68F5-42F8-47BC-8FED-84C50F595DF0}" destId="{A99B5DD6-89E9-4537-B415-4205CEB9323A}" srcOrd="0" destOrd="0" presId="urn:microsoft.com/office/officeart/2018/2/layout/IconLabelList"/>
-    <dgm:cxn modelId="{C4BA385D-31ED-40EF-A5D6-98DFBA64E71A}" srcId="{7D9C16A6-8C48-4165-8DAF-8C957C12A8FA}" destId="{701D68F5-42F8-47BC-8FED-84C50F595DF0}" srcOrd="0" destOrd="0" parTransId="{9617668C-C38C-4017-8DDF-37855B15D110}" sibTransId="{0C95B389-AC0C-4055-9AA3-38815EFC8B0A}"/>
+    <dgm:cxn modelId="{634ABEFF-3AC1-45CD-BF32-24D2F6D73D7C}" type="presOf" srcId="{76CC3289-2662-43F0-A3C6-BA04A135F08C}" destId="{133097FC-B1F8-4953-B0AB-E8E73D968D1C}" srcOrd="0" destOrd="0" presId="urn:microsoft.com/office/officeart/2018/2/layout/IconLabelList"/>
     <dgm:cxn modelId="{0400886E-8A1A-44C2-95A7-DB0EF4911494}" srcId="{7D9C16A6-8C48-4165-8DAF-8C957C12A8FA}" destId="{76CC3289-2662-43F0-A3C6-BA04A135F08C}" srcOrd="2" destOrd="0" parTransId="{D46DB4DA-1442-4ECE-89FE-BBB1E3489E3D}" sibTransId="{FA28C9D6-476E-43CD-BA23-D6D990FD78D0}"/>
-    <dgm:cxn modelId="{7F0DAB6F-9257-4F2D-B31A-3418F73F6952}" srcId="{7D9C16A6-8C48-4165-8DAF-8C957C12A8FA}" destId="{91A66877-AC1C-46D9-BF2C-6024B638DEA9}" srcOrd="1" destOrd="0" parTransId="{913FED05-DF41-48A7-B1F8-81937A468EF9}" sibTransId="{BFCE4A28-C381-46FF-935A-B11534EF7D87}"/>
     <dgm:cxn modelId="{639634AD-5727-49C2-9E58-EB6075215446}" type="presOf" srcId="{91A66877-AC1C-46D9-BF2C-6024B638DEA9}" destId="{55120873-6F5C-4053-8EAD-6287A7F1097E}" srcOrd="0" destOrd="0" presId="urn:microsoft.com/office/officeart/2018/2/layout/IconLabelList"/>
-    <dgm:cxn modelId="{05A920DF-F275-442A-AE4E-321A812BD608}" type="presOf" srcId="{7D9C16A6-8C48-4165-8DAF-8C957C12A8FA}" destId="{8994D886-A75F-411A-A9D7-D31991FF12BD}" srcOrd="0" destOrd="0" presId="urn:microsoft.com/office/officeart/2018/2/layout/IconLabelList"/>
-    <dgm:cxn modelId="{634ABEFF-3AC1-45CD-BF32-24D2F6D73D7C}" type="presOf" srcId="{76CC3289-2662-43F0-A3C6-BA04A135F08C}" destId="{133097FC-B1F8-4953-B0AB-E8E73D968D1C}" srcOrd="0" destOrd="0" presId="urn:microsoft.com/office/officeart/2018/2/layout/IconLabelList"/>
     <dgm:cxn modelId="{CF59BB9E-C8FC-4C34-8006-3277F29FB6DE}" type="presParOf" srcId="{8994D886-A75F-411A-A9D7-D31991FF12BD}" destId="{E1DBA6D5-BD14-4CD2-A0CC-80F867FEFA81}" srcOrd="0" destOrd="0" presId="urn:microsoft.com/office/officeart/2018/2/layout/IconLabelList"/>
     <dgm:cxn modelId="{866C03AD-DD5B-4277-8831-0C127DF86F35}" type="presParOf" srcId="{E1DBA6D5-BD14-4CD2-A0CC-80F867FEFA81}" destId="{19A8DC21-3E65-409D-AD53-DA51BB9198A0}" srcOrd="0" destOrd="0" presId="urn:microsoft.com/office/officeart/2018/2/layout/IconLabelList"/>
     <dgm:cxn modelId="{128FBF1B-109A-47F9-B440-D03F4626A9BA}" type="presParOf" srcId="{E1DBA6D5-BD14-4CD2-A0CC-80F867FEFA81}" destId="{B9F90A48-FF94-4C94-A587-0190406F6FD3}" srcOrd="1" destOrd="0" presId="urn:microsoft.com/office/officeart/2018/2/layout/IconLabelList"/>
@@ -1368,9 +1443,27 @@
         </a:prstGeom>
         <a:blipFill>
           <a:blip xmlns:r="http://schemas.openxmlformats.org/officeDocument/2006/relationships" r:embed="rId1">
+            <a:duotone>
+              <a:schemeClr val="accent2">
+                <a:hueOff val="0"/>
+                <a:satOff val="0"/>
+                <a:lumOff val="0"/>
+                <a:alphaOff val="0"/>
+                <a:shade val="20000"/>
+                <a:satMod val="200000"/>
+              </a:schemeClr>
+              <a:schemeClr val="accent2">
+                <a:hueOff val="0"/>
+                <a:satOff val="0"/>
+                <a:lumOff val="0"/>
+                <a:alphaOff val="0"/>
+                <a:tint val="12000"/>
+                <a:satMod val="190000"/>
+              </a:schemeClr>
+            </a:duotone>
             <a:extLst>
               <a:ext uri="{96DAC541-7B7A-43D3-8B79-37D633B846F1}">
-                <asvg:svgBlip xmlns:asvg="http://schemas.microsoft.com/office/drawing/2016/SVG/main" r:embed="rId2"/>
+                <asvg:svgBlip xmlns:asvg="http://schemas.microsoft.com/office/drawing/2016/SVG/main" xmlns="" r:embed="rId2"/>
               </a:ext>
             </a:extLst>
           </a:blip>
@@ -1442,7 +1535,7 @@
         </a:bodyPr>
         <a:lstStyle/>
         <a:p>
-          <a:pPr marL="0" lvl="0" indent="0" algn="ctr" defTabSz="1377950">
+          <a:pPr lvl="0" algn="ctr" defTabSz="1377950">
             <a:lnSpc>
               <a:spcPct val="100000"/>
             </a:lnSpc>
@@ -1452,7 +1545,6 @@
             <a:spcAft>
               <a:spcPct val="35000"/>
             </a:spcAft>
-            <a:buNone/>
           </a:pPr>
           <a:r>
             <a:rPr lang="en-ZA" sz="3100" kern="1200" dirty="0"/>
@@ -1481,9 +1573,27 @@
         </a:prstGeom>
         <a:blipFill>
           <a:blip xmlns:r="http://schemas.openxmlformats.org/officeDocument/2006/relationships" r:embed="rId3">
+            <a:duotone>
+              <a:schemeClr val="accent3">
+                <a:hueOff val="0"/>
+                <a:satOff val="0"/>
+                <a:lumOff val="0"/>
+                <a:alphaOff val="0"/>
+                <a:shade val="20000"/>
+                <a:satMod val="200000"/>
+              </a:schemeClr>
+              <a:schemeClr val="accent3">
+                <a:hueOff val="0"/>
+                <a:satOff val="0"/>
+                <a:lumOff val="0"/>
+                <a:alphaOff val="0"/>
+                <a:tint val="12000"/>
+                <a:satMod val="190000"/>
+              </a:schemeClr>
+            </a:duotone>
             <a:extLst>
               <a:ext uri="{96DAC541-7B7A-43D3-8B79-37D633B846F1}">
-                <asvg:svgBlip xmlns:asvg="http://schemas.microsoft.com/office/drawing/2016/SVG/main" r:embed="rId4"/>
+                <asvg:svgBlip xmlns:asvg="http://schemas.microsoft.com/office/drawing/2016/SVG/main" xmlns="" r:embed="rId4"/>
               </a:ext>
             </a:extLst>
           </a:blip>
@@ -1555,7 +1665,7 @@
         </a:bodyPr>
         <a:lstStyle/>
         <a:p>
-          <a:pPr marL="0" lvl="0" indent="0" algn="ctr" defTabSz="1377950">
+          <a:pPr lvl="0" algn="ctr" defTabSz="1377950">
             <a:lnSpc>
               <a:spcPct val="100000"/>
             </a:lnSpc>
@@ -1565,7 +1675,6 @@
             <a:spcAft>
               <a:spcPct val="35000"/>
             </a:spcAft>
-            <a:buNone/>
           </a:pPr>
           <a:r>
             <a:rPr lang="en-US" sz="3100" kern="1200" dirty="0"/>
@@ -1593,9 +1702,27 @@
         </a:prstGeom>
         <a:blipFill>
           <a:blip xmlns:r="http://schemas.openxmlformats.org/officeDocument/2006/relationships" r:embed="rId5">
+            <a:duotone>
+              <a:schemeClr val="accent4">
+                <a:hueOff val="0"/>
+                <a:satOff val="0"/>
+                <a:lumOff val="0"/>
+                <a:alphaOff val="0"/>
+                <a:shade val="20000"/>
+                <a:satMod val="200000"/>
+              </a:schemeClr>
+              <a:schemeClr val="accent4">
+                <a:hueOff val="0"/>
+                <a:satOff val="0"/>
+                <a:lumOff val="0"/>
+                <a:alphaOff val="0"/>
+                <a:tint val="12000"/>
+                <a:satMod val="190000"/>
+              </a:schemeClr>
+            </a:duotone>
             <a:extLst>
               <a:ext uri="{96DAC541-7B7A-43D3-8B79-37D633B846F1}">
-                <asvg:svgBlip xmlns:asvg="http://schemas.microsoft.com/office/drawing/2016/SVG/main" r:embed="rId6"/>
+                <asvg:svgBlip xmlns:asvg="http://schemas.microsoft.com/office/drawing/2016/SVG/main" xmlns="" r:embed="rId6"/>
               </a:ext>
             </a:extLst>
           </a:blip>
@@ -1667,7 +1794,7 @@
         </a:bodyPr>
         <a:lstStyle/>
         <a:p>
-          <a:pPr marL="0" lvl="0" indent="0" algn="ctr" defTabSz="1377950">
+          <a:pPr lvl="0" algn="ctr" defTabSz="1377950">
             <a:lnSpc>
               <a:spcPct val="100000"/>
             </a:lnSpc>
@@ -1677,7 +1804,6 @@
             <a:spcAft>
               <a:spcPct val="35000"/>
             </a:spcAft>
-            <a:buNone/>
           </a:pPr>
           <a:r>
             <a:rPr lang="en-US" sz="3100" kern="1200" dirty="0" err="1"/>
@@ -1876,7 +2002,7 @@
   </dgm:layoutNode>
   <dgm:extLst>
     <a:ext uri="{68A01E43-0DF5-4B5B-8FA6-DAF915123BFB}">
-      <dgm1612:lstStyle xmlns:dgm1612="http://schemas.microsoft.com/office/drawing/2016/12/diagram">
+      <dgm1612:lstStyle xmlns:dgm1612="http://schemas.microsoft.com/office/drawing/2016/12/diagram" xmlns="">
         <a:lvl1pPr>
           <a:lnSpc>
             <a:spcPct val="100000"/>
@@ -3004,7 +3130,7 @@
           <a:p>
             <a:fld id="{32B623FB-F82A-4510-A170-0D5E7C854AA3}" type="datetimeFigureOut">
               <a:rPr lang="en-CA" smtClean="0"/>
-              <a:t>2019-04-10</a:t>
+              <a:t>2019-04-11</a:t>
             </a:fld>
             <a:endParaRPr lang="en-CA"/>
           </a:p>
@@ -4038,7 +4164,7 @@
             <a:fld id="{B61BEF0D-F0BB-DE4B-95CE-6DB70DBA9567}" type="datetimeFigureOut">
               <a:rPr lang="en-US" smtClean="0"/>
               <a:pPr/>
-              <a:t>4/10/2019</a:t>
+              <a:t>4/11/2019</a:t>
             </a:fld>
             <a:endParaRPr lang="en-US" dirty="0"/>
           </a:p>
@@ -4302,7 +4428,7 @@
             <a:fld id="{B61BEF0D-F0BB-DE4B-95CE-6DB70DBA9567}" type="datetimeFigureOut">
               <a:rPr lang="en-US" smtClean="0"/>
               <a:pPr/>
-              <a:t>4/10/2019</a:t>
+              <a:t>4/11/2019</a:t>
             </a:fld>
             <a:endParaRPr lang="en-US" dirty="0"/>
           </a:p>
@@ -4539,7 +4665,7 @@
             <a:fld id="{B61BEF0D-F0BB-DE4B-95CE-6DB70DBA9567}" type="datetimeFigureOut">
               <a:rPr lang="en-US" smtClean="0"/>
               <a:pPr/>
-              <a:t>4/10/2019</a:t>
+              <a:t>4/11/2019</a:t>
             </a:fld>
             <a:endParaRPr lang="en-US" dirty="0"/>
           </a:p>
@@ -4781,7 +4907,7 @@
             <a:fld id="{B61BEF0D-F0BB-DE4B-95CE-6DB70DBA9567}" type="datetimeFigureOut">
               <a:rPr lang="en-US" smtClean="0"/>
               <a:pPr/>
-              <a:t>4/10/2019</a:t>
+              <a:t>4/11/2019</a:t>
             </a:fld>
             <a:endParaRPr lang="en-US" dirty="0"/>
           </a:p>
@@ -5090,7 +5216,7 @@
             <a:fld id="{B61BEF0D-F0BB-DE4B-95CE-6DB70DBA9567}" type="datetimeFigureOut">
               <a:rPr lang="en-US" smtClean="0"/>
               <a:pPr/>
-              <a:t>4/10/2019</a:t>
+              <a:t>4/11/2019</a:t>
             </a:fld>
             <a:endParaRPr lang="en-US" dirty="0"/>
           </a:p>
@@ -5394,7 +5520,7 @@
             <a:fld id="{B61BEF0D-F0BB-DE4B-95CE-6DB70DBA9567}" type="datetimeFigureOut">
               <a:rPr lang="en-US" smtClean="0"/>
               <a:pPr/>
-              <a:t>4/10/2019</a:t>
+              <a:t>4/11/2019</a:t>
             </a:fld>
             <a:endParaRPr lang="en-US" dirty="0"/>
           </a:p>
@@ -5818,7 +5944,7 @@
             <a:fld id="{B61BEF0D-F0BB-DE4B-95CE-6DB70DBA9567}" type="datetimeFigureOut">
               <a:rPr lang="en-US" smtClean="0"/>
               <a:pPr/>
-              <a:t>4/10/2019</a:t>
+              <a:t>4/11/2019</a:t>
             </a:fld>
             <a:endParaRPr lang="en-US" dirty="0"/>
           </a:p>
@@ -5915,7 +6041,7 @@
             <a:fld id="{B61BEF0D-F0BB-DE4B-95CE-6DB70DBA9567}" type="datetimeFigureOut">
               <a:rPr lang="en-US" smtClean="0"/>
               <a:pPr/>
-              <a:t>4/10/2019</a:t>
+              <a:t>4/11/2019</a:t>
             </a:fld>
             <a:endParaRPr lang="en-US" dirty="0"/>
           </a:p>
@@ -6079,7 +6205,7 @@
             <a:fld id="{B61BEF0D-F0BB-DE4B-95CE-6DB70DBA9567}" type="datetimeFigureOut">
               <a:rPr lang="en-US" smtClean="0"/>
               <a:pPr/>
-              <a:t>4/10/2019</a:t>
+              <a:t>4/11/2019</a:t>
             </a:fld>
             <a:endParaRPr lang="en-US" dirty="0"/>
           </a:p>
@@ -6459,7 +6585,7 @@
             <a:fld id="{B61BEF0D-F0BB-DE4B-95CE-6DB70DBA9567}" type="datetimeFigureOut">
               <a:rPr lang="en-US" smtClean="0"/>
               <a:pPr/>
-              <a:t>4/10/2019</a:t>
+              <a:t>4/11/2019</a:t>
             </a:fld>
             <a:endParaRPr lang="en-US" dirty="0"/>
           </a:p>
@@ -6750,7 +6876,7 @@
             <a:fld id="{B61BEF0D-F0BB-DE4B-95CE-6DB70DBA9567}" type="datetimeFigureOut">
               <a:rPr lang="en-US" smtClean="0"/>
               <a:pPr/>
-              <a:t>4/10/2019</a:t>
+              <a:t>4/11/2019</a:t>
             </a:fld>
             <a:endParaRPr lang="en-US" dirty="0"/>
           </a:p>
@@ -6963,7 +7089,7 @@
             <a:fld id="{B61BEF0D-F0BB-DE4B-95CE-6DB70DBA9567}" type="datetimeFigureOut">
               <a:rPr lang="en-US" smtClean="0"/>
               <a:pPr/>
-              <a:t>4/10/2019</a:t>
+              <a:t>4/11/2019</a:t>
             </a:fld>
             <a:endParaRPr lang="en-US" dirty="0"/>
           </a:p>
@@ -7688,6 +7814,13 @@
   <p:clrMapOvr>
     <a:masterClrMapping/>
   </p:clrMapOvr>
+  <p:timing>
+    <p:tnLst>
+      <p:par>
+        <p:cTn id="1" dur="indefinite" restart="never" nodeType="tmRoot"/>
+      </p:par>
+    </p:tnLst>
+  </p:timing>
 </p:sld>
 </file>
 
@@ -7879,6 +8012,13 @@
   <p:clrMapOvr>
     <a:masterClrMapping/>
   </p:clrMapOvr>
+  <p:timing>
+    <p:tnLst>
+      <p:par>
+        <p:cTn id="1" dur="indefinite" restart="never" nodeType="tmRoot"/>
+      </p:par>
+    </p:tnLst>
+  </p:timing>
 </p:sld>
 </file>
 
@@ -8121,6 +8261,13 @@
   <p:clrMapOvr>
     <a:masterClrMapping/>
   </p:clrMapOvr>
+  <p:timing>
+    <p:tnLst>
+      <p:par>
+        <p:cTn id="1" dur="indefinite" restart="never" nodeType="tmRoot"/>
+      </p:par>
+    </p:tnLst>
+  </p:timing>
 </p:sld>
 </file>
 
@@ -9506,6 +9653,13 @@
   <p:clrMapOvr>
     <a:masterClrMapping/>
   </p:clrMapOvr>
+  <p:timing>
+    <p:tnLst>
+      <p:par>
+        <p:cTn id="1" dur="indefinite" restart="never" nodeType="tmRoot"/>
+      </p:par>
+    </p:tnLst>
+  </p:timing>
 </p:sld>
 </file>
 
@@ -9542,7 +9696,7 @@
                 <a16:creationId xmlns:a16="http://schemas.microsoft.com/office/drawing/2014/main" id="{493D4EDA-58E0-40CC-B3CA-14CDEB349D24}"/>
               </a:ext>
               <a:ext uri="{C183D7F6-B498-43B3-948B-1728B52AA6E4}">
-                <adec:decorative xmlns:adec="http://schemas.microsoft.com/office/drawing/2017/decorative" val="1"/>
+                <adec:decorative xmlns:adec="http://schemas.microsoft.com/office/drawing/2017/decorative" xmlns="" val="1"/>
               </a:ext>
             </a:extLst>
           </p:cNvPr>
@@ -9637,7 +9791,7 @@
                 <a16:creationId xmlns:a16="http://schemas.microsoft.com/office/drawing/2014/main" id="{AA9EB0BC-A85E-4C26-B355-5DFCEF6CCB49}"/>
               </a:ext>
               <a:ext uri="{C183D7F6-B498-43B3-948B-1728B52AA6E4}">
-                <adec:decorative xmlns:adec="http://schemas.microsoft.com/office/drawing/2017/decorative" val="1"/>
+                <adec:decorative xmlns:adec="http://schemas.microsoft.com/office/drawing/2017/decorative" xmlns="" val="1"/>
               </a:ext>
             </a:extLst>
           </p:cNvPr>
@@ -9668,7 +9822,7 @@
                   <a16:creationId xmlns:a16="http://schemas.microsoft.com/office/drawing/2014/main" id="{3643E56B-BD42-413D-B17D-7958270F5DE4}"/>
                 </a:ext>
                 <a:ext uri="{C183D7F6-B498-43B3-948B-1728B52AA6E4}">
-                  <adec:decorative xmlns:adec="http://schemas.microsoft.com/office/drawing/2017/decorative" val="1"/>
+                  <adec:decorative xmlns:adec="http://schemas.microsoft.com/office/drawing/2017/decorative" xmlns="" val="1"/>
                 </a:ext>
               </a:extLst>
             </p:cNvPr>
@@ -9720,7 +9874,7 @@
                   <a16:creationId xmlns:a16="http://schemas.microsoft.com/office/drawing/2014/main" id="{96C04F74-9467-4FA5-95DC-8D481A29740E}"/>
                 </a:ext>
                 <a:ext uri="{C183D7F6-B498-43B3-948B-1728B52AA6E4}">
-                  <adec:decorative xmlns:adec="http://schemas.microsoft.com/office/drawing/2017/decorative" val="1"/>
+                  <adec:decorative xmlns:adec="http://schemas.microsoft.com/office/drawing/2017/decorative" xmlns="" val="1"/>
                 </a:ext>
               </a:extLst>
             </p:cNvPr>
@@ -9772,7 +9926,7 @@
                   <a16:creationId xmlns:a16="http://schemas.microsoft.com/office/drawing/2014/main" id="{D73DE1C3-5C37-42E9-A3F0-256F1938327C}"/>
                 </a:ext>
                 <a:ext uri="{C183D7F6-B498-43B3-948B-1728B52AA6E4}">
-                  <adec:decorative xmlns:adec="http://schemas.microsoft.com/office/drawing/2017/decorative" val="1"/>
+                  <adec:decorative xmlns:adec="http://schemas.microsoft.com/office/drawing/2017/decorative" xmlns="" val="1"/>
                 </a:ext>
               </a:extLst>
             </p:cNvPr>
@@ -9825,7 +9979,7 @@
                 <a16:creationId xmlns:a16="http://schemas.microsoft.com/office/drawing/2014/main" id="{4A2E7EC3-E07C-46CE-9B25-41865A50681C}"/>
               </a:ext>
               <a:ext uri="{C183D7F6-B498-43B3-948B-1728B52AA6E4}">
-                <adec:decorative xmlns:adec="http://schemas.microsoft.com/office/drawing/2017/decorative" val="1"/>
+                <adec:decorative xmlns:adec="http://schemas.microsoft.com/office/drawing/2017/decorative" xmlns="" val="1"/>
               </a:ext>
             </a:extLst>
           </p:cNvPr>
@@ -9951,6 +10105,28 @@
           </a:p>
         </p:txBody>
       </p:sp>
+      <p:pic>
+        <p:nvPicPr>
+          <p:cNvPr id="11" name="Picture 10"/>
+          <p:cNvPicPr/>
+          <p:nvPr/>
+        </p:nvPicPr>
+        <p:blipFill>
+          <a:blip r:embed="rId4"/>
+          <a:stretch>
+            <a:fillRect/>
+          </a:stretch>
+        </p:blipFill>
+        <p:spPr>
+          <a:xfrm>
+            <a:off x="1963782" y="661155"/>
+            <a:ext cx="8259415" cy="3694945"/>
+          </a:xfrm>
+          <a:prstGeom prst="rect">
+            <a:avLst/>
+          </a:prstGeom>
+        </p:spPr>
+      </p:pic>
     </p:spTree>
     <p:extLst>
       <p:ext uri="{BB962C8B-B14F-4D97-AF65-F5344CB8AC3E}">
@@ -9961,6 +10137,13 @@
   <p:clrMapOvr>
     <a:masterClrMapping/>
   </p:clrMapOvr>
+  <p:timing>
+    <p:tnLst>
+      <p:par>
+        <p:cTn id="1" dur="indefinite" restart="never" nodeType="tmRoot"/>
+      </p:par>
+    </p:tnLst>
+  </p:timing>
 </p:sld>
 </file>
 
@@ -9997,7 +10180,7 @@
                 <a16:creationId xmlns:a16="http://schemas.microsoft.com/office/drawing/2014/main" id="{379F11E2-8BA5-4C5C-AE7C-361E5EA011FF}"/>
               </a:ext>
               <a:ext uri="{C183D7F6-B498-43B3-948B-1728B52AA6E4}">
-                <adec:decorative xmlns:adec="http://schemas.microsoft.com/office/drawing/2017/decorative" val="1"/>
+                <adec:decorative xmlns:adec="http://schemas.microsoft.com/office/drawing/2017/decorative" xmlns="" val="1"/>
               </a:ext>
             </a:extLst>
           </p:cNvPr>
@@ -10092,7 +10275,7 @@
                 <a16:creationId xmlns:a16="http://schemas.microsoft.com/office/drawing/2014/main" id="{7C00E1DA-EC7C-40FC-95E3-11FDCD2E4291}"/>
               </a:ext>
               <a:ext uri="{C183D7F6-B498-43B3-948B-1728B52AA6E4}">
-                <adec:decorative xmlns:adec="http://schemas.microsoft.com/office/drawing/2017/decorative" val="1"/>
+                <adec:decorative xmlns:adec="http://schemas.microsoft.com/office/drawing/2017/decorative" xmlns="" val="1"/>
               </a:ext>
             </a:extLst>
           </p:cNvPr>
@@ -10235,7 +10418,7 @@
                 <a16:creationId xmlns:a16="http://schemas.microsoft.com/office/drawing/2014/main" id="{9A421166-2996-41A7-B094-AE5316F347DD}"/>
               </a:ext>
               <a:ext uri="{C183D7F6-B498-43B3-948B-1728B52AA6E4}">
-                <adec:decorative xmlns:adec="http://schemas.microsoft.com/office/drawing/2017/decorative" val="1"/>
+                <adec:decorative xmlns:adec="http://schemas.microsoft.com/office/drawing/2017/decorative" xmlns="" val="1"/>
               </a:ext>
             </a:extLst>
           </p:cNvPr>
@@ -10266,7 +10449,7 @@
                   <a16:creationId xmlns:a16="http://schemas.microsoft.com/office/drawing/2014/main" id="{FDBB1B92-A3EB-43E4-8FAB-D20E8ED14CEF}"/>
                 </a:ext>
                 <a:ext uri="{C183D7F6-B498-43B3-948B-1728B52AA6E4}">
-                  <adec:decorative xmlns:adec="http://schemas.microsoft.com/office/drawing/2017/decorative" val="1"/>
+                  <adec:decorative xmlns:adec="http://schemas.microsoft.com/office/drawing/2017/decorative" xmlns="" val="1"/>
                 </a:ext>
               </a:extLst>
             </p:cNvPr>
@@ -10318,7 +10501,7 @@
                   <a16:creationId xmlns:a16="http://schemas.microsoft.com/office/drawing/2014/main" id="{3F3972F4-FE7E-48EA-AAD8-9BE5750A6672}"/>
                 </a:ext>
                 <a:ext uri="{C183D7F6-B498-43B3-948B-1728B52AA6E4}">
-                  <adec:decorative xmlns:adec="http://schemas.microsoft.com/office/drawing/2017/decorative" val="1"/>
+                  <adec:decorative xmlns:adec="http://schemas.microsoft.com/office/drawing/2017/decorative" xmlns="" val="1"/>
                 </a:ext>
               </a:extLst>
             </p:cNvPr>
@@ -10370,7 +10553,7 @@
                   <a16:creationId xmlns:a16="http://schemas.microsoft.com/office/drawing/2014/main" id="{221614E5-870B-4D5E-A43B-8FF7E5323484}"/>
                 </a:ext>
                 <a:ext uri="{C183D7F6-B498-43B3-948B-1728B52AA6E4}">
-                  <adec:decorative xmlns:adec="http://schemas.microsoft.com/office/drawing/2017/decorative" val="1"/>
+                  <adec:decorative xmlns:adec="http://schemas.microsoft.com/office/drawing/2017/decorative" xmlns="" val="1"/>
                 </a:ext>
               </a:extLst>
             </p:cNvPr>
@@ -10993,11 +11176,12 @@
 </file>
 
 <file path=customXml/item1.xml><?xml version="1.0" encoding="utf-8"?>
-<p:properties xmlns:p="http://schemas.microsoft.com/office/2006/metadata/properties" xmlns:xsi="http://www.w3.org/2001/XMLSchema-instance" xmlns:pc="http://schemas.microsoft.com/office/infopath/2007/PartnerControls">
-  <documentManagement>
-    <MediaServiceKeyPoints xmlns="71af3243-3dd4-4a8d-8c0d-dd76da1f02a5" xsi:nil="true"/>
-  </documentManagement>
-</p:properties>
+<?mso-contentType ?>
+<FormTemplates xmlns="http://schemas.microsoft.com/sharepoint/v3/contenttype/forms">
+  <Display>DocumentLibraryForm</Display>
+  <Edit>DocumentLibraryForm</Edit>
+  <New>DocumentLibraryForm</New>
+</FormTemplates>
 </file>
 
 <file path=customXml/item2.xml><?xml version="1.0" encoding="utf-8"?>
@@ -11212,20 +11396,17 @@
 </file>
 
 <file path=customXml/item3.xml><?xml version="1.0" encoding="utf-8"?>
-<?mso-contentType ?>
-<FormTemplates xmlns="http://schemas.microsoft.com/sharepoint/v3/contenttype/forms">
-  <Display>DocumentLibraryForm</Display>
-  <Edit>DocumentLibraryForm</Edit>
-  <New>DocumentLibraryForm</New>
-</FormTemplates>
+<p:properties xmlns:p="http://schemas.microsoft.com/office/2006/metadata/properties" xmlns:xsi="http://www.w3.org/2001/XMLSchema-instance" xmlns:pc="http://schemas.microsoft.com/office/infopath/2007/PartnerControls">
+  <documentManagement>
+    <MediaServiceKeyPoints xmlns="71af3243-3dd4-4a8d-8c0d-dd76da1f02a5" xsi:nil="true"/>
+  </documentManagement>
+</p:properties>
 </file>
 
 <file path=customXml/itemProps1.xml><?xml version="1.0" encoding="utf-8"?>
-<ds:datastoreItem xmlns:ds="http://schemas.openxmlformats.org/officeDocument/2006/customXml" ds:itemID="{1EBC12AA-1C15-4500-BC9C-8EE83A441DE9}">
+<ds:datastoreItem xmlns:ds="http://schemas.openxmlformats.org/officeDocument/2006/customXml" ds:itemID="{BA0CF3B2-1F0F-4FC5-8002-3E4869ABAD55}">
   <ds:schemaRefs>
-    <ds:schemaRef ds:uri="http://schemas.microsoft.com/office/2006/metadata/properties"/>
-    <ds:schemaRef ds:uri="http://schemas.microsoft.com/office/infopath/2007/PartnerControls"/>
-    <ds:schemaRef ds:uri="71af3243-3dd4-4a8d-8c0d-dd76da1f02a5"/>
+    <ds:schemaRef ds:uri="http://schemas.microsoft.com/sharepoint/v3/contenttype/forms"/>
   </ds:schemaRefs>
 </ds:datastoreItem>
 </file>
@@ -11250,9 +11431,11 @@
 </file>
 
 <file path=customXml/itemProps3.xml><?xml version="1.0" encoding="utf-8"?>
-<ds:datastoreItem xmlns:ds="http://schemas.openxmlformats.org/officeDocument/2006/customXml" ds:itemID="{BA0CF3B2-1F0F-4FC5-8002-3E4869ABAD55}">
+<ds:datastoreItem xmlns:ds="http://schemas.openxmlformats.org/officeDocument/2006/customXml" ds:itemID="{1EBC12AA-1C15-4500-BC9C-8EE83A441DE9}">
   <ds:schemaRefs>
-    <ds:schemaRef ds:uri="http://schemas.microsoft.com/sharepoint/v3/contenttype/forms"/>
+    <ds:schemaRef ds:uri="http://schemas.microsoft.com/office/2006/metadata/properties"/>
+    <ds:schemaRef ds:uri="http://schemas.microsoft.com/office/infopath/2007/PartnerControls"/>
+    <ds:schemaRef ds:uri="71af3243-3dd4-4a8d-8c0d-dd76da1f02a5"/>
   </ds:schemaRefs>
 </ds:datastoreItem>
 </file>
--- a/CapstonePowerPoint.pptx
+++ b/CapstonePowerPoint.pptx
@@ -5,7 +5,7 @@
     <p:sldMasterId id="2147483672" r:id="rId4"/>
   </p:sldMasterIdLst>
   <p:notesMasterIdLst>
-    <p:notesMasterId r:id="rId12"/>
+    <p:notesMasterId r:id="rId11"/>
   </p:notesMasterIdLst>
   <p:sldIdLst>
     <p:sldId id="262" r:id="rId5"/>
@@ -14,7 +14,6 @@
     <p:sldId id="258" r:id="rId8"/>
     <p:sldId id="264" r:id="rId9"/>
     <p:sldId id="256" r:id="rId10"/>
-    <p:sldId id="260" r:id="rId11"/>
   </p:sldIdLst>
   <p:sldSz cx="12192000" cy="6858000"/>
   <p:notesSz cx="6858000" cy="9144000"/>
@@ -1203,7 +1202,7 @@
           <a:blip xmlns:r="http://schemas.openxmlformats.org/officeDocument/2006/relationships" r:embed="rId1">
             <a:extLst>
               <a:ext uri="{96DAC541-7B7A-43D3-8B79-37D633B846F1}">
-                <asvg:svgBlip xmlns:asvg="http://schemas.microsoft.com/office/drawing/2016/SVG/main" r:embed="rId2"/>
+                <asvg:svgBlip xmlns="" xmlns:asvg="http://schemas.microsoft.com/office/drawing/2016/SVG/main" r:embed="rId2"/>
               </a:ext>
             </a:extLst>
           </a:blip>
@@ -1227,6 +1226,13 @@
         </dgm:presLayoutVars>
       </dgm:prSet>
       <dgm:spPr/>
+      <dgm:t>
+        <a:bodyPr/>
+        <a:lstStyle/>
+        <a:p>
+          <a:endParaRPr lang="en-US"/>
+        </a:p>
+      </dgm:t>
     </dgm:pt>
     <dgm:pt modelId="{8B391436-B9B0-45BD-A57F-792D6376D868}" type="pres">
       <dgm:prSet presAssocID="{0C95B389-AC0C-4055-9AA3-38815EFC8B0A}" presName="sibTrans" presStyleCnt="0"/>
@@ -1243,7 +1249,7 @@
           <a:blip xmlns:r="http://schemas.openxmlformats.org/officeDocument/2006/relationships" r:embed="rId3">
             <a:extLst>
               <a:ext uri="{96DAC541-7B7A-43D3-8B79-37D633B846F1}">
-                <asvg:svgBlip xmlns:asvg="http://schemas.microsoft.com/office/drawing/2016/SVG/main" r:embed="rId4"/>
+                <asvg:svgBlip xmlns="" xmlns:asvg="http://schemas.microsoft.com/office/drawing/2016/SVG/main" r:embed="rId4"/>
               </a:ext>
             </a:extLst>
           </a:blip>
@@ -1267,6 +1273,13 @@
         </dgm:presLayoutVars>
       </dgm:prSet>
       <dgm:spPr/>
+      <dgm:t>
+        <a:bodyPr/>
+        <a:lstStyle/>
+        <a:p>
+          <a:endParaRPr lang="en-US"/>
+        </a:p>
+      </dgm:t>
     </dgm:pt>
     <dgm:pt modelId="{F679C986-30E4-4F0A-A3A6-CAE528BFED76}" type="pres">
       <dgm:prSet presAssocID="{BFCE4A28-C381-46FF-935A-B11534EF7D87}" presName="sibTrans" presStyleCnt="0"/>
@@ -1283,7 +1296,7 @@
           <a:blip xmlns:r="http://schemas.openxmlformats.org/officeDocument/2006/relationships" r:embed="rId5">
             <a:extLst>
               <a:ext uri="{96DAC541-7B7A-43D3-8B79-37D633B846F1}">
-                <asvg:svgBlip xmlns:asvg="http://schemas.microsoft.com/office/drawing/2016/SVG/main" r:embed="rId6"/>
+                <asvg:svgBlip xmlns="" xmlns:asvg="http://schemas.microsoft.com/office/drawing/2016/SVG/main" r:embed="rId6"/>
               </a:ext>
             </a:extLst>
           </a:blip>
@@ -1307,16 +1320,23 @@
         </dgm:presLayoutVars>
       </dgm:prSet>
       <dgm:spPr/>
+      <dgm:t>
+        <a:bodyPr/>
+        <a:lstStyle/>
+        <a:p>
+          <a:endParaRPr lang="en-US"/>
+        </a:p>
+      </dgm:t>
     </dgm:pt>
   </dgm:ptLst>
   <dgm:cxnLst>
+    <dgm:cxn modelId="{7F0DAB6F-9257-4F2D-B31A-3418F73F6952}" srcId="{7D9C16A6-8C48-4165-8DAF-8C957C12A8FA}" destId="{91A66877-AC1C-46D9-BF2C-6024B638DEA9}" srcOrd="1" destOrd="0" parTransId="{913FED05-DF41-48A7-B1F8-81937A468EF9}" sibTransId="{BFCE4A28-C381-46FF-935A-B11534EF7D87}"/>
+    <dgm:cxn modelId="{05A920DF-F275-442A-AE4E-321A812BD608}" type="presOf" srcId="{7D9C16A6-8C48-4165-8DAF-8C957C12A8FA}" destId="{8994D886-A75F-411A-A9D7-D31991FF12BD}" srcOrd="0" destOrd="0" presId="urn:microsoft.com/office/officeart/2018/2/layout/IconLabelList"/>
+    <dgm:cxn modelId="{C4BA385D-31ED-40EF-A5D6-98DFBA64E71A}" srcId="{7D9C16A6-8C48-4165-8DAF-8C957C12A8FA}" destId="{701D68F5-42F8-47BC-8FED-84C50F595DF0}" srcOrd="0" destOrd="0" parTransId="{9617668C-C38C-4017-8DDF-37855B15D110}" sibTransId="{0C95B389-AC0C-4055-9AA3-38815EFC8B0A}"/>
     <dgm:cxn modelId="{51C9C716-0C8A-4862-A43F-A9047F6A6ECE}" type="presOf" srcId="{701D68F5-42F8-47BC-8FED-84C50F595DF0}" destId="{A99B5DD6-89E9-4537-B415-4205CEB9323A}" srcOrd="0" destOrd="0" presId="urn:microsoft.com/office/officeart/2018/2/layout/IconLabelList"/>
-    <dgm:cxn modelId="{C4BA385D-31ED-40EF-A5D6-98DFBA64E71A}" srcId="{7D9C16A6-8C48-4165-8DAF-8C957C12A8FA}" destId="{701D68F5-42F8-47BC-8FED-84C50F595DF0}" srcOrd="0" destOrd="0" parTransId="{9617668C-C38C-4017-8DDF-37855B15D110}" sibTransId="{0C95B389-AC0C-4055-9AA3-38815EFC8B0A}"/>
+    <dgm:cxn modelId="{634ABEFF-3AC1-45CD-BF32-24D2F6D73D7C}" type="presOf" srcId="{76CC3289-2662-43F0-A3C6-BA04A135F08C}" destId="{133097FC-B1F8-4953-B0AB-E8E73D968D1C}" srcOrd="0" destOrd="0" presId="urn:microsoft.com/office/officeart/2018/2/layout/IconLabelList"/>
     <dgm:cxn modelId="{0400886E-8A1A-44C2-95A7-DB0EF4911494}" srcId="{7D9C16A6-8C48-4165-8DAF-8C957C12A8FA}" destId="{76CC3289-2662-43F0-A3C6-BA04A135F08C}" srcOrd="2" destOrd="0" parTransId="{D46DB4DA-1442-4ECE-89FE-BBB1E3489E3D}" sibTransId="{FA28C9D6-476E-43CD-BA23-D6D990FD78D0}"/>
-    <dgm:cxn modelId="{7F0DAB6F-9257-4F2D-B31A-3418F73F6952}" srcId="{7D9C16A6-8C48-4165-8DAF-8C957C12A8FA}" destId="{91A66877-AC1C-46D9-BF2C-6024B638DEA9}" srcOrd="1" destOrd="0" parTransId="{913FED05-DF41-48A7-B1F8-81937A468EF9}" sibTransId="{BFCE4A28-C381-46FF-935A-B11534EF7D87}"/>
     <dgm:cxn modelId="{639634AD-5727-49C2-9E58-EB6075215446}" type="presOf" srcId="{91A66877-AC1C-46D9-BF2C-6024B638DEA9}" destId="{55120873-6F5C-4053-8EAD-6287A7F1097E}" srcOrd="0" destOrd="0" presId="urn:microsoft.com/office/officeart/2018/2/layout/IconLabelList"/>
-    <dgm:cxn modelId="{05A920DF-F275-442A-AE4E-321A812BD608}" type="presOf" srcId="{7D9C16A6-8C48-4165-8DAF-8C957C12A8FA}" destId="{8994D886-A75F-411A-A9D7-D31991FF12BD}" srcOrd="0" destOrd="0" presId="urn:microsoft.com/office/officeart/2018/2/layout/IconLabelList"/>
-    <dgm:cxn modelId="{634ABEFF-3AC1-45CD-BF32-24D2F6D73D7C}" type="presOf" srcId="{76CC3289-2662-43F0-A3C6-BA04A135F08C}" destId="{133097FC-B1F8-4953-B0AB-E8E73D968D1C}" srcOrd="0" destOrd="0" presId="urn:microsoft.com/office/officeart/2018/2/layout/IconLabelList"/>
     <dgm:cxn modelId="{CF59BB9E-C8FC-4C34-8006-3277F29FB6DE}" type="presParOf" srcId="{8994D886-A75F-411A-A9D7-D31991FF12BD}" destId="{E1DBA6D5-BD14-4CD2-A0CC-80F867FEFA81}" srcOrd="0" destOrd="0" presId="urn:microsoft.com/office/officeart/2018/2/layout/IconLabelList"/>
     <dgm:cxn modelId="{866C03AD-DD5B-4277-8831-0C127DF86F35}" type="presParOf" srcId="{E1DBA6D5-BD14-4CD2-A0CC-80F867FEFA81}" destId="{19A8DC21-3E65-409D-AD53-DA51BB9198A0}" srcOrd="0" destOrd="0" presId="urn:microsoft.com/office/officeart/2018/2/layout/IconLabelList"/>
     <dgm:cxn modelId="{128FBF1B-109A-47F9-B440-D03F4626A9BA}" type="presParOf" srcId="{E1DBA6D5-BD14-4CD2-A0CC-80F867FEFA81}" destId="{B9F90A48-FF94-4C94-A587-0190406F6FD3}" srcOrd="1" destOrd="0" presId="urn:microsoft.com/office/officeart/2018/2/layout/IconLabelList"/>
@@ -1370,7 +1390,7 @@
           <a:blip xmlns:r="http://schemas.openxmlformats.org/officeDocument/2006/relationships" r:embed="rId1">
             <a:extLst>
               <a:ext uri="{96DAC541-7B7A-43D3-8B79-37D633B846F1}">
-                <asvg:svgBlip xmlns:asvg="http://schemas.microsoft.com/office/drawing/2016/SVG/main" r:embed="rId2"/>
+                <asvg:svgBlip xmlns="" xmlns:asvg="http://schemas.microsoft.com/office/drawing/2016/SVG/main" r:embed="rId2"/>
               </a:ext>
             </a:extLst>
           </a:blip>
@@ -1442,7 +1462,7 @@
         </a:bodyPr>
         <a:lstStyle/>
         <a:p>
-          <a:pPr marL="0" lvl="0" indent="0" algn="ctr" defTabSz="1377950">
+          <a:pPr lvl="0" algn="ctr" defTabSz="1377950">
             <a:lnSpc>
               <a:spcPct val="100000"/>
             </a:lnSpc>
@@ -1452,7 +1472,6 @@
             <a:spcAft>
               <a:spcPct val="35000"/>
             </a:spcAft>
-            <a:buNone/>
           </a:pPr>
           <a:r>
             <a:rPr lang="en-ZA" sz="3100" kern="1200" dirty="0"/>
@@ -1483,7 +1502,7 @@
           <a:blip xmlns:r="http://schemas.openxmlformats.org/officeDocument/2006/relationships" r:embed="rId3">
             <a:extLst>
               <a:ext uri="{96DAC541-7B7A-43D3-8B79-37D633B846F1}">
-                <asvg:svgBlip xmlns:asvg="http://schemas.microsoft.com/office/drawing/2016/SVG/main" r:embed="rId4"/>
+                <asvg:svgBlip xmlns="" xmlns:asvg="http://schemas.microsoft.com/office/drawing/2016/SVG/main" r:embed="rId4"/>
               </a:ext>
             </a:extLst>
           </a:blip>
@@ -1555,7 +1574,7 @@
         </a:bodyPr>
         <a:lstStyle/>
         <a:p>
-          <a:pPr marL="0" lvl="0" indent="0" algn="ctr" defTabSz="1377950">
+          <a:pPr lvl="0" algn="ctr" defTabSz="1377950">
             <a:lnSpc>
               <a:spcPct val="100000"/>
             </a:lnSpc>
@@ -1565,7 +1584,6 @@
             <a:spcAft>
               <a:spcPct val="35000"/>
             </a:spcAft>
-            <a:buNone/>
           </a:pPr>
           <a:r>
             <a:rPr lang="en-US" sz="3100" kern="1200" dirty="0"/>
@@ -1595,7 +1613,7 @@
           <a:blip xmlns:r="http://schemas.openxmlformats.org/officeDocument/2006/relationships" r:embed="rId5">
             <a:extLst>
               <a:ext uri="{96DAC541-7B7A-43D3-8B79-37D633B846F1}">
-                <asvg:svgBlip xmlns:asvg="http://schemas.microsoft.com/office/drawing/2016/SVG/main" r:embed="rId6"/>
+                <asvg:svgBlip xmlns="" xmlns:asvg="http://schemas.microsoft.com/office/drawing/2016/SVG/main" r:embed="rId6"/>
               </a:ext>
             </a:extLst>
           </a:blip>
@@ -1667,7 +1685,7 @@
         </a:bodyPr>
         <a:lstStyle/>
         <a:p>
-          <a:pPr marL="0" lvl="0" indent="0" algn="ctr" defTabSz="1377950">
+          <a:pPr lvl="0" algn="ctr" defTabSz="1377950">
             <a:lnSpc>
               <a:spcPct val="100000"/>
             </a:lnSpc>
@@ -1677,7 +1695,6 @@
             <a:spcAft>
               <a:spcPct val="35000"/>
             </a:spcAft>
-            <a:buNone/>
           </a:pPr>
           <a:r>
             <a:rPr lang="en-US" sz="3100" kern="1200" dirty="0" err="1"/>
@@ -1876,7 +1893,7 @@
   </dgm:layoutNode>
   <dgm:extLst>
     <a:ext uri="{68A01E43-0DF5-4B5B-8FA6-DAF915123BFB}">
-      <dgm1612:lstStyle xmlns:dgm1612="http://schemas.microsoft.com/office/drawing/2016/12/diagram">
+      <dgm1612:lstStyle xmlns="" xmlns:dgm1612="http://schemas.microsoft.com/office/drawing/2016/12/diagram">
         <a:lvl1pPr>
           <a:lnSpc>
             <a:spcPct val="100000"/>
@@ -3004,7 +3021,7 @@
           <a:p>
             <a:fld id="{32B623FB-F82A-4510-A170-0D5E7C854AA3}" type="datetimeFigureOut">
               <a:rPr lang="en-CA" smtClean="0"/>
-              <a:t>2019-04-10</a:t>
+              <a:t>2019-04-01</a:t>
             </a:fld>
             <a:endParaRPr lang="en-CA"/>
           </a:p>
@@ -4038,7 +4055,7 @@
             <a:fld id="{B61BEF0D-F0BB-DE4B-95CE-6DB70DBA9567}" type="datetimeFigureOut">
               <a:rPr lang="en-US" smtClean="0"/>
               <a:pPr/>
-              <a:t>4/10/2019</a:t>
+              <a:t>4/1/2019</a:t>
             </a:fld>
             <a:endParaRPr lang="en-US" dirty="0"/>
           </a:p>
@@ -4302,7 +4319,7 @@
             <a:fld id="{B61BEF0D-F0BB-DE4B-95CE-6DB70DBA9567}" type="datetimeFigureOut">
               <a:rPr lang="en-US" smtClean="0"/>
               <a:pPr/>
-              <a:t>4/10/2019</a:t>
+              <a:t>4/1/2019</a:t>
             </a:fld>
             <a:endParaRPr lang="en-US" dirty="0"/>
           </a:p>
@@ -4539,7 +4556,7 @@
             <a:fld id="{B61BEF0D-F0BB-DE4B-95CE-6DB70DBA9567}" type="datetimeFigureOut">
               <a:rPr lang="en-US" smtClean="0"/>
               <a:pPr/>
-              <a:t>4/10/2019</a:t>
+              <a:t>4/1/2019</a:t>
             </a:fld>
             <a:endParaRPr lang="en-US" dirty="0"/>
           </a:p>
@@ -4781,7 +4798,7 @@
             <a:fld id="{B61BEF0D-F0BB-DE4B-95CE-6DB70DBA9567}" type="datetimeFigureOut">
               <a:rPr lang="en-US" smtClean="0"/>
               <a:pPr/>
-              <a:t>4/10/2019</a:t>
+              <a:t>4/1/2019</a:t>
             </a:fld>
             <a:endParaRPr lang="en-US" dirty="0"/>
           </a:p>
@@ -5090,7 +5107,7 @@
             <a:fld id="{B61BEF0D-F0BB-DE4B-95CE-6DB70DBA9567}" type="datetimeFigureOut">
               <a:rPr lang="en-US" smtClean="0"/>
               <a:pPr/>
-              <a:t>4/10/2019</a:t>
+              <a:t>4/1/2019</a:t>
             </a:fld>
             <a:endParaRPr lang="en-US" dirty="0"/>
           </a:p>
@@ -5394,7 +5411,7 @@
             <a:fld id="{B61BEF0D-F0BB-DE4B-95CE-6DB70DBA9567}" type="datetimeFigureOut">
               <a:rPr lang="en-US" smtClean="0"/>
               <a:pPr/>
-              <a:t>4/10/2019</a:t>
+              <a:t>4/1/2019</a:t>
             </a:fld>
             <a:endParaRPr lang="en-US" dirty="0"/>
           </a:p>
@@ -5818,7 +5835,7 @@
             <a:fld id="{B61BEF0D-F0BB-DE4B-95CE-6DB70DBA9567}" type="datetimeFigureOut">
               <a:rPr lang="en-US" smtClean="0"/>
               <a:pPr/>
-              <a:t>4/10/2019</a:t>
+              <a:t>4/1/2019</a:t>
             </a:fld>
             <a:endParaRPr lang="en-US" dirty="0"/>
           </a:p>
@@ -5915,7 +5932,7 @@
             <a:fld id="{B61BEF0D-F0BB-DE4B-95CE-6DB70DBA9567}" type="datetimeFigureOut">
               <a:rPr lang="en-US" smtClean="0"/>
               <a:pPr/>
-              <a:t>4/10/2019</a:t>
+              <a:t>4/1/2019</a:t>
             </a:fld>
             <a:endParaRPr lang="en-US" dirty="0"/>
           </a:p>
@@ -6079,7 +6096,7 @@
             <a:fld id="{B61BEF0D-F0BB-DE4B-95CE-6DB70DBA9567}" type="datetimeFigureOut">
               <a:rPr lang="en-US" smtClean="0"/>
               <a:pPr/>
-              <a:t>4/10/2019</a:t>
+              <a:t>4/1/2019</a:t>
             </a:fld>
             <a:endParaRPr lang="en-US" dirty="0"/>
           </a:p>
@@ -6459,7 +6476,7 @@
             <a:fld id="{B61BEF0D-F0BB-DE4B-95CE-6DB70DBA9567}" type="datetimeFigureOut">
               <a:rPr lang="en-US" smtClean="0"/>
               <a:pPr/>
-              <a:t>4/10/2019</a:t>
+              <a:t>4/1/2019</a:t>
             </a:fld>
             <a:endParaRPr lang="en-US" dirty="0"/>
           </a:p>
@@ -6750,7 +6767,7 @@
             <a:fld id="{B61BEF0D-F0BB-DE4B-95CE-6DB70DBA9567}" type="datetimeFigureOut">
               <a:rPr lang="en-US" smtClean="0"/>
               <a:pPr/>
-              <a:t>4/10/2019</a:t>
+              <a:t>4/1/2019</a:t>
             </a:fld>
             <a:endParaRPr lang="en-US" dirty="0"/>
           </a:p>
@@ -6963,7 +6980,7 @@
             <a:fld id="{B61BEF0D-F0BB-DE4B-95CE-6DB70DBA9567}" type="datetimeFigureOut">
               <a:rPr lang="en-US" smtClean="0"/>
               <a:pPr/>
-              <a:t>4/10/2019</a:t>
+              <a:t>4/1/2019</a:t>
             </a:fld>
             <a:endParaRPr lang="en-US" dirty="0"/>
           </a:p>
@@ -7655,13 +7672,16 @@
           <a:p>
             <a:r>
               <a:rPr lang="en-CA" dirty="0"/>
-              <a:t>Name of Project:</a:t>
-            </a:r>
-            <a:r>
-              <a:rPr lang="en-CA"/>
-              <a:t>	Sched</a:t>
-            </a:r>
-            <a:endParaRPr lang="en-CA" dirty="0"/>
+              <a:t>Name of Project:	</a:t>
+            </a:r>
+            <a:r>
+              <a:rPr lang="en-CA" dirty="0" err="1"/>
+              <a:t>Gamifield</a:t>
+            </a:r>
+            <a:r>
+              <a:rPr lang="en-CA" dirty="0"/>
+              <a:t> – Sched</a:t>
+            </a:r>
           </a:p>
           <a:p>
             <a:r>
@@ -7688,6 +7708,13 @@
   <p:clrMapOvr>
     <a:masterClrMapping/>
   </p:clrMapOvr>
+  <p:timing>
+    <p:tnLst>
+      <p:par>
+        <p:cTn id="1" dur="indefinite" restart="never" nodeType="tmRoot"/>
+      </p:par>
+    </p:tnLst>
+  </p:timing>
 </p:sld>
 </file>
 
@@ -7758,8 +7785,12 @@
           <a:lstStyle/>
           <a:p>
             <a:r>
+              <a:rPr lang="en-CA" dirty="0" smtClean="0"/>
+              <a:t>Project </a:t>
+            </a:r>
+            <a:r>
               <a:rPr lang="en-CA" dirty="0"/>
-              <a:t>Project Goal</a:t>
+              <a:t>Goal</a:t>
             </a:r>
           </a:p>
         </p:txBody>
@@ -7793,7 +7824,7 @@
           <a:p>
             <a:r>
               <a:rPr lang="en-US" dirty="0"/>
-              <a:t>Primary user would be the Dispatcher scheduling work for field Technicians and Resources</a:t>
+              <a:t>Our primary user would be the Dispatcher scheduling work for field Technicians and Resources</a:t>
             </a:r>
           </a:p>
           <a:p>
@@ -7879,6 +7910,13 @@
   <p:clrMapOvr>
     <a:masterClrMapping/>
   </p:clrMapOvr>
+  <p:timing>
+    <p:tnLst>
+      <p:par>
+        <p:cTn id="1" dur="indefinite" restart="never" nodeType="tmRoot"/>
+      </p:par>
+    </p:tnLst>
+  </p:timing>
 </p:sld>
 </file>
 
@@ -7982,6 +8020,13 @@
   <p:clrMapOvr>
     <a:masterClrMapping/>
   </p:clrMapOvr>
+  <p:timing>
+    <p:tnLst>
+      <p:par>
+        <p:cTn id="1" dur="indefinite" restart="never" nodeType="tmRoot"/>
+      </p:par>
+    </p:tnLst>
+  </p:timing>
 </p:sld>
 </file>
 
@@ -8093,8 +8138,12 @@
           <a:lstStyle/>
           <a:p>
             <a:r>
+              <a:rPr lang="en-CA" dirty="0" smtClean="0"/>
+              <a:t>Recommendations </a:t>
+            </a:r>
+            <a:r>
               <a:rPr lang="en-CA" dirty="0"/>
-              <a:t>Recommendations of Technicians and Resources based on client outlined parameters for scheduling of Work Orders</a:t>
+              <a:t>of Technicians and Resources based on client outlined parameters for scheduling of Work Orders</a:t>
             </a:r>
           </a:p>
           <a:p>
@@ -8121,6 +8170,13 @@
   <p:clrMapOvr>
     <a:masterClrMapping/>
   </p:clrMapOvr>
+  <p:timing>
+    <p:tnLst>
+      <p:par>
+        <p:cTn id="1" dur="indefinite" restart="never" nodeType="tmRoot"/>
+      </p:par>
+    </p:tnLst>
+  </p:timing>
 </p:sld>
 </file>
 
@@ -8163,9 +8219,10 @@
           <a:lstStyle/>
           <a:p>
             <a:r>
-              <a:rPr lang="en-CA" dirty="0"/>
+              <a:rPr lang="en-CA" dirty="0" smtClean="0"/>
               <a:t>Obstacles and lessons learned</a:t>
             </a:r>
+            <a:endParaRPr lang="en-CA" dirty="0"/>
           </a:p>
         </p:txBody>
       </p:sp>
@@ -9280,7 +9337,7 @@
         </p:spPr>
         <p:txBody>
           <a:bodyPr vert="horz" lIns="91440" tIns="45720" rIns="91440" bIns="45720" rtlCol="0" anchor="t">
-            <a:normAutofit lnSpcReduction="10000"/>
+            <a:normAutofit/>
           </a:bodyPr>
           <a:lstStyle>
             <a:lvl1pPr marL="306000" indent="-306000" algn="l" defTabSz="457200" rtl="0" eaLnBrk="1" latinLnBrk="0" hangingPunct="1">
@@ -9485,14 +9542,73 @@
           <a:p>
             <a:r>
               <a:rPr lang="en-CA" dirty="0"/>
-              <a:t>We used Droppable to be able to grab data from the Work Order List and move it into the Gantt chart for scheduling</a:t>
-            </a:r>
-          </a:p>
-          <a:p>
+              <a:t>We used Droppable to be able to grab data from the Work Order List and move it into the Gantt chart for </a:t>
+            </a:r>
+            <a:r>
+              <a:rPr lang="en-CA" dirty="0" smtClean="0"/>
+              <a:t>scheduling. We </a:t>
+            </a:r>
             <a:r>
               <a:rPr lang="en-CA" dirty="0"/>
-              <a:t>We updated the draggable work orders to highlight Technicians and Resource that match Work Order requirements and matched the look and size of the time slots in the Gantt Chart, giving Dispatchers instant visual feedback </a:t>
-            </a:r>
+              <a:t>updated </a:t>
+            </a:r>
+            <a:r>
+              <a:rPr lang="en-CA" dirty="0" smtClean="0"/>
+              <a:t>the </a:t>
+            </a:r>
+            <a:r>
+              <a:rPr lang="en-CA" dirty="0" err="1"/>
+              <a:t>draggable</a:t>
+            </a:r>
+            <a:r>
+              <a:rPr lang="en-CA" dirty="0"/>
+              <a:t> </a:t>
+            </a:r>
+            <a:r>
+              <a:rPr lang="en-CA" dirty="0" smtClean="0"/>
+              <a:t>Work </a:t>
+            </a:r>
+            <a:r>
+              <a:rPr lang="en-CA" dirty="0"/>
+              <a:t>o</a:t>
+            </a:r>
+            <a:r>
+              <a:rPr lang="en-CA" dirty="0" smtClean="0"/>
+              <a:t>rders </a:t>
+            </a:r>
+            <a:r>
+              <a:rPr lang="en-CA" dirty="0"/>
+              <a:t>to highlight Technicians and </a:t>
+            </a:r>
+            <a:r>
+              <a:rPr lang="en-CA" dirty="0" smtClean="0"/>
+              <a:t>Resources </a:t>
+            </a:r>
+            <a:r>
+              <a:rPr lang="en-CA" dirty="0"/>
+              <a:t>that </a:t>
+            </a:r>
+            <a:r>
+              <a:rPr lang="en-CA" dirty="0" smtClean="0"/>
+              <a:t>match selected </a:t>
+            </a:r>
+            <a:r>
+              <a:rPr lang="en-CA" dirty="0"/>
+              <a:t>Work Order requirements </a:t>
+            </a:r>
+            <a:r>
+              <a:rPr lang="en-CA" dirty="0" smtClean="0"/>
+              <a:t>as well as </a:t>
+            </a:r>
+            <a:r>
+              <a:rPr lang="en-CA" dirty="0"/>
+              <a:t>matched the look and size of the time slots </a:t>
+            </a:r>
+            <a:r>
+              <a:rPr lang="en-CA" dirty="0" smtClean="0"/>
+              <a:t>providing Dispatchers a relative visual to what it would look like in the Gantt Chart</a:t>
+            </a:r>
+            <a:endParaRPr lang="en-CA" dirty="0"/>
           </a:p>
         </p:txBody>
       </p:sp>
@@ -9506,6 +9622,13 @@
   <p:clrMapOvr>
     <a:masterClrMapping/>
   </p:clrMapOvr>
+  <p:timing>
+    <p:tnLst>
+      <p:par>
+        <p:cTn id="1" dur="indefinite" restart="never" nodeType="tmRoot"/>
+      </p:par>
+    </p:tnLst>
+  </p:timing>
 </p:sld>
 </file>
 
@@ -9534,66 +9657,6 @@
           <a:chExt cx="0" cy="0"/>
         </a:xfrm>
       </p:grpSpPr>
-      <p:sp useBgFill="1">
-        <p:nvSpPr>
-          <p:cNvPr id="15" name="Rectangle 14">
-            <a:extLst>
-              <a:ext uri="{FF2B5EF4-FFF2-40B4-BE49-F238E27FC236}">
-                <a16:creationId xmlns:a16="http://schemas.microsoft.com/office/drawing/2014/main" id="{493D4EDA-58E0-40CC-B3CA-14CDEB349D24}"/>
-              </a:ext>
-              <a:ext uri="{C183D7F6-B498-43B3-948B-1728B52AA6E4}">
-                <adec:decorative xmlns:adec="http://schemas.microsoft.com/office/drawing/2017/decorative" val="1"/>
-              </a:ext>
-            </a:extLst>
-          </p:cNvPr>
-          <p:cNvSpPr>
-            <a:spLocks noGrp="1" noRot="1" noChangeAspect="1" noMove="1" noResize="1" noEditPoints="1" noAdjustHandles="1" noChangeArrowheads="1" noChangeShapeType="1" noTextEdit="1"/>
-          </p:cNvSpPr>
-          <p:nvPr>
-            <p:extLst>
-              <p:ext uri="{386F3935-93C4-4BCD-93E2-E3B085C9AB24}">
-                <p16:designElem xmlns:p16="http://schemas.microsoft.com/office/powerpoint/2015/main" val="1"/>
-              </p:ext>
-            </p:extLst>
-          </p:nvPr>
-        </p:nvSpPr>
-        <p:spPr>
-          <a:xfrm>
-            <a:off x="0" y="0"/>
-            <a:ext cx="12192000" cy="6858000"/>
-          </a:xfrm>
-          <a:prstGeom prst="rect">
-            <a:avLst/>
-          </a:prstGeom>
-          <a:ln>
-            <a:noFill/>
-          </a:ln>
-        </p:spPr>
-        <p:style>
-          <a:lnRef idx="2">
-            <a:schemeClr val="accent1">
-              <a:shade val="50000"/>
-            </a:schemeClr>
-          </a:lnRef>
-          <a:fillRef idx="1">
-            <a:schemeClr val="accent1"/>
-          </a:fillRef>
-          <a:effectRef idx="0">
-            <a:schemeClr val="accent1"/>
-          </a:effectRef>
-          <a:fontRef idx="minor">
-            <a:schemeClr val="lt1"/>
-          </a:fontRef>
-        </p:style>
-        <p:txBody>
-          <a:bodyPr rtlCol="0" anchor="ctr"/>
-          <a:lstStyle/>
-          <a:p>
-            <a:pPr algn="ctr"/>
-            <a:endParaRPr lang="en-US" dirty="0"/>
-          </a:p>
-        </p:txBody>
-      </p:sp>
       <p:pic>
         <p:nvPicPr>
           <p:cNvPr id="7" name="Picture 6" descr="Digital Connections">
@@ -9629,250 +9692,6 @@
           </a:prstGeom>
         </p:spPr>
       </p:pic>
-      <p:grpSp>
-        <p:nvGrpSpPr>
-          <p:cNvPr id="17" name="Group 16">
-            <a:extLst>
-              <a:ext uri="{FF2B5EF4-FFF2-40B4-BE49-F238E27FC236}">
-                <a16:creationId xmlns:a16="http://schemas.microsoft.com/office/drawing/2014/main" id="{AA9EB0BC-A85E-4C26-B355-5DFCEF6CCB49}"/>
-              </a:ext>
-              <a:ext uri="{C183D7F6-B498-43B3-948B-1728B52AA6E4}">
-                <adec:decorative xmlns:adec="http://schemas.microsoft.com/office/drawing/2017/decorative" val="1"/>
-              </a:ext>
-            </a:extLst>
-          </p:cNvPr>
-          <p:cNvGrpSpPr>
-            <a:grpSpLocks noGrp="1" noUngrp="1" noRot="1" noChangeAspect="1" noMove="1" noResize="1"/>
-          </p:cNvGrpSpPr>
-          <p:nvPr>
-            <p:extLst>
-              <p:ext uri="{386F3935-93C4-4BCD-93E2-E3B085C9AB24}">
-                <p16:designElem xmlns:p16="http://schemas.microsoft.com/office/powerpoint/2015/main" val="1"/>
-              </p:ext>
-            </p:extLst>
-          </p:nvPr>
-        </p:nvGrpSpPr>
-        <p:grpSpPr>
-          <a:xfrm>
-            <a:off x="446534" y="453643"/>
-            <a:ext cx="11298933" cy="98554"/>
-            <a:chOff x="446534" y="453643"/>
-            <a:chExt cx="11298933" cy="98554"/>
-          </a:xfrm>
-        </p:grpSpPr>
-        <p:sp>
-          <p:nvSpPr>
-            <p:cNvPr id="18" name="Rectangle 17">
-              <a:extLst>
-                <a:ext uri="{FF2B5EF4-FFF2-40B4-BE49-F238E27FC236}">
-                  <a16:creationId xmlns:a16="http://schemas.microsoft.com/office/drawing/2014/main" id="{3643E56B-BD42-413D-B17D-7958270F5DE4}"/>
-                </a:ext>
-                <a:ext uri="{C183D7F6-B498-43B3-948B-1728B52AA6E4}">
-                  <adec:decorative xmlns:adec="http://schemas.microsoft.com/office/drawing/2017/decorative" val="1"/>
-                </a:ext>
-              </a:extLst>
-            </p:cNvPr>
-            <p:cNvSpPr/>
-            <p:nvPr>
-              <p:extLst>
-                <p:ext uri="{386F3935-93C4-4BCD-93E2-E3B085C9AB24}">
-                  <p16:designElem xmlns:p16="http://schemas.microsoft.com/office/powerpoint/2015/main" val="1"/>
-                </p:ext>
-              </p:extLst>
-            </p:nvPr>
-          </p:nvSpPr>
-          <p:spPr>
-            <a:xfrm>
-              <a:off x="446534" y="457200"/>
-              <a:ext cx="3703320" cy="94997"/>
-            </a:xfrm>
-            <a:prstGeom prst="rect">
-              <a:avLst/>
-            </a:prstGeom>
-            <a:solidFill>
-              <a:schemeClr val="accent1"/>
-            </a:solidFill>
-            <a:ln>
-              <a:noFill/>
-            </a:ln>
-            <a:effectLst/>
-          </p:spPr>
-          <p:style>
-            <a:lnRef idx="1">
-              <a:schemeClr val="accent1"/>
-            </a:lnRef>
-            <a:fillRef idx="3">
-              <a:schemeClr val="accent1"/>
-            </a:fillRef>
-            <a:effectRef idx="2">
-              <a:schemeClr val="accent1"/>
-            </a:effectRef>
-            <a:fontRef idx="minor">
-              <a:schemeClr val="lt1"/>
-            </a:fontRef>
-          </p:style>
-        </p:sp>
-        <p:sp>
-          <p:nvSpPr>
-            <p:cNvPr id="19" name="Rectangle 18">
-              <a:extLst>
-                <a:ext uri="{FF2B5EF4-FFF2-40B4-BE49-F238E27FC236}">
-                  <a16:creationId xmlns:a16="http://schemas.microsoft.com/office/drawing/2014/main" id="{96C04F74-9467-4FA5-95DC-8D481A29740E}"/>
-                </a:ext>
-                <a:ext uri="{C183D7F6-B498-43B3-948B-1728B52AA6E4}">
-                  <adec:decorative xmlns:adec="http://schemas.microsoft.com/office/drawing/2017/decorative" val="1"/>
-                </a:ext>
-              </a:extLst>
-            </p:cNvPr>
-            <p:cNvSpPr/>
-            <p:nvPr>
-              <p:extLst>
-                <p:ext uri="{386F3935-93C4-4BCD-93E2-E3B085C9AB24}">
-                  <p16:designElem xmlns:p16="http://schemas.microsoft.com/office/powerpoint/2015/main" val="1"/>
-                </p:ext>
-              </p:extLst>
-            </p:nvPr>
-          </p:nvSpPr>
-          <p:spPr>
-            <a:xfrm>
-              <a:off x="8042147" y="453643"/>
-              <a:ext cx="3703320" cy="98554"/>
-            </a:xfrm>
-            <a:prstGeom prst="rect">
-              <a:avLst/>
-            </a:prstGeom>
-            <a:solidFill>
-              <a:schemeClr val="accent4"/>
-            </a:solidFill>
-            <a:ln>
-              <a:noFill/>
-            </a:ln>
-            <a:effectLst/>
-          </p:spPr>
-          <p:style>
-            <a:lnRef idx="1">
-              <a:schemeClr val="accent1"/>
-            </a:lnRef>
-            <a:fillRef idx="3">
-              <a:schemeClr val="accent1"/>
-            </a:fillRef>
-            <a:effectRef idx="2">
-              <a:schemeClr val="accent1"/>
-            </a:effectRef>
-            <a:fontRef idx="minor">
-              <a:schemeClr val="lt1"/>
-            </a:fontRef>
-          </p:style>
-        </p:sp>
-        <p:sp>
-          <p:nvSpPr>
-            <p:cNvPr id="20" name="Rectangle 19">
-              <a:extLst>
-                <a:ext uri="{FF2B5EF4-FFF2-40B4-BE49-F238E27FC236}">
-                  <a16:creationId xmlns:a16="http://schemas.microsoft.com/office/drawing/2014/main" id="{D73DE1C3-5C37-42E9-A3F0-256F1938327C}"/>
-                </a:ext>
-                <a:ext uri="{C183D7F6-B498-43B3-948B-1728B52AA6E4}">
-                  <adec:decorative xmlns:adec="http://schemas.microsoft.com/office/drawing/2017/decorative" val="1"/>
-                </a:ext>
-              </a:extLst>
-            </p:cNvPr>
-            <p:cNvSpPr/>
-            <p:nvPr>
-              <p:extLst>
-                <p:ext uri="{386F3935-93C4-4BCD-93E2-E3B085C9AB24}">
-                  <p16:designElem xmlns:p16="http://schemas.microsoft.com/office/powerpoint/2015/main" val="1"/>
-                </p:ext>
-              </p:extLst>
-            </p:nvPr>
-          </p:nvSpPr>
-          <p:spPr>
-            <a:xfrm>
-              <a:off x="4241830" y="457200"/>
-              <a:ext cx="3703320" cy="91440"/>
-            </a:xfrm>
-            <a:prstGeom prst="rect">
-              <a:avLst/>
-            </a:prstGeom>
-            <a:solidFill>
-              <a:schemeClr val="accent2"/>
-            </a:solidFill>
-            <a:ln>
-              <a:noFill/>
-            </a:ln>
-            <a:effectLst/>
-          </p:spPr>
-          <p:style>
-            <a:lnRef idx="1">
-              <a:schemeClr val="accent1"/>
-            </a:lnRef>
-            <a:fillRef idx="3">
-              <a:schemeClr val="accent1"/>
-            </a:fillRef>
-            <a:effectRef idx="2">
-              <a:schemeClr val="accent1"/>
-            </a:effectRef>
-            <a:fontRef idx="minor">
-              <a:schemeClr val="lt1"/>
-            </a:fontRef>
-          </p:style>
-        </p:sp>
-      </p:grpSp>
-      <p:sp>
-        <p:nvSpPr>
-          <p:cNvPr id="22" name="Rectangle 21">
-            <a:extLst>
-              <a:ext uri="{FF2B5EF4-FFF2-40B4-BE49-F238E27FC236}">
-                <a16:creationId xmlns:a16="http://schemas.microsoft.com/office/drawing/2014/main" id="{4A2E7EC3-E07C-46CE-9B25-41865A50681C}"/>
-              </a:ext>
-              <a:ext uri="{C183D7F6-B498-43B3-948B-1728B52AA6E4}">
-                <adec:decorative xmlns:adec="http://schemas.microsoft.com/office/drawing/2017/decorative" val="1"/>
-              </a:ext>
-            </a:extLst>
-          </p:cNvPr>
-          <p:cNvSpPr>
-            <a:spLocks noGrp="1" noRot="1" noChangeAspect="1" noMove="1" noResize="1" noEditPoints="1" noAdjustHandles="1" noChangeArrowheads="1" noChangeShapeType="1" noTextEdit="1"/>
-          </p:cNvSpPr>
-          <p:nvPr>
-            <p:extLst>
-              <p:ext uri="{386F3935-93C4-4BCD-93E2-E3B085C9AB24}">
-                <p16:designElem xmlns:p16="http://schemas.microsoft.com/office/powerpoint/2015/main" val="1"/>
-              </p:ext>
-            </p:extLst>
-          </p:nvPr>
-        </p:nvSpPr>
-        <p:spPr>
-          <a:xfrm>
-            <a:off x="448732" y="4428067"/>
-            <a:ext cx="11260667" cy="1962497"/>
-          </a:xfrm>
-          <a:prstGeom prst="rect">
-            <a:avLst/>
-          </a:prstGeom>
-          <a:solidFill>
-            <a:schemeClr val="accent1">
-              <a:alpha val="97000"/>
-            </a:schemeClr>
-          </a:solidFill>
-          <a:ln w="6350" cmpd="sng">
-            <a:noFill/>
-          </a:ln>
-          <a:effectLst/>
-        </p:spPr>
-        <p:style>
-          <a:lnRef idx="1">
-            <a:schemeClr val="accent1"/>
-          </a:lnRef>
-          <a:fillRef idx="3">
-            <a:schemeClr val="accent1"/>
-          </a:fillRef>
-          <a:effectRef idx="2">
-            <a:schemeClr val="accent1"/>
-          </a:effectRef>
-          <a:fontRef idx="minor">
-            <a:schemeClr val="lt1"/>
-          </a:fontRef>
-        </p:style>
-      </p:sp>
       <p:sp>
         <p:nvSpPr>
           <p:cNvPr id="2" name="Title 1">
@@ -9886,13 +9705,13 @@
             <a:spLocks noGrp="1"/>
           </p:cNvSpPr>
           <p:nvPr>
-            <p:ph type="ctrTitle"/>
+            <p:ph type="title"/>
           </p:nvPr>
         </p:nvSpPr>
         <p:spPr>
           <a:xfrm>
-            <a:off x="581191" y="4572000"/>
-            <a:ext cx="10993549" cy="895244"/>
+            <a:off x="581192" y="364834"/>
+            <a:ext cx="11029616" cy="988332"/>
           </a:xfrm>
         </p:spPr>
         <p:txBody>
@@ -9912,45 +9731,32 @@
           </a:p>
         </p:txBody>
       </p:sp>
-      <p:sp>
-        <p:nvSpPr>
-          <p:cNvPr id="3" name="Subtitle 2">
-            <a:extLst>
-              <a:ext uri="{FF2B5EF4-FFF2-40B4-BE49-F238E27FC236}">
-                <a16:creationId xmlns:a16="http://schemas.microsoft.com/office/drawing/2014/main" id="{48B6CF59-4E5B-494D-A2F7-97ADD01E6497}"/>
-              </a:ext>
-            </a:extLst>
-          </p:cNvPr>
-          <p:cNvSpPr>
-            <a:spLocks noGrp="1"/>
-          </p:cNvSpPr>
+      <p:pic>
+        <p:nvPicPr>
+          <p:cNvPr id="9" name="Content Placeholder 8"/>
+          <p:cNvPicPr>
+            <a:picLocks noGrp="1" noChangeAspect="1"/>
+          </p:cNvPicPr>
           <p:nvPr>
-            <p:ph type="subTitle" idx="1"/>
+            <p:ph sz="half" idx="2"/>
           </p:nvPr>
-        </p:nvSpPr>
+        </p:nvPicPr>
+        <p:blipFill>
+          <a:blip r:embed="rId4"/>
+          <a:stretch>
+            <a:fillRect/>
+          </a:stretch>
+        </p:blipFill>
         <p:spPr>
           <a:xfrm>
-            <a:off x="581194" y="5467246"/>
-            <a:ext cx="10993546" cy="484822"/>
+            <a:off x="782071" y="1353166"/>
+            <a:ext cx="10436581" cy="5232072"/>
           </a:xfrm>
+          <a:prstGeom prst="rect">
+            <a:avLst/>
+          </a:prstGeom>
         </p:spPr>
-        <p:txBody>
-          <a:bodyPr>
-            <a:normAutofit/>
-          </a:bodyPr>
-          <a:lstStyle/>
-          <a:p>
-            <a:r>
-              <a:rPr lang="en-US" dirty="0">
-                <a:solidFill>
-                  <a:srgbClr val="7CEBFF"/>
-                </a:solidFill>
-              </a:rPr>
-              <a:t>Field Service Scheduler</a:t>
-            </a:r>
-          </a:p>
-        </p:txBody>
-      </p:sp>
+      </p:pic>
     </p:spTree>
     <p:extLst>
       <p:ext uri="{BB962C8B-B14F-4D97-AF65-F5344CB8AC3E}">
@@ -9961,470 +9767,13 @@
   <p:clrMapOvr>
     <a:masterClrMapping/>
   </p:clrMapOvr>
-</p:sld>
-</file>
-
-<file path=ppt/slides/slide7.xml><?xml version="1.0" encoding="utf-8"?>
-<p:sld xmlns:a="http://schemas.openxmlformats.org/drawingml/2006/main" xmlns:r="http://schemas.openxmlformats.org/officeDocument/2006/relationships" xmlns:p="http://schemas.openxmlformats.org/presentationml/2006/main">
-  <p:cSld>
-    <p:bg>
-      <p:bgPr>
-        <a:solidFill>
-          <a:schemeClr val="bg1"/>
-        </a:solidFill>
-        <a:effectLst/>
-      </p:bgPr>
-    </p:bg>
-    <p:spTree>
-      <p:nvGrpSpPr>
-        <p:cNvPr id="1" name=""/>
-        <p:cNvGrpSpPr/>
-        <p:nvPr/>
-      </p:nvGrpSpPr>
-      <p:grpSpPr>
-        <a:xfrm>
-          <a:off x="0" y="0"/>
-          <a:ext cx="0" cy="0"/>
-          <a:chOff x="0" y="0"/>
-          <a:chExt cx="0" cy="0"/>
-        </a:xfrm>
-      </p:grpSpPr>
-      <p:sp useBgFill="1">
-        <p:nvSpPr>
-          <p:cNvPr id="10" name="Rectangle 9">
-            <a:extLst>
-              <a:ext uri="{FF2B5EF4-FFF2-40B4-BE49-F238E27FC236}">
-                <a16:creationId xmlns:a16="http://schemas.microsoft.com/office/drawing/2014/main" id="{379F11E2-8BA5-4C5C-AE7C-361E5EA011FF}"/>
-              </a:ext>
-              <a:ext uri="{C183D7F6-B498-43B3-948B-1728B52AA6E4}">
-                <adec:decorative xmlns:adec="http://schemas.microsoft.com/office/drawing/2017/decorative" val="1"/>
-              </a:ext>
-            </a:extLst>
-          </p:cNvPr>
-          <p:cNvSpPr>
-            <a:spLocks noGrp="1" noRot="1" noChangeAspect="1" noMove="1" noResize="1" noEditPoints="1" noAdjustHandles="1" noChangeArrowheads="1" noChangeShapeType="1" noTextEdit="1"/>
-          </p:cNvSpPr>
-          <p:nvPr>
-            <p:extLst>
-              <p:ext uri="{386F3935-93C4-4BCD-93E2-E3B085C9AB24}">
-                <p16:designElem xmlns:p16="http://schemas.microsoft.com/office/powerpoint/2015/main" val="1"/>
-              </p:ext>
-            </p:extLst>
-          </p:nvPr>
-        </p:nvSpPr>
-        <p:spPr>
-          <a:xfrm>
-            <a:off x="0" y="1"/>
-            <a:ext cx="12191999" cy="6858000"/>
-          </a:xfrm>
-          <a:prstGeom prst="rect">
-            <a:avLst/>
-          </a:prstGeom>
-          <a:ln>
-            <a:noFill/>
-          </a:ln>
-        </p:spPr>
-        <p:style>
-          <a:lnRef idx="2">
-            <a:schemeClr val="accent1">
-              <a:shade val="50000"/>
-            </a:schemeClr>
-          </a:lnRef>
-          <a:fillRef idx="1">
-            <a:schemeClr val="accent1"/>
-          </a:fillRef>
-          <a:effectRef idx="0">
-            <a:schemeClr val="accent1"/>
-          </a:effectRef>
-          <a:fontRef idx="minor">
-            <a:schemeClr val="lt1"/>
-          </a:fontRef>
-        </p:style>
-        <p:txBody>
-          <a:bodyPr rtlCol="0" anchor="ctr"/>
-          <a:lstStyle/>
-          <a:p>
-            <a:pPr algn="ctr"/>
-            <a:endParaRPr lang="en-US"/>
-          </a:p>
-        </p:txBody>
-      </p:sp>
-      <p:pic>
-        <p:nvPicPr>
-          <p:cNvPr id="5" name="Picture 4" descr="Digital Numbers">
-            <a:extLst>
-              <a:ext uri="{FF2B5EF4-FFF2-40B4-BE49-F238E27FC236}">
-                <a16:creationId xmlns:a16="http://schemas.microsoft.com/office/drawing/2014/main" id="{A21EA617-6D48-425F-97A8-7FEC82C8F401}"/>
-              </a:ext>
-            </a:extLst>
-          </p:cNvPr>
-          <p:cNvPicPr>
-            <a:picLocks noChangeAspect="1"/>
-          </p:cNvPicPr>
-          <p:nvPr/>
-        </p:nvPicPr>
-        <p:blipFill rotWithShape="1">
-          <a:blip r:embed="rId2" cstate="screen">
-            <a:extLst>
-              <a:ext uri="{28A0092B-C50C-407E-A947-70E740481C1C}">
-                <a14:useLocalDpi xmlns:a14="http://schemas.microsoft.com/office/drawing/2010/main"/>
-              </a:ext>
-            </a:extLst>
-          </a:blip>
-          <a:srcRect l="2189" r="9642" b="1"/>
-          <a:stretch/>
-        </p:blipFill>
-        <p:spPr>
-          <a:xfrm>
-            <a:off x="446534" y="723899"/>
-            <a:ext cx="7498616" cy="5676901"/>
-          </a:xfrm>
-          <a:prstGeom prst="rect">
-            <a:avLst/>
-          </a:prstGeom>
-        </p:spPr>
-      </p:pic>
-      <p:sp>
-        <p:nvSpPr>
-          <p:cNvPr id="12" name="Rectangle 11">
-            <a:extLst>
-              <a:ext uri="{FF2B5EF4-FFF2-40B4-BE49-F238E27FC236}">
-                <a16:creationId xmlns:a16="http://schemas.microsoft.com/office/drawing/2014/main" id="{7C00E1DA-EC7C-40FC-95E3-11FDCD2E4291}"/>
-              </a:ext>
-              <a:ext uri="{C183D7F6-B498-43B3-948B-1728B52AA6E4}">
-                <adec:decorative xmlns:adec="http://schemas.microsoft.com/office/drawing/2017/decorative" val="1"/>
-              </a:ext>
-            </a:extLst>
-          </p:cNvPr>
-          <p:cNvSpPr>
-            <a:spLocks noGrp="1" noRot="1" noChangeAspect="1" noMove="1" noResize="1" noEditPoints="1" noAdjustHandles="1" noChangeArrowheads="1" noChangeShapeType="1" noTextEdit="1"/>
-          </p:cNvSpPr>
-          <p:nvPr>
-            <p:extLst>
-              <p:ext uri="{386F3935-93C4-4BCD-93E2-E3B085C9AB24}">
-                <p16:designElem xmlns:p16="http://schemas.microsoft.com/office/powerpoint/2015/main" val="1"/>
-              </p:ext>
-            </p:extLst>
-          </p:nvPr>
-        </p:nvSpPr>
-        <p:spPr>
-          <a:xfrm>
-            <a:off x="8042147" y="723899"/>
-            <a:ext cx="3703320" cy="5666666"/>
-          </a:xfrm>
-          <a:prstGeom prst="rect">
-            <a:avLst/>
-          </a:prstGeom>
-          <a:solidFill>
-            <a:schemeClr val="accent1"/>
-          </a:solidFill>
-          <a:ln>
-            <a:noFill/>
-          </a:ln>
-          <a:effectLst/>
-        </p:spPr>
-        <p:style>
-          <a:lnRef idx="1">
-            <a:schemeClr val="accent1"/>
-          </a:lnRef>
-          <a:fillRef idx="3">
-            <a:schemeClr val="accent1"/>
-          </a:fillRef>
-          <a:effectRef idx="2">
-            <a:schemeClr val="accent1"/>
-          </a:effectRef>
-          <a:fontRef idx="minor">
-            <a:schemeClr val="lt1"/>
-          </a:fontRef>
-        </p:style>
-      </p:sp>
-      <p:sp>
-        <p:nvSpPr>
-          <p:cNvPr id="2" name="Title 1">
-            <a:extLst>
-              <a:ext uri="{FF2B5EF4-FFF2-40B4-BE49-F238E27FC236}">
-                <a16:creationId xmlns:a16="http://schemas.microsoft.com/office/drawing/2014/main" id="{0F87E73C-2B1A-4602-BFBE-CFE1E55D9B38}"/>
-              </a:ext>
-            </a:extLst>
-          </p:cNvPr>
-          <p:cNvSpPr>
-            <a:spLocks noGrp="1"/>
-          </p:cNvSpPr>
-          <p:nvPr>
-            <p:ph type="ctrTitle"/>
-          </p:nvPr>
-        </p:nvSpPr>
-        <p:spPr>
-          <a:xfrm>
-            <a:off x="8296275" y="1419226"/>
-            <a:ext cx="3081576" cy="1746762"/>
-          </a:xfrm>
-        </p:spPr>
-        <p:txBody>
-          <a:bodyPr>
-            <a:normAutofit/>
-          </a:bodyPr>
-          <a:lstStyle/>
-          <a:p>
-            <a:r>
-              <a:rPr lang="en-US" dirty="0">
-                <a:solidFill>
-                  <a:srgbClr val="FFFFFF"/>
-                </a:solidFill>
-              </a:rPr>
-              <a:t>Thank You</a:t>
-            </a:r>
-          </a:p>
-        </p:txBody>
-      </p:sp>
-      <p:sp>
-        <p:nvSpPr>
-          <p:cNvPr id="3" name="Subtitle 2">
-            <a:extLst>
-              <a:ext uri="{FF2B5EF4-FFF2-40B4-BE49-F238E27FC236}">
-                <a16:creationId xmlns:a16="http://schemas.microsoft.com/office/drawing/2014/main" id="{A9CB511D-EA45-4336-847C-1252667143B5}"/>
-              </a:ext>
-            </a:extLst>
-          </p:cNvPr>
-          <p:cNvSpPr>
-            <a:spLocks noGrp="1"/>
-          </p:cNvSpPr>
-          <p:nvPr>
-            <p:ph type="subTitle" idx="1"/>
-          </p:nvPr>
-        </p:nvSpPr>
-        <p:spPr>
-          <a:xfrm>
-            <a:off x="8296275" y="3505095"/>
-            <a:ext cx="3081576" cy="2629006"/>
-          </a:xfrm>
-        </p:spPr>
-        <p:txBody>
-          <a:bodyPr>
-            <a:normAutofit/>
-          </a:bodyPr>
-          <a:lstStyle/>
-          <a:p>
-            <a:endParaRPr lang="en-US" dirty="0">
-              <a:solidFill>
-                <a:schemeClr val="bg2"/>
-              </a:solidFill>
-            </a:endParaRPr>
-          </a:p>
-          <a:p>
-            <a:endParaRPr lang="en-US" dirty="0">
-              <a:solidFill>
-                <a:schemeClr val="bg2"/>
-              </a:solidFill>
-            </a:endParaRPr>
-          </a:p>
-          <a:p>
-            <a:endParaRPr lang="en-US" dirty="0">
-              <a:solidFill>
-                <a:schemeClr val="bg2"/>
-              </a:solidFill>
-            </a:endParaRPr>
-          </a:p>
-        </p:txBody>
-      </p:sp>
-      <p:grpSp>
-        <p:nvGrpSpPr>
-          <p:cNvPr id="14" name="Group 13">
-            <a:extLst>
-              <a:ext uri="{FF2B5EF4-FFF2-40B4-BE49-F238E27FC236}">
-                <a16:creationId xmlns:a16="http://schemas.microsoft.com/office/drawing/2014/main" id="{9A421166-2996-41A7-B094-AE5316F347DD}"/>
-              </a:ext>
-              <a:ext uri="{C183D7F6-B498-43B3-948B-1728B52AA6E4}">
-                <adec:decorative xmlns:adec="http://schemas.microsoft.com/office/drawing/2017/decorative" val="1"/>
-              </a:ext>
-            </a:extLst>
-          </p:cNvPr>
-          <p:cNvGrpSpPr>
-            <a:grpSpLocks noGrp="1" noUngrp="1" noRot="1" noChangeAspect="1" noMove="1" noResize="1"/>
-          </p:cNvGrpSpPr>
-          <p:nvPr>
-            <p:extLst>
-              <p:ext uri="{386F3935-93C4-4BCD-93E2-E3B085C9AB24}">
-                <p16:designElem xmlns:p16="http://schemas.microsoft.com/office/powerpoint/2015/main" val="1"/>
-              </p:ext>
-            </p:extLst>
-          </p:nvPr>
-        </p:nvGrpSpPr>
-        <p:grpSpPr>
-          <a:xfrm>
-            <a:off x="446534" y="453643"/>
-            <a:ext cx="11298933" cy="98554"/>
-            <a:chOff x="446534" y="453643"/>
-            <a:chExt cx="11298933" cy="98554"/>
-          </a:xfrm>
-        </p:grpSpPr>
-        <p:sp>
-          <p:nvSpPr>
-            <p:cNvPr id="15" name="Rectangle 14">
-              <a:extLst>
-                <a:ext uri="{FF2B5EF4-FFF2-40B4-BE49-F238E27FC236}">
-                  <a16:creationId xmlns:a16="http://schemas.microsoft.com/office/drawing/2014/main" id="{FDBB1B92-A3EB-43E4-8FAB-D20E8ED14CEF}"/>
-                </a:ext>
-                <a:ext uri="{C183D7F6-B498-43B3-948B-1728B52AA6E4}">
-                  <adec:decorative xmlns:adec="http://schemas.microsoft.com/office/drawing/2017/decorative" val="1"/>
-                </a:ext>
-              </a:extLst>
-            </p:cNvPr>
-            <p:cNvSpPr/>
-            <p:nvPr>
-              <p:extLst>
-                <p:ext uri="{386F3935-93C4-4BCD-93E2-E3B085C9AB24}">
-                  <p16:designElem xmlns:p16="http://schemas.microsoft.com/office/powerpoint/2015/main" val="1"/>
-                </p:ext>
-              </p:extLst>
-            </p:nvPr>
-          </p:nvSpPr>
-          <p:spPr>
-            <a:xfrm>
-              <a:off x="446534" y="457200"/>
-              <a:ext cx="3703320" cy="94997"/>
-            </a:xfrm>
-            <a:prstGeom prst="rect">
-              <a:avLst/>
-            </a:prstGeom>
-            <a:solidFill>
-              <a:schemeClr val="accent1"/>
-            </a:solidFill>
-            <a:ln>
-              <a:noFill/>
-            </a:ln>
-            <a:effectLst/>
-          </p:spPr>
-          <p:style>
-            <a:lnRef idx="1">
-              <a:schemeClr val="accent1"/>
-            </a:lnRef>
-            <a:fillRef idx="3">
-              <a:schemeClr val="accent1"/>
-            </a:fillRef>
-            <a:effectRef idx="2">
-              <a:schemeClr val="accent1"/>
-            </a:effectRef>
-            <a:fontRef idx="minor">
-              <a:schemeClr val="lt1"/>
-            </a:fontRef>
-          </p:style>
-        </p:sp>
-        <p:sp>
-          <p:nvSpPr>
-            <p:cNvPr id="16" name="Rectangle 15">
-              <a:extLst>
-                <a:ext uri="{FF2B5EF4-FFF2-40B4-BE49-F238E27FC236}">
-                  <a16:creationId xmlns:a16="http://schemas.microsoft.com/office/drawing/2014/main" id="{3F3972F4-FE7E-48EA-AAD8-9BE5750A6672}"/>
-                </a:ext>
-                <a:ext uri="{C183D7F6-B498-43B3-948B-1728B52AA6E4}">
-                  <adec:decorative xmlns:adec="http://schemas.microsoft.com/office/drawing/2017/decorative" val="1"/>
-                </a:ext>
-              </a:extLst>
-            </p:cNvPr>
-            <p:cNvSpPr/>
-            <p:nvPr>
-              <p:extLst>
-                <p:ext uri="{386F3935-93C4-4BCD-93E2-E3B085C9AB24}">
-                  <p16:designElem xmlns:p16="http://schemas.microsoft.com/office/powerpoint/2015/main" val="1"/>
-                </p:ext>
-              </p:extLst>
-            </p:nvPr>
-          </p:nvSpPr>
-          <p:spPr>
-            <a:xfrm>
-              <a:off x="8042147" y="453643"/>
-              <a:ext cx="3703320" cy="98554"/>
-            </a:xfrm>
-            <a:prstGeom prst="rect">
-              <a:avLst/>
-            </a:prstGeom>
-            <a:solidFill>
-              <a:schemeClr val="accent4"/>
-            </a:solidFill>
-            <a:ln>
-              <a:noFill/>
-            </a:ln>
-            <a:effectLst/>
-          </p:spPr>
-          <p:style>
-            <a:lnRef idx="1">
-              <a:schemeClr val="accent1"/>
-            </a:lnRef>
-            <a:fillRef idx="3">
-              <a:schemeClr val="accent1"/>
-            </a:fillRef>
-            <a:effectRef idx="2">
-              <a:schemeClr val="accent1"/>
-            </a:effectRef>
-            <a:fontRef idx="minor">
-              <a:schemeClr val="lt1"/>
-            </a:fontRef>
-          </p:style>
-        </p:sp>
-        <p:sp>
-          <p:nvSpPr>
-            <p:cNvPr id="17" name="Rectangle 16">
-              <a:extLst>
-                <a:ext uri="{FF2B5EF4-FFF2-40B4-BE49-F238E27FC236}">
-                  <a16:creationId xmlns:a16="http://schemas.microsoft.com/office/drawing/2014/main" id="{221614E5-870B-4D5E-A43B-8FF7E5323484}"/>
-                </a:ext>
-                <a:ext uri="{C183D7F6-B498-43B3-948B-1728B52AA6E4}">
-                  <adec:decorative xmlns:adec="http://schemas.microsoft.com/office/drawing/2017/decorative" val="1"/>
-                </a:ext>
-              </a:extLst>
-            </p:cNvPr>
-            <p:cNvSpPr/>
-            <p:nvPr>
-              <p:extLst>
-                <p:ext uri="{386F3935-93C4-4BCD-93E2-E3B085C9AB24}">
-                  <p16:designElem xmlns:p16="http://schemas.microsoft.com/office/powerpoint/2015/main" val="1"/>
-                </p:ext>
-              </p:extLst>
-            </p:nvPr>
-          </p:nvSpPr>
-          <p:spPr>
-            <a:xfrm>
-              <a:off x="4241830" y="457200"/>
-              <a:ext cx="3703320" cy="91440"/>
-            </a:xfrm>
-            <a:prstGeom prst="rect">
-              <a:avLst/>
-            </a:prstGeom>
-            <a:solidFill>
-              <a:schemeClr val="accent2"/>
-            </a:solidFill>
-            <a:ln>
-              <a:noFill/>
-            </a:ln>
-            <a:effectLst/>
-          </p:spPr>
-          <p:style>
-            <a:lnRef idx="1">
-              <a:schemeClr val="accent1"/>
-            </a:lnRef>
-            <a:fillRef idx="3">
-              <a:schemeClr val="accent1"/>
-            </a:fillRef>
-            <a:effectRef idx="2">
-              <a:schemeClr val="accent1"/>
-            </a:effectRef>
-            <a:fontRef idx="minor">
-              <a:schemeClr val="lt1"/>
-            </a:fontRef>
-          </p:style>
-        </p:sp>
-      </p:grpSp>
-    </p:spTree>
-    <p:extLst>
-      <p:ext uri="{BB962C8B-B14F-4D97-AF65-F5344CB8AC3E}">
-        <p14:creationId xmlns:p14="http://schemas.microsoft.com/office/powerpoint/2010/main" val="3501347425"/>
-      </p:ext>
-    </p:extLst>
-  </p:cSld>
-  <p:clrMapOvr>
-    <a:masterClrMapping/>
-  </p:clrMapOvr>
+  <p:timing>
+    <p:tnLst>
+      <p:par>
+        <p:cTn id="1" dur="indefinite" restart="never" nodeType="tmRoot"/>
+      </p:par>
+    </p:tnLst>
+  </p:timing>
 </p:sld>
 </file>
 

--- a/CapstonePowerPoint.pptx
+++ b/CapstonePowerPoint.pptx
@@ -1200,9 +1200,27 @@
       <dgm:spPr>
         <a:blipFill>
           <a:blip xmlns:r="http://schemas.openxmlformats.org/officeDocument/2006/relationships" r:embed="rId1">
+            <a:duotone>
+              <a:schemeClr val="accent2">
+                <a:hueOff val="0"/>
+                <a:satOff val="0"/>
+                <a:lumOff val="0"/>
+                <a:alphaOff val="0"/>
+                <a:shade val="20000"/>
+                <a:satMod val="200000"/>
+              </a:schemeClr>
+              <a:schemeClr val="accent2">
+                <a:hueOff val="0"/>
+                <a:satOff val="0"/>
+                <a:lumOff val="0"/>
+                <a:alphaOff val="0"/>
+                <a:tint val="12000"/>
+                <a:satMod val="190000"/>
+              </a:schemeClr>
+            </a:duotone>
             <a:extLst>
               <a:ext uri="{96DAC541-7B7A-43D3-8B79-37D633B846F1}">
-                <asvg:svgBlip xmlns="" xmlns:asvg="http://schemas.microsoft.com/office/drawing/2016/SVG/main" r:embed="rId2"/>
+                <asvg:svgBlip xmlns:asvg="http://schemas.microsoft.com/office/drawing/2016/SVG/main" xmlns="" r:embed="rId2"/>
               </a:ext>
             </a:extLst>
           </a:blip>
@@ -1247,9 +1265,27 @@
       <dgm:spPr>
         <a:blipFill>
           <a:blip xmlns:r="http://schemas.openxmlformats.org/officeDocument/2006/relationships" r:embed="rId3">
+            <a:duotone>
+              <a:schemeClr val="accent3">
+                <a:hueOff val="0"/>
+                <a:satOff val="0"/>
+                <a:lumOff val="0"/>
+                <a:alphaOff val="0"/>
+                <a:shade val="20000"/>
+                <a:satMod val="200000"/>
+              </a:schemeClr>
+              <a:schemeClr val="accent3">
+                <a:hueOff val="0"/>
+                <a:satOff val="0"/>
+                <a:lumOff val="0"/>
+                <a:alphaOff val="0"/>
+                <a:tint val="12000"/>
+                <a:satMod val="190000"/>
+              </a:schemeClr>
+            </a:duotone>
             <a:extLst>
               <a:ext uri="{96DAC541-7B7A-43D3-8B79-37D633B846F1}">
-                <asvg:svgBlip xmlns="" xmlns:asvg="http://schemas.microsoft.com/office/drawing/2016/SVG/main" r:embed="rId4"/>
+                <asvg:svgBlip xmlns:asvg="http://schemas.microsoft.com/office/drawing/2016/SVG/main" xmlns="" r:embed="rId4"/>
               </a:ext>
             </a:extLst>
           </a:blip>
@@ -1294,9 +1330,27 @@
       <dgm:spPr>
         <a:blipFill>
           <a:blip xmlns:r="http://schemas.openxmlformats.org/officeDocument/2006/relationships" r:embed="rId5">
+            <a:duotone>
+              <a:schemeClr val="accent4">
+                <a:hueOff val="0"/>
+                <a:satOff val="0"/>
+                <a:lumOff val="0"/>
+                <a:alphaOff val="0"/>
+                <a:shade val="20000"/>
+                <a:satMod val="200000"/>
+              </a:schemeClr>
+              <a:schemeClr val="accent4">
+                <a:hueOff val="0"/>
+                <a:satOff val="0"/>
+                <a:lumOff val="0"/>
+                <a:alphaOff val="0"/>
+                <a:tint val="12000"/>
+                <a:satMod val="190000"/>
+              </a:schemeClr>
+            </a:duotone>
             <a:extLst>
               <a:ext uri="{96DAC541-7B7A-43D3-8B79-37D633B846F1}">
-                <asvg:svgBlip xmlns="" xmlns:asvg="http://schemas.microsoft.com/office/drawing/2016/SVG/main" r:embed="rId6"/>
+                <asvg:svgBlip xmlns:asvg="http://schemas.microsoft.com/office/drawing/2016/SVG/main" xmlns="" r:embed="rId6"/>
               </a:ext>
             </a:extLst>
           </a:blip>
@@ -1388,9 +1442,27 @@
         </a:prstGeom>
         <a:blipFill>
           <a:blip xmlns:r="http://schemas.openxmlformats.org/officeDocument/2006/relationships" r:embed="rId1">
+            <a:duotone>
+              <a:schemeClr val="accent2">
+                <a:hueOff val="0"/>
+                <a:satOff val="0"/>
+                <a:lumOff val="0"/>
+                <a:alphaOff val="0"/>
+                <a:shade val="20000"/>
+                <a:satMod val="200000"/>
+              </a:schemeClr>
+              <a:schemeClr val="accent2">
+                <a:hueOff val="0"/>
+                <a:satOff val="0"/>
+                <a:lumOff val="0"/>
+                <a:alphaOff val="0"/>
+                <a:tint val="12000"/>
+                <a:satMod val="190000"/>
+              </a:schemeClr>
+            </a:duotone>
             <a:extLst>
               <a:ext uri="{96DAC541-7B7A-43D3-8B79-37D633B846F1}">
-                <asvg:svgBlip xmlns="" xmlns:asvg="http://schemas.microsoft.com/office/drawing/2016/SVG/main" r:embed="rId2"/>
+                <asvg:svgBlip xmlns:asvg="http://schemas.microsoft.com/office/drawing/2016/SVG/main" xmlns="" r:embed="rId2"/>
               </a:ext>
             </a:extLst>
           </a:blip>
@@ -1500,9 +1572,27 @@
         </a:prstGeom>
         <a:blipFill>
           <a:blip xmlns:r="http://schemas.openxmlformats.org/officeDocument/2006/relationships" r:embed="rId3">
+            <a:duotone>
+              <a:schemeClr val="accent3">
+                <a:hueOff val="0"/>
+                <a:satOff val="0"/>
+                <a:lumOff val="0"/>
+                <a:alphaOff val="0"/>
+                <a:shade val="20000"/>
+                <a:satMod val="200000"/>
+              </a:schemeClr>
+              <a:schemeClr val="accent3">
+                <a:hueOff val="0"/>
+                <a:satOff val="0"/>
+                <a:lumOff val="0"/>
+                <a:alphaOff val="0"/>
+                <a:tint val="12000"/>
+                <a:satMod val="190000"/>
+              </a:schemeClr>
+            </a:duotone>
             <a:extLst>
               <a:ext uri="{96DAC541-7B7A-43D3-8B79-37D633B846F1}">
-                <asvg:svgBlip xmlns="" xmlns:asvg="http://schemas.microsoft.com/office/drawing/2016/SVG/main" r:embed="rId4"/>
+                <asvg:svgBlip xmlns:asvg="http://schemas.microsoft.com/office/drawing/2016/SVG/main" xmlns="" r:embed="rId4"/>
               </a:ext>
             </a:extLst>
           </a:blip>
@@ -1611,9 +1701,27 @@
         </a:prstGeom>
         <a:blipFill>
           <a:blip xmlns:r="http://schemas.openxmlformats.org/officeDocument/2006/relationships" r:embed="rId5">
+            <a:duotone>
+              <a:schemeClr val="accent4">
+                <a:hueOff val="0"/>
+                <a:satOff val="0"/>
+                <a:lumOff val="0"/>
+                <a:alphaOff val="0"/>
+                <a:shade val="20000"/>
+                <a:satMod val="200000"/>
+              </a:schemeClr>
+              <a:schemeClr val="accent4">
+                <a:hueOff val="0"/>
+                <a:satOff val="0"/>
+                <a:lumOff val="0"/>
+                <a:alphaOff val="0"/>
+                <a:tint val="12000"/>
+                <a:satMod val="190000"/>
+              </a:schemeClr>
+            </a:duotone>
             <a:extLst>
               <a:ext uri="{96DAC541-7B7A-43D3-8B79-37D633B846F1}">
-                <asvg:svgBlip xmlns="" xmlns:asvg="http://schemas.microsoft.com/office/drawing/2016/SVG/main" r:embed="rId6"/>
+                <asvg:svgBlip xmlns:asvg="http://schemas.microsoft.com/office/drawing/2016/SVG/main" xmlns="" r:embed="rId6"/>
               </a:ext>
             </a:extLst>
           </a:blip>
@@ -1893,7 +2001,7 @@
   </dgm:layoutNode>
   <dgm:extLst>
     <a:ext uri="{68A01E43-0DF5-4B5B-8FA6-DAF915123BFB}">
-      <dgm1612:lstStyle xmlns="" xmlns:dgm1612="http://schemas.microsoft.com/office/drawing/2016/12/diagram">
+      <dgm1612:lstStyle xmlns:dgm1612="http://schemas.microsoft.com/office/drawing/2016/12/diagram" xmlns="">
         <a:lvl1pPr>
           <a:lnSpc>
             <a:spcPct val="100000"/>
@@ -3021,7 +3129,7 @@
           <a:p>
             <a:fld id="{32B623FB-F82A-4510-A170-0D5E7C854AA3}" type="datetimeFigureOut">
               <a:rPr lang="en-CA" smtClean="0"/>
-              <a:t>2019-04-01</a:t>
+              <a:t>2019-04-11</a:t>
             </a:fld>
             <a:endParaRPr lang="en-CA"/>
           </a:p>
@@ -4055,7 +4163,7 @@
             <a:fld id="{B61BEF0D-F0BB-DE4B-95CE-6DB70DBA9567}" type="datetimeFigureOut">
               <a:rPr lang="en-US" smtClean="0"/>
               <a:pPr/>
-              <a:t>4/1/2019</a:t>
+              <a:t>4/11/2019</a:t>
             </a:fld>
             <a:endParaRPr lang="en-US" dirty="0"/>
           </a:p>
@@ -4319,7 +4427,7 @@
             <a:fld id="{B61BEF0D-F0BB-DE4B-95CE-6DB70DBA9567}" type="datetimeFigureOut">
               <a:rPr lang="en-US" smtClean="0"/>
               <a:pPr/>
-              <a:t>4/1/2019</a:t>
+              <a:t>4/11/2019</a:t>
             </a:fld>
             <a:endParaRPr lang="en-US" dirty="0"/>
           </a:p>
@@ -4556,7 +4664,7 @@
             <a:fld id="{B61BEF0D-F0BB-DE4B-95CE-6DB70DBA9567}" type="datetimeFigureOut">
               <a:rPr lang="en-US" smtClean="0"/>
               <a:pPr/>
-              <a:t>4/1/2019</a:t>
+              <a:t>4/11/2019</a:t>
             </a:fld>
             <a:endParaRPr lang="en-US" dirty="0"/>
           </a:p>
@@ -4798,7 +4906,7 @@
             <a:fld id="{B61BEF0D-F0BB-DE4B-95CE-6DB70DBA9567}" type="datetimeFigureOut">
               <a:rPr lang="en-US" smtClean="0"/>
               <a:pPr/>
-              <a:t>4/1/2019</a:t>
+              <a:t>4/11/2019</a:t>
             </a:fld>
             <a:endParaRPr lang="en-US" dirty="0"/>
           </a:p>
@@ -5107,7 +5215,7 @@
             <a:fld id="{B61BEF0D-F0BB-DE4B-95CE-6DB70DBA9567}" type="datetimeFigureOut">
               <a:rPr lang="en-US" smtClean="0"/>
               <a:pPr/>
-              <a:t>4/1/2019</a:t>
+              <a:t>4/11/2019</a:t>
             </a:fld>
             <a:endParaRPr lang="en-US" dirty="0"/>
           </a:p>
@@ -5411,7 +5519,7 @@
             <a:fld id="{B61BEF0D-F0BB-DE4B-95CE-6DB70DBA9567}" type="datetimeFigureOut">
               <a:rPr lang="en-US" smtClean="0"/>
               <a:pPr/>
-              <a:t>4/1/2019</a:t>
+              <a:t>4/11/2019</a:t>
             </a:fld>
             <a:endParaRPr lang="en-US" dirty="0"/>
           </a:p>
@@ -5835,7 +5943,7 @@
             <a:fld id="{B61BEF0D-F0BB-DE4B-95CE-6DB70DBA9567}" type="datetimeFigureOut">
               <a:rPr lang="en-US" smtClean="0"/>
               <a:pPr/>
-              <a:t>4/1/2019</a:t>
+              <a:t>4/11/2019</a:t>
             </a:fld>
             <a:endParaRPr lang="en-US" dirty="0"/>
           </a:p>
@@ -5932,7 +6040,7 @@
             <a:fld id="{B61BEF0D-F0BB-DE4B-95CE-6DB70DBA9567}" type="datetimeFigureOut">
               <a:rPr lang="en-US" smtClean="0"/>
               <a:pPr/>
-              <a:t>4/1/2019</a:t>
+              <a:t>4/11/2019</a:t>
             </a:fld>
             <a:endParaRPr lang="en-US" dirty="0"/>
           </a:p>
@@ -6096,7 +6204,7 @@
             <a:fld id="{B61BEF0D-F0BB-DE4B-95CE-6DB70DBA9567}" type="datetimeFigureOut">
               <a:rPr lang="en-US" smtClean="0"/>
               <a:pPr/>
-              <a:t>4/1/2019</a:t>
+              <a:t>4/11/2019</a:t>
             </a:fld>
             <a:endParaRPr lang="en-US" dirty="0"/>
           </a:p>
@@ -6476,7 +6584,7 @@
             <a:fld id="{B61BEF0D-F0BB-DE4B-95CE-6DB70DBA9567}" type="datetimeFigureOut">
               <a:rPr lang="en-US" smtClean="0"/>
               <a:pPr/>
-              <a:t>4/1/2019</a:t>
+              <a:t>4/11/2019</a:t>
             </a:fld>
             <a:endParaRPr lang="en-US" dirty="0"/>
           </a:p>
@@ -6767,7 +6875,7 @@
             <a:fld id="{B61BEF0D-F0BB-DE4B-95CE-6DB70DBA9567}" type="datetimeFigureOut">
               <a:rPr lang="en-US" smtClean="0"/>
               <a:pPr/>
-              <a:t>4/1/2019</a:t>
+              <a:t>4/11/2019</a:t>
             </a:fld>
             <a:endParaRPr lang="en-US" dirty="0"/>
           </a:p>
@@ -6980,7 +7088,7 @@
             <a:fld id="{B61BEF0D-F0BB-DE4B-95CE-6DB70DBA9567}" type="datetimeFigureOut">
               <a:rPr lang="en-US" smtClean="0"/>
               <a:pPr/>
-              <a:t>4/1/2019</a:t>
+              <a:t>4/11/2019</a:t>
             </a:fld>
             <a:endParaRPr lang="en-US" dirty="0"/>
           </a:p>
@@ -7672,16 +7780,17 @@
           <a:p>
             <a:r>
               <a:rPr lang="en-CA" dirty="0"/>
-              <a:t>Name of Project:	</a:t>
-            </a:r>
-            <a:r>
-              <a:rPr lang="en-CA" dirty="0" err="1"/>
-              <a:t>Gamifield</a:t>
-            </a:r>
-            <a:r>
-              <a:rPr lang="en-CA" dirty="0"/>
-              <a:t> – Sched</a:t>
-            </a:r>
+              <a:t>Name of Project:</a:t>
+            </a:r>
+            <a:r>
+              <a:rPr lang="en-CA"/>
+              <a:t>	</a:t>
+            </a:r>
+            <a:r>
+              <a:rPr lang="en-CA" smtClean="0"/>
+              <a:t>Sched</a:t>
+            </a:r>
+            <a:endParaRPr lang="en-CA" dirty="0"/>
           </a:p>
           <a:p>
             <a:r>
@@ -10342,11 +10451,12 @@
 </file>
 
 <file path=customXml/item1.xml><?xml version="1.0" encoding="utf-8"?>
-<p:properties xmlns:p="http://schemas.microsoft.com/office/2006/metadata/properties" xmlns:xsi="http://www.w3.org/2001/XMLSchema-instance" xmlns:pc="http://schemas.microsoft.com/office/infopath/2007/PartnerControls">
-  <documentManagement>
-    <MediaServiceKeyPoints xmlns="71af3243-3dd4-4a8d-8c0d-dd76da1f02a5" xsi:nil="true"/>
-  </documentManagement>
-</p:properties>
+<?mso-contentType ?>
+<FormTemplates xmlns="http://schemas.microsoft.com/sharepoint/v3/contenttype/forms">
+  <Display>DocumentLibraryForm</Display>
+  <Edit>DocumentLibraryForm</Edit>
+  <New>DocumentLibraryForm</New>
+</FormTemplates>
 </file>
 
 <file path=customXml/item2.xml><?xml version="1.0" encoding="utf-8"?>
@@ -10561,20 +10671,17 @@
 </file>
 
 <file path=customXml/item3.xml><?xml version="1.0" encoding="utf-8"?>
-<?mso-contentType ?>
-<FormTemplates xmlns="http://schemas.microsoft.com/sharepoint/v3/contenttype/forms">
-  <Display>DocumentLibraryForm</Display>
-  <Edit>DocumentLibraryForm</Edit>
-  <New>DocumentLibraryForm</New>
-</FormTemplates>
+<p:properties xmlns:p="http://schemas.microsoft.com/office/2006/metadata/properties" xmlns:xsi="http://www.w3.org/2001/XMLSchema-instance" xmlns:pc="http://schemas.microsoft.com/office/infopath/2007/PartnerControls">
+  <documentManagement>
+    <MediaServiceKeyPoints xmlns="71af3243-3dd4-4a8d-8c0d-dd76da1f02a5" xsi:nil="true"/>
+  </documentManagement>
+</p:properties>
 </file>
 
 <file path=customXml/itemProps1.xml><?xml version="1.0" encoding="utf-8"?>
-<ds:datastoreItem xmlns:ds="http://schemas.openxmlformats.org/officeDocument/2006/customXml" ds:itemID="{1EBC12AA-1C15-4500-BC9C-8EE83A441DE9}">
+<ds:datastoreItem xmlns:ds="http://schemas.openxmlformats.org/officeDocument/2006/customXml" ds:itemID="{BA0CF3B2-1F0F-4FC5-8002-3E4869ABAD55}">
   <ds:schemaRefs>
-    <ds:schemaRef ds:uri="http://schemas.microsoft.com/office/2006/metadata/properties"/>
-    <ds:schemaRef ds:uri="http://schemas.microsoft.com/office/infopath/2007/PartnerControls"/>
-    <ds:schemaRef ds:uri="71af3243-3dd4-4a8d-8c0d-dd76da1f02a5"/>
+    <ds:schemaRef ds:uri="http://schemas.microsoft.com/sharepoint/v3/contenttype/forms"/>
   </ds:schemaRefs>
 </ds:datastoreItem>
 </file>
@@ -10599,9 +10706,11 @@
 </file>
 
 <file path=customXml/itemProps3.xml><?xml version="1.0" encoding="utf-8"?>
-<ds:datastoreItem xmlns:ds="http://schemas.openxmlformats.org/officeDocument/2006/customXml" ds:itemID="{BA0CF3B2-1F0F-4FC5-8002-3E4869ABAD55}">
+<ds:datastoreItem xmlns:ds="http://schemas.openxmlformats.org/officeDocument/2006/customXml" ds:itemID="{1EBC12AA-1C15-4500-BC9C-8EE83A441DE9}">
   <ds:schemaRefs>
-    <ds:schemaRef ds:uri="http://schemas.microsoft.com/sharepoint/v3/contenttype/forms"/>
+    <ds:schemaRef ds:uri="http://schemas.microsoft.com/office/2006/metadata/properties"/>
+    <ds:schemaRef ds:uri="http://schemas.microsoft.com/office/infopath/2007/PartnerControls"/>
+    <ds:schemaRef ds:uri="71af3243-3dd4-4a8d-8c0d-dd76da1f02a5"/>
   </ds:schemaRefs>
 </ds:datastoreItem>
 </file>